--- a/angular開發教學.pptx
+++ b/angular開發教學.pptx
@@ -12,45 +12,47 @@
     <p:sldId id="263" r:id="rId6"/>
     <p:sldId id="265" r:id="rId7"/>
     <p:sldId id="264" r:id="rId8"/>
-    <p:sldId id="267" r:id="rId9"/>
-    <p:sldId id="266" r:id="rId10"/>
-    <p:sldId id="273" r:id="rId11"/>
-    <p:sldId id="268" r:id="rId12"/>
-    <p:sldId id="270" r:id="rId13"/>
-    <p:sldId id="259" r:id="rId14"/>
-    <p:sldId id="269" r:id="rId15"/>
-    <p:sldId id="258" r:id="rId16"/>
-    <p:sldId id="271" r:id="rId17"/>
-    <p:sldId id="272" r:id="rId18"/>
-    <p:sldId id="274" r:id="rId19"/>
-    <p:sldId id="275" r:id="rId20"/>
-    <p:sldId id="302" r:id="rId21"/>
-    <p:sldId id="276" r:id="rId22"/>
-    <p:sldId id="277" r:id="rId23"/>
-    <p:sldId id="278" r:id="rId24"/>
-    <p:sldId id="279" r:id="rId25"/>
-    <p:sldId id="280" r:id="rId26"/>
-    <p:sldId id="281" r:id="rId27"/>
-    <p:sldId id="282" r:id="rId28"/>
-    <p:sldId id="283" r:id="rId29"/>
-    <p:sldId id="284" r:id="rId30"/>
-    <p:sldId id="285" r:id="rId31"/>
-    <p:sldId id="286" r:id="rId32"/>
-    <p:sldId id="287" r:id="rId33"/>
-    <p:sldId id="288" r:id="rId34"/>
-    <p:sldId id="289" r:id="rId35"/>
-    <p:sldId id="290" r:id="rId36"/>
-    <p:sldId id="291" r:id="rId37"/>
-    <p:sldId id="292" r:id="rId38"/>
-    <p:sldId id="293" r:id="rId39"/>
-    <p:sldId id="294" r:id="rId40"/>
-    <p:sldId id="295" r:id="rId41"/>
-    <p:sldId id="296" r:id="rId42"/>
-    <p:sldId id="297" r:id="rId43"/>
-    <p:sldId id="298" r:id="rId44"/>
-    <p:sldId id="299" r:id="rId45"/>
-    <p:sldId id="300" r:id="rId46"/>
-    <p:sldId id="301" r:id="rId47"/>
+    <p:sldId id="303" r:id="rId9"/>
+    <p:sldId id="267" r:id="rId10"/>
+    <p:sldId id="266" r:id="rId11"/>
+    <p:sldId id="273" r:id="rId12"/>
+    <p:sldId id="268" r:id="rId13"/>
+    <p:sldId id="270" r:id="rId14"/>
+    <p:sldId id="258" r:id="rId15"/>
+    <p:sldId id="259" r:id="rId16"/>
+    <p:sldId id="269" r:id="rId17"/>
+    <p:sldId id="271" r:id="rId18"/>
+    <p:sldId id="272" r:id="rId19"/>
+    <p:sldId id="274" r:id="rId20"/>
+    <p:sldId id="275" r:id="rId21"/>
+    <p:sldId id="302" r:id="rId22"/>
+    <p:sldId id="276" r:id="rId23"/>
+    <p:sldId id="277" r:id="rId24"/>
+    <p:sldId id="278" r:id="rId25"/>
+    <p:sldId id="279" r:id="rId26"/>
+    <p:sldId id="280" r:id="rId27"/>
+    <p:sldId id="304" r:id="rId28"/>
+    <p:sldId id="281" r:id="rId29"/>
+    <p:sldId id="282" r:id="rId30"/>
+    <p:sldId id="283" r:id="rId31"/>
+    <p:sldId id="284" r:id="rId32"/>
+    <p:sldId id="285" r:id="rId33"/>
+    <p:sldId id="286" r:id="rId34"/>
+    <p:sldId id="287" r:id="rId35"/>
+    <p:sldId id="288" r:id="rId36"/>
+    <p:sldId id="289" r:id="rId37"/>
+    <p:sldId id="290" r:id="rId38"/>
+    <p:sldId id="291" r:id="rId39"/>
+    <p:sldId id="292" r:id="rId40"/>
+    <p:sldId id="293" r:id="rId41"/>
+    <p:sldId id="294" r:id="rId42"/>
+    <p:sldId id="295" r:id="rId43"/>
+    <p:sldId id="296" r:id="rId44"/>
+    <p:sldId id="297" r:id="rId45"/>
+    <p:sldId id="298" r:id="rId46"/>
+    <p:sldId id="299" r:id="rId47"/>
+    <p:sldId id="300" r:id="rId48"/>
+    <p:sldId id="301" r:id="rId49"/>
   </p:sldIdLst>
   <p:sldSz cx="12192000" cy="6858000"/>
   <p:notesSz cx="6858000" cy="9144000"/>
@@ -3074,6 +3076,13 @@
   <p:clrMapOvr>
     <a:masterClrMapping/>
   </p:clrMapOvr>
+  <p:timing>
+    <p:tnLst>
+      <p:par>
+        <p:cTn id="1" dur="indefinite" restart="never" nodeType="tmRoot"/>
+      </p:par>
+    </p:tnLst>
+  </p:timing>
 </p:sld>
 </file>
 
@@ -3111,6 +3120,258 @@
           <a:p>
             <a:r>
               <a:rPr lang="en-US" altLang="zh-TW" dirty="0" smtClean="0"/>
+              <a:t>HTML Style attribute</a:t>
+            </a:r>
+            <a:endParaRPr lang="zh-TW" altLang="en-US" dirty="0"/>
+          </a:p>
+        </p:txBody>
+      </p:sp>
+      <p:sp>
+        <p:nvSpPr>
+          <p:cNvPr id="3" name="內容版面配置區 2"/>
+          <p:cNvSpPr>
+            <a:spLocks noGrp="1"/>
+          </p:cNvSpPr>
+          <p:nvPr>
+            <p:ph idx="1"/>
+          </p:nvPr>
+        </p:nvSpPr>
+        <p:spPr/>
+        <p:txBody>
+          <a:bodyPr>
+            <a:normAutofit fontScale="92500" lnSpcReduction="20000"/>
+          </a:bodyPr>
+          <a:lstStyle/>
+          <a:p>
+            <a:r>
+              <a:rPr lang="zh-TW" altLang="en-US" dirty="0" smtClean="0"/>
+              <a:t>語法</a:t>
+            </a:r>
+            <a:r>
+              <a:rPr lang="en-US" altLang="zh-TW" dirty="0" smtClean="0"/>
+              <a:t>:</a:t>
+            </a:r>
+          </a:p>
+          <a:p>
+            <a:r>
+              <a:rPr lang="en-US" altLang="zh-TW" dirty="0" smtClean="0"/>
+              <a:t>Color: background, Text</a:t>
+            </a:r>
+          </a:p>
+          <a:p>
+            <a:r>
+              <a:rPr lang="en-US" altLang="zh-TW" dirty="0" smtClean="0"/>
+              <a:t>Text: Size, Font, Alignment, formatting</a:t>
+            </a:r>
+          </a:p>
+          <a:p>
+            <a:pPr lvl="1"/>
+            <a:r>
+              <a:rPr lang="en-US" altLang="zh-TW" dirty="0" smtClean="0"/>
+              <a:t>Formatting</a:t>
+            </a:r>
+          </a:p>
+          <a:p>
+            <a:pPr lvl="2"/>
+            <a:r>
+              <a:rPr lang="en-US" altLang="zh-TW" dirty="0"/>
+              <a:t>&lt;b&gt; - Bold text</a:t>
+            </a:r>
+          </a:p>
+          <a:p>
+            <a:pPr lvl="2"/>
+            <a:r>
+              <a:rPr lang="en-US" altLang="zh-TW" dirty="0"/>
+              <a:t>&lt;strong&gt; - Important text</a:t>
+            </a:r>
+          </a:p>
+          <a:p>
+            <a:pPr lvl="2"/>
+            <a:r>
+              <a:rPr lang="en-US" altLang="zh-TW" dirty="0"/>
+              <a:t>&lt;</a:t>
+            </a:r>
+            <a:r>
+              <a:rPr lang="en-US" altLang="zh-TW" dirty="0" err="1"/>
+              <a:t>i</a:t>
+            </a:r>
+            <a:r>
+              <a:rPr lang="en-US" altLang="zh-TW" dirty="0"/>
+              <a:t>&gt; - Italic text</a:t>
+            </a:r>
+          </a:p>
+          <a:p>
+            <a:pPr lvl="2"/>
+            <a:r>
+              <a:rPr lang="en-US" altLang="zh-TW" dirty="0"/>
+              <a:t>&lt;</a:t>
+            </a:r>
+            <a:r>
+              <a:rPr lang="en-US" altLang="zh-TW" dirty="0" err="1"/>
+              <a:t>em</a:t>
+            </a:r>
+            <a:r>
+              <a:rPr lang="en-US" altLang="zh-TW" dirty="0"/>
+              <a:t>&gt; - Emphasized text</a:t>
+            </a:r>
+          </a:p>
+          <a:p>
+            <a:pPr lvl="2"/>
+            <a:r>
+              <a:rPr lang="en-US" altLang="zh-TW" dirty="0"/>
+              <a:t>&lt;mark&gt; - Marked text</a:t>
+            </a:r>
+          </a:p>
+          <a:p>
+            <a:pPr lvl="2"/>
+            <a:r>
+              <a:rPr lang="en-US" altLang="zh-TW" dirty="0"/>
+              <a:t>&lt;small&gt; - Small text</a:t>
+            </a:r>
+          </a:p>
+          <a:p>
+            <a:pPr lvl="2"/>
+            <a:r>
+              <a:rPr lang="en-US" altLang="zh-TW" dirty="0"/>
+              <a:t>&lt;del&gt; - Deleted text</a:t>
+            </a:r>
+          </a:p>
+          <a:p>
+            <a:pPr lvl="2"/>
+            <a:r>
+              <a:rPr lang="en-US" altLang="zh-TW" dirty="0"/>
+              <a:t>&lt;ins&gt; - Inserted text</a:t>
+            </a:r>
+          </a:p>
+          <a:p>
+            <a:pPr lvl="2"/>
+            <a:r>
+              <a:rPr lang="en-US" altLang="zh-TW" dirty="0"/>
+              <a:t>&lt;sub&gt; - Subscript text</a:t>
+            </a:r>
+          </a:p>
+          <a:p>
+            <a:pPr lvl="2"/>
+            <a:r>
+              <a:rPr lang="en-US" altLang="zh-TW" dirty="0"/>
+              <a:t>&lt;sup&gt; - Superscript text</a:t>
+            </a:r>
+            <a:endParaRPr lang="en-US" altLang="zh-TW" dirty="0" smtClean="0"/>
+          </a:p>
+          <a:p>
+            <a:endParaRPr lang="zh-TW" altLang="en-US" dirty="0"/>
+          </a:p>
+        </p:txBody>
+      </p:sp>
+      <p:sp>
+        <p:nvSpPr>
+          <p:cNvPr id="4" name="矩形 3"/>
+          <p:cNvSpPr/>
+          <p:nvPr/>
+        </p:nvSpPr>
+        <p:spPr>
+          <a:xfrm>
+            <a:off x="6305541" y="6311900"/>
+            <a:ext cx="4946547" cy="369332"/>
+          </a:xfrm>
+          <a:prstGeom prst="rect">
+            <a:avLst/>
+          </a:prstGeom>
+        </p:spPr>
+        <p:txBody>
+          <a:bodyPr wrap="none">
+            <a:spAutoFit/>
+          </a:bodyPr>
+          <a:lstStyle/>
+          <a:p>
+            <a:r>
+              <a:rPr lang="en-US" altLang="zh-TW" dirty="0">
+                <a:hlinkClick r:id="rId2"/>
+              </a:rPr>
+              <a:t>https://www.w3schools.com/html/html_styles.asp</a:t>
+            </a:r>
+            <a:endParaRPr lang="zh-TW" altLang="en-US" dirty="0"/>
+          </a:p>
+        </p:txBody>
+      </p:sp>
+      <p:pic>
+        <p:nvPicPr>
+          <p:cNvPr id="5" name="圖片 4"/>
+          <p:cNvPicPr>
+            <a:picLocks noChangeAspect="1"/>
+          </p:cNvPicPr>
+          <p:nvPr/>
+        </p:nvPicPr>
+        <p:blipFill>
+          <a:blip r:embed="rId3"/>
+          <a:stretch>
+            <a:fillRect/>
+          </a:stretch>
+        </p:blipFill>
+        <p:spPr>
+          <a:xfrm>
+            <a:off x="2647141" y="1587171"/>
+            <a:ext cx="3895725" cy="609600"/>
+          </a:xfrm>
+          <a:prstGeom prst="rect">
+            <a:avLst/>
+          </a:prstGeom>
+        </p:spPr>
+      </p:pic>
+    </p:spTree>
+    <p:extLst>
+      <p:ext uri="{BB962C8B-B14F-4D97-AF65-F5344CB8AC3E}">
+        <p14:creationId xmlns:p14="http://schemas.microsoft.com/office/powerpoint/2010/main" val="265644712"/>
+      </p:ext>
+    </p:extLst>
+  </p:cSld>
+  <p:clrMapOvr>
+    <a:masterClrMapping/>
+  </p:clrMapOvr>
+  <p:timing>
+    <p:tnLst>
+      <p:par>
+        <p:cTn id="1" dur="indefinite" restart="never" nodeType="tmRoot"/>
+      </p:par>
+    </p:tnLst>
+  </p:timing>
+</p:sld>
+</file>
+
+<file path=ppt/slides/slide11.xml><?xml version="1.0" encoding="utf-8"?>
+<p:sld xmlns:a="http://schemas.openxmlformats.org/drawingml/2006/main" xmlns:r="http://schemas.openxmlformats.org/officeDocument/2006/relationships" xmlns:p="http://schemas.openxmlformats.org/presentationml/2006/main">
+  <p:cSld>
+    <p:spTree>
+      <p:nvGrpSpPr>
+        <p:cNvPr id="1" name=""/>
+        <p:cNvGrpSpPr/>
+        <p:nvPr/>
+      </p:nvGrpSpPr>
+      <p:grpSpPr>
+        <a:xfrm>
+          <a:off x="0" y="0"/>
+          <a:ext cx="0" cy="0"/>
+          <a:chOff x="0" y="0"/>
+          <a:chExt cx="0" cy="0"/>
+        </a:xfrm>
+      </p:grpSpPr>
+      <p:sp>
+        <p:nvSpPr>
+          <p:cNvPr id="2" name="標題 1"/>
+          <p:cNvSpPr>
+            <a:spLocks noGrp="1"/>
+          </p:cNvSpPr>
+          <p:nvPr>
+            <p:ph type="title"/>
+          </p:nvPr>
+        </p:nvSpPr>
+        <p:spPr/>
+        <p:txBody>
+          <a:bodyPr/>
+          <a:lstStyle/>
+          <a:p>
+            <a:r>
+              <a:rPr lang="en-US" altLang="zh-TW" dirty="0" smtClean="0"/>
               <a:t>CSS</a:t>
             </a:r>
             <a:endParaRPr lang="zh-TW" altLang="en-US" dirty="0"/>
@@ -3149,7 +3410,7 @@
 </p:sld>
 </file>
 
-<file path=ppt/slides/slide11.xml><?xml version="1.0" encoding="utf-8"?>
+<file path=ppt/slides/slide12.xml><?xml version="1.0" encoding="utf-8"?>
 <p:sld xmlns:a="http://schemas.openxmlformats.org/drawingml/2006/main" xmlns:r="http://schemas.openxmlformats.org/officeDocument/2006/relationships" xmlns:p="http://schemas.openxmlformats.org/presentationml/2006/main">
   <p:cSld>
     <p:spTree>
@@ -3359,7 +3620,7 @@
 </p:sld>
 </file>
 
-<file path=ppt/slides/slide12.xml><?xml version="1.0" encoding="utf-8"?>
+<file path=ppt/slides/slide13.xml><?xml version="1.0" encoding="utf-8"?>
 <p:sld xmlns:a="http://schemas.openxmlformats.org/drawingml/2006/main" xmlns:r="http://schemas.openxmlformats.org/officeDocument/2006/relationships" xmlns:p="http://schemas.openxmlformats.org/presentationml/2006/main">
   <p:cSld>
     <p:spTree>
@@ -3749,7 +4010,423 @@
 </p:sld>
 </file>
 
-<file path=ppt/slides/slide13.xml><?xml version="1.0" encoding="utf-8"?>
+<file path=ppt/slides/slide14.xml><?xml version="1.0" encoding="utf-8"?>
+<p:sld xmlns:a="http://schemas.openxmlformats.org/drawingml/2006/main" xmlns:r="http://schemas.openxmlformats.org/officeDocument/2006/relationships" xmlns:p="http://schemas.openxmlformats.org/presentationml/2006/main">
+  <p:cSld>
+    <p:spTree>
+      <p:nvGrpSpPr>
+        <p:cNvPr id="1" name=""/>
+        <p:cNvGrpSpPr/>
+        <p:nvPr/>
+      </p:nvGrpSpPr>
+      <p:grpSpPr>
+        <a:xfrm>
+          <a:off x="0" y="0"/>
+          <a:ext cx="0" cy="0"/>
+          <a:chOff x="0" y="0"/>
+          <a:chExt cx="0" cy="0"/>
+        </a:xfrm>
+      </p:grpSpPr>
+      <p:sp>
+        <p:nvSpPr>
+          <p:cNvPr id="2" name="標題 1"/>
+          <p:cNvSpPr>
+            <a:spLocks noGrp="1"/>
+          </p:cNvSpPr>
+          <p:nvPr>
+            <p:ph type="title"/>
+          </p:nvPr>
+        </p:nvSpPr>
+        <p:spPr/>
+        <p:txBody>
+          <a:bodyPr/>
+          <a:lstStyle/>
+          <a:p>
+            <a:r>
+              <a:rPr lang="en-US" altLang="zh-TW" dirty="0" smtClean="0"/>
+              <a:t>Class/id</a:t>
+            </a:r>
+            <a:endParaRPr lang="zh-TW" altLang="en-US" dirty="0"/>
+          </a:p>
+        </p:txBody>
+      </p:sp>
+      <p:sp>
+        <p:nvSpPr>
+          <p:cNvPr id="3" name="內容版面配置區 2"/>
+          <p:cNvSpPr>
+            <a:spLocks noGrp="1"/>
+          </p:cNvSpPr>
+          <p:nvPr>
+            <p:ph idx="1"/>
+          </p:nvPr>
+        </p:nvSpPr>
+        <p:spPr/>
+        <p:txBody>
+          <a:bodyPr/>
+          <a:lstStyle/>
+          <a:p>
+            <a:r>
+              <a:rPr lang="en-US" altLang="zh-TW" dirty="0" smtClean="0"/>
+              <a:t>. (dot) class</a:t>
+            </a:r>
+          </a:p>
+          <a:p>
+            <a:r>
+              <a:rPr lang="en-US" altLang="zh-TW" dirty="0" smtClean="0"/>
+              <a:t># (sharp) id</a:t>
+            </a:r>
+          </a:p>
+          <a:p>
+            <a:r>
+              <a:rPr lang="zh-TW" altLang="en-US" dirty="0" smtClean="0"/>
+              <a:t>無修飾相同於</a:t>
+            </a:r>
+            <a:endParaRPr lang="en-US" altLang="zh-TW" dirty="0" smtClean="0"/>
+          </a:p>
+          <a:p>
+            <a:pPr marL="0" indent="0">
+              <a:buNone/>
+            </a:pPr>
+            <a:r>
+              <a:rPr lang="en-US" altLang="zh-TW" dirty="0"/>
+              <a:t> </a:t>
+            </a:r>
+            <a:r>
+              <a:rPr lang="en-US" altLang="zh-TW" dirty="0" smtClean="0"/>
+              <a:t>    HTML TAG</a:t>
+            </a:r>
+          </a:p>
+          <a:p>
+            <a:endParaRPr lang="zh-TW" altLang="en-US" dirty="0"/>
+          </a:p>
+        </p:txBody>
+      </p:sp>
+      <p:pic>
+        <p:nvPicPr>
+          <p:cNvPr id="5" name="圖片 4"/>
+          <p:cNvPicPr>
+            <a:picLocks noChangeAspect="1"/>
+          </p:cNvPicPr>
+          <p:nvPr/>
+        </p:nvPicPr>
+        <p:blipFill>
+          <a:blip r:embed="rId2"/>
+          <a:stretch>
+            <a:fillRect/>
+          </a:stretch>
+        </p:blipFill>
+        <p:spPr>
+          <a:xfrm>
+            <a:off x="5427453" y="3332902"/>
+            <a:ext cx="3725981" cy="2852190"/>
+          </a:xfrm>
+          <a:prstGeom prst="rect">
+            <a:avLst/>
+          </a:prstGeom>
+        </p:spPr>
+      </p:pic>
+      <p:grpSp>
+        <p:nvGrpSpPr>
+          <p:cNvPr id="16" name="群組 15"/>
+          <p:cNvGrpSpPr/>
+          <p:nvPr/>
+        </p:nvGrpSpPr>
+        <p:grpSpPr>
+          <a:xfrm>
+            <a:off x="5244860" y="319116"/>
+            <a:ext cx="5460521" cy="2605239"/>
+            <a:chOff x="5244860" y="319116"/>
+            <a:chExt cx="5779698" cy="3131450"/>
+          </a:xfrm>
+        </p:grpSpPr>
+        <p:sp>
+          <p:nvSpPr>
+            <p:cNvPr id="8" name="圓角矩形 7"/>
+            <p:cNvSpPr/>
+            <p:nvPr/>
+          </p:nvSpPr>
+          <p:spPr>
+            <a:xfrm>
+              <a:off x="5244860" y="319116"/>
+              <a:ext cx="5779698" cy="3131450"/>
+            </a:xfrm>
+            <a:prstGeom prst="roundRect">
+              <a:avLst/>
+            </a:prstGeom>
+          </p:spPr>
+          <p:style>
+            <a:lnRef idx="2">
+              <a:schemeClr val="accent1">
+                <a:shade val="50000"/>
+              </a:schemeClr>
+            </a:lnRef>
+            <a:fillRef idx="1">
+              <a:schemeClr val="accent1"/>
+            </a:fillRef>
+            <a:effectRef idx="0">
+              <a:schemeClr val="accent1"/>
+            </a:effectRef>
+            <a:fontRef idx="minor">
+              <a:schemeClr val="lt1"/>
+            </a:fontRef>
+          </p:style>
+          <p:txBody>
+            <a:bodyPr rtlCol="0" anchor="ctr"/>
+            <a:lstStyle/>
+            <a:p>
+              <a:pPr algn="ctr"/>
+              <a:endParaRPr lang="zh-TW" altLang="en-US"/>
+            </a:p>
+          </p:txBody>
+        </p:sp>
+        <p:pic>
+          <p:nvPicPr>
+            <p:cNvPr id="6" name="圖片 5"/>
+            <p:cNvPicPr>
+              <a:picLocks noChangeAspect="1"/>
+            </p:cNvPicPr>
+            <p:nvPr/>
+          </p:nvPicPr>
+          <p:blipFill>
+            <a:blip r:embed="rId3"/>
+            <a:stretch>
+              <a:fillRect/>
+            </a:stretch>
+          </p:blipFill>
+          <p:spPr>
+            <a:xfrm>
+              <a:off x="5752829" y="493434"/>
+              <a:ext cx="2924849" cy="1551025"/>
+            </a:xfrm>
+            <a:prstGeom prst="rect">
+              <a:avLst/>
+            </a:prstGeom>
+          </p:spPr>
+        </p:pic>
+        <p:pic>
+          <p:nvPicPr>
+            <p:cNvPr id="7" name="圖片 6"/>
+            <p:cNvPicPr>
+              <a:picLocks noChangeAspect="1"/>
+            </p:cNvPicPr>
+            <p:nvPr/>
+          </p:nvPicPr>
+          <p:blipFill>
+            <a:blip r:embed="rId4"/>
+            <a:stretch>
+              <a:fillRect/>
+            </a:stretch>
+          </p:blipFill>
+          <p:spPr>
+            <a:xfrm>
+              <a:off x="5752829" y="2090468"/>
+              <a:ext cx="4082900" cy="1183336"/>
+            </a:xfrm>
+            <a:prstGeom prst="rect">
+              <a:avLst/>
+            </a:prstGeom>
+          </p:spPr>
+        </p:pic>
+      </p:grpSp>
+      <p:cxnSp>
+        <p:nvCxnSpPr>
+          <p:cNvPr id="10" name="直線單箭頭接點 9"/>
+          <p:cNvCxnSpPr/>
+          <p:nvPr/>
+        </p:nvCxnSpPr>
+        <p:spPr>
+          <a:xfrm flipV="1">
+            <a:off x="3053751" y="1736697"/>
+            <a:ext cx="1682151" cy="353771"/>
+          </a:xfrm>
+          <a:prstGeom prst="straightConnector1">
+            <a:avLst/>
+          </a:prstGeom>
+          <a:ln>
+            <a:tailEnd type="triangle"/>
+          </a:ln>
+        </p:spPr>
+        <p:style>
+          <a:lnRef idx="1">
+            <a:schemeClr val="accent1"/>
+          </a:lnRef>
+          <a:fillRef idx="0">
+            <a:schemeClr val="accent1"/>
+          </a:fillRef>
+          <a:effectRef idx="0">
+            <a:schemeClr val="accent1"/>
+          </a:effectRef>
+          <a:fontRef idx="minor">
+            <a:schemeClr val="tx1"/>
+          </a:fontRef>
+        </p:style>
+      </p:cxnSp>
+      <p:cxnSp>
+        <p:nvCxnSpPr>
+          <p:cNvPr id="12" name="直線單箭頭接點 11"/>
+          <p:cNvCxnSpPr/>
+          <p:nvPr/>
+        </p:nvCxnSpPr>
+        <p:spPr>
+          <a:xfrm>
+            <a:off x="3044494" y="2680414"/>
+            <a:ext cx="2095555" cy="873669"/>
+          </a:xfrm>
+          <a:prstGeom prst="straightConnector1">
+            <a:avLst/>
+          </a:prstGeom>
+          <a:ln>
+            <a:tailEnd type="triangle"/>
+          </a:ln>
+        </p:spPr>
+        <p:style>
+          <a:lnRef idx="1">
+            <a:schemeClr val="accent1"/>
+          </a:lnRef>
+          <a:fillRef idx="0">
+            <a:schemeClr val="accent1"/>
+          </a:fillRef>
+          <a:effectRef idx="0">
+            <a:schemeClr val="accent1"/>
+          </a:effectRef>
+          <a:fontRef idx="minor">
+            <a:schemeClr val="tx1"/>
+          </a:fontRef>
+        </p:style>
+      </p:cxnSp>
+      <p:sp>
+        <p:nvSpPr>
+          <p:cNvPr id="13" name="矩形 12"/>
+          <p:cNvSpPr/>
+          <p:nvPr/>
+        </p:nvSpPr>
+        <p:spPr>
+          <a:xfrm>
+            <a:off x="6476013" y="2957171"/>
+            <a:ext cx="5066130" cy="369332"/>
+          </a:xfrm>
+          <a:prstGeom prst="rect">
+            <a:avLst/>
+          </a:prstGeom>
+        </p:spPr>
+        <p:txBody>
+          <a:bodyPr wrap="none">
+            <a:spAutoFit/>
+          </a:bodyPr>
+          <a:lstStyle/>
+          <a:p>
+            <a:r>
+              <a:rPr lang="en-US" altLang="zh-TW" dirty="0">
+                <a:hlinkClick r:id="rId5"/>
+              </a:rPr>
+              <a:t>https://www.w3schools.com/html/html_classes.asp</a:t>
+            </a:r>
+            <a:endParaRPr lang="zh-TW" altLang="en-US" dirty="0"/>
+          </a:p>
+        </p:txBody>
+      </p:sp>
+      <p:sp>
+        <p:nvSpPr>
+          <p:cNvPr id="14" name="矩形 13"/>
+          <p:cNvSpPr/>
+          <p:nvPr/>
+        </p:nvSpPr>
+        <p:spPr>
+          <a:xfrm>
+            <a:off x="6856010" y="6248057"/>
+            <a:ext cx="4594848" cy="369332"/>
+          </a:xfrm>
+          <a:prstGeom prst="rect">
+            <a:avLst/>
+          </a:prstGeom>
+        </p:spPr>
+        <p:txBody>
+          <a:bodyPr wrap="none">
+            <a:spAutoFit/>
+          </a:bodyPr>
+          <a:lstStyle/>
+          <a:p>
+            <a:r>
+              <a:rPr lang="en-US" altLang="zh-TW" dirty="0">
+                <a:hlinkClick r:id="rId6"/>
+              </a:rPr>
+              <a:t>https://www.w3schools.com/html/html_id.asp</a:t>
+            </a:r>
+            <a:endParaRPr lang="zh-TW" altLang="en-US" dirty="0"/>
+          </a:p>
+        </p:txBody>
+      </p:sp>
+      <p:pic>
+        <p:nvPicPr>
+          <p:cNvPr id="15" name="圖片 14"/>
+          <p:cNvPicPr>
+            <a:picLocks noChangeAspect="1"/>
+          </p:cNvPicPr>
+          <p:nvPr/>
+        </p:nvPicPr>
+        <p:blipFill>
+          <a:blip r:embed="rId7"/>
+          <a:stretch>
+            <a:fillRect/>
+          </a:stretch>
+        </p:blipFill>
+        <p:spPr>
+          <a:xfrm>
+            <a:off x="117802" y="4476340"/>
+            <a:ext cx="4618100" cy="2152263"/>
+          </a:xfrm>
+          <a:prstGeom prst="rect">
+            <a:avLst/>
+          </a:prstGeom>
+        </p:spPr>
+      </p:pic>
+      <p:cxnSp>
+        <p:nvCxnSpPr>
+          <p:cNvPr id="20" name="直線單箭頭接點 19"/>
+          <p:cNvCxnSpPr/>
+          <p:nvPr/>
+        </p:nvCxnSpPr>
+        <p:spPr>
+          <a:xfrm>
+            <a:off x="2225615" y="3699553"/>
+            <a:ext cx="43132" cy="682666"/>
+          </a:xfrm>
+          <a:prstGeom prst="straightConnector1">
+            <a:avLst/>
+          </a:prstGeom>
+          <a:ln>
+            <a:tailEnd type="triangle"/>
+          </a:ln>
+        </p:spPr>
+        <p:style>
+          <a:lnRef idx="1">
+            <a:schemeClr val="accent1"/>
+          </a:lnRef>
+          <a:fillRef idx="0">
+            <a:schemeClr val="accent1"/>
+          </a:fillRef>
+          <a:effectRef idx="0">
+            <a:schemeClr val="accent1"/>
+          </a:effectRef>
+          <a:fontRef idx="minor">
+            <a:schemeClr val="tx1"/>
+          </a:fontRef>
+        </p:style>
+      </p:cxnSp>
+    </p:spTree>
+    <p:extLst>
+      <p:ext uri="{BB962C8B-B14F-4D97-AF65-F5344CB8AC3E}">
+        <p14:creationId xmlns:p14="http://schemas.microsoft.com/office/powerpoint/2010/main" val="1517670699"/>
+      </p:ext>
+    </p:extLst>
+  </p:cSld>
+  <p:clrMapOvr>
+    <a:masterClrMapping/>
+  </p:clrMapOvr>
+</p:sld>
+</file>
+
+<file path=ppt/slides/slide15.xml><?xml version="1.0" encoding="utf-8"?>
 <p:sld xmlns:a="http://schemas.openxmlformats.org/drawingml/2006/main" xmlns:r="http://schemas.openxmlformats.org/officeDocument/2006/relationships" xmlns:p="http://schemas.openxmlformats.org/presentationml/2006/main">
   <p:cSld>
     <p:spTree>
@@ -4147,7 +4824,7 @@
 </p:sld>
 </file>
 
-<file path=ppt/slides/slide14.xml><?xml version="1.0" encoding="utf-8"?>
+<file path=ppt/slides/slide16.xml><?xml version="1.0" encoding="utf-8"?>
 <p:sld xmlns:a="http://schemas.openxmlformats.org/drawingml/2006/main" xmlns:r="http://schemas.openxmlformats.org/officeDocument/2006/relationships" xmlns:p="http://schemas.openxmlformats.org/presentationml/2006/main">
   <p:cSld>
     <p:spTree>
@@ -4270,7 +4947,7 @@
         </p:nvSpPr>
         <p:spPr>
           <a:xfrm>
-            <a:off x="5377132" y="6392499"/>
+            <a:off x="5340544" y="6368170"/>
             <a:ext cx="6096000" cy="276999"/>
           </a:xfrm>
           <a:prstGeom prst="rect">
@@ -4487,423 +5164,7 @@
 </p:sld>
 </file>
 
-<file path=ppt/slides/slide15.xml><?xml version="1.0" encoding="utf-8"?>
-<p:sld xmlns:a="http://schemas.openxmlformats.org/drawingml/2006/main" xmlns:r="http://schemas.openxmlformats.org/officeDocument/2006/relationships" xmlns:p="http://schemas.openxmlformats.org/presentationml/2006/main">
-  <p:cSld>
-    <p:spTree>
-      <p:nvGrpSpPr>
-        <p:cNvPr id="1" name=""/>
-        <p:cNvGrpSpPr/>
-        <p:nvPr/>
-      </p:nvGrpSpPr>
-      <p:grpSpPr>
-        <a:xfrm>
-          <a:off x="0" y="0"/>
-          <a:ext cx="0" cy="0"/>
-          <a:chOff x="0" y="0"/>
-          <a:chExt cx="0" cy="0"/>
-        </a:xfrm>
-      </p:grpSpPr>
-      <p:sp>
-        <p:nvSpPr>
-          <p:cNvPr id="2" name="標題 1"/>
-          <p:cNvSpPr>
-            <a:spLocks noGrp="1"/>
-          </p:cNvSpPr>
-          <p:nvPr>
-            <p:ph type="title"/>
-          </p:nvPr>
-        </p:nvSpPr>
-        <p:spPr/>
-        <p:txBody>
-          <a:bodyPr/>
-          <a:lstStyle/>
-          <a:p>
-            <a:r>
-              <a:rPr lang="en-US" altLang="zh-TW" dirty="0" smtClean="0"/>
-              <a:t>Class/id</a:t>
-            </a:r>
-            <a:endParaRPr lang="zh-TW" altLang="en-US" dirty="0"/>
-          </a:p>
-        </p:txBody>
-      </p:sp>
-      <p:sp>
-        <p:nvSpPr>
-          <p:cNvPr id="3" name="內容版面配置區 2"/>
-          <p:cNvSpPr>
-            <a:spLocks noGrp="1"/>
-          </p:cNvSpPr>
-          <p:nvPr>
-            <p:ph idx="1"/>
-          </p:nvPr>
-        </p:nvSpPr>
-        <p:spPr/>
-        <p:txBody>
-          <a:bodyPr/>
-          <a:lstStyle/>
-          <a:p>
-            <a:r>
-              <a:rPr lang="en-US" altLang="zh-TW" dirty="0" smtClean="0"/>
-              <a:t>. (dot) class</a:t>
-            </a:r>
-          </a:p>
-          <a:p>
-            <a:r>
-              <a:rPr lang="en-US" altLang="zh-TW" dirty="0" smtClean="0"/>
-              <a:t># (sharp) id</a:t>
-            </a:r>
-          </a:p>
-          <a:p>
-            <a:r>
-              <a:rPr lang="zh-TW" altLang="en-US" dirty="0" smtClean="0"/>
-              <a:t>無修飾相同於</a:t>
-            </a:r>
-            <a:endParaRPr lang="en-US" altLang="zh-TW" dirty="0" smtClean="0"/>
-          </a:p>
-          <a:p>
-            <a:pPr marL="0" indent="0">
-              <a:buNone/>
-            </a:pPr>
-            <a:r>
-              <a:rPr lang="en-US" altLang="zh-TW" dirty="0"/>
-              <a:t> </a:t>
-            </a:r>
-            <a:r>
-              <a:rPr lang="en-US" altLang="zh-TW" dirty="0" smtClean="0"/>
-              <a:t>    HTML TAG</a:t>
-            </a:r>
-          </a:p>
-          <a:p>
-            <a:endParaRPr lang="zh-TW" altLang="en-US" dirty="0"/>
-          </a:p>
-        </p:txBody>
-      </p:sp>
-      <p:pic>
-        <p:nvPicPr>
-          <p:cNvPr id="5" name="圖片 4"/>
-          <p:cNvPicPr>
-            <a:picLocks noChangeAspect="1"/>
-          </p:cNvPicPr>
-          <p:nvPr/>
-        </p:nvPicPr>
-        <p:blipFill>
-          <a:blip r:embed="rId2"/>
-          <a:stretch>
-            <a:fillRect/>
-          </a:stretch>
-        </p:blipFill>
-        <p:spPr>
-          <a:xfrm>
-            <a:off x="5427453" y="3332902"/>
-            <a:ext cx="3725981" cy="2852190"/>
-          </a:xfrm>
-          <a:prstGeom prst="rect">
-            <a:avLst/>
-          </a:prstGeom>
-        </p:spPr>
-      </p:pic>
-      <p:grpSp>
-        <p:nvGrpSpPr>
-          <p:cNvPr id="16" name="群組 15"/>
-          <p:cNvGrpSpPr/>
-          <p:nvPr/>
-        </p:nvGrpSpPr>
-        <p:grpSpPr>
-          <a:xfrm>
-            <a:off x="5244860" y="319116"/>
-            <a:ext cx="5460521" cy="2605239"/>
-            <a:chOff x="5244860" y="319116"/>
-            <a:chExt cx="5779698" cy="3131450"/>
-          </a:xfrm>
-        </p:grpSpPr>
-        <p:sp>
-          <p:nvSpPr>
-            <p:cNvPr id="8" name="圓角矩形 7"/>
-            <p:cNvSpPr/>
-            <p:nvPr/>
-          </p:nvSpPr>
-          <p:spPr>
-            <a:xfrm>
-              <a:off x="5244860" y="319116"/>
-              <a:ext cx="5779698" cy="3131450"/>
-            </a:xfrm>
-            <a:prstGeom prst="roundRect">
-              <a:avLst/>
-            </a:prstGeom>
-          </p:spPr>
-          <p:style>
-            <a:lnRef idx="2">
-              <a:schemeClr val="accent1">
-                <a:shade val="50000"/>
-              </a:schemeClr>
-            </a:lnRef>
-            <a:fillRef idx="1">
-              <a:schemeClr val="accent1"/>
-            </a:fillRef>
-            <a:effectRef idx="0">
-              <a:schemeClr val="accent1"/>
-            </a:effectRef>
-            <a:fontRef idx="minor">
-              <a:schemeClr val="lt1"/>
-            </a:fontRef>
-          </p:style>
-          <p:txBody>
-            <a:bodyPr rtlCol="0" anchor="ctr"/>
-            <a:lstStyle/>
-            <a:p>
-              <a:pPr algn="ctr"/>
-              <a:endParaRPr lang="zh-TW" altLang="en-US"/>
-            </a:p>
-          </p:txBody>
-        </p:sp>
-        <p:pic>
-          <p:nvPicPr>
-            <p:cNvPr id="6" name="圖片 5"/>
-            <p:cNvPicPr>
-              <a:picLocks noChangeAspect="1"/>
-            </p:cNvPicPr>
-            <p:nvPr/>
-          </p:nvPicPr>
-          <p:blipFill>
-            <a:blip r:embed="rId3"/>
-            <a:stretch>
-              <a:fillRect/>
-            </a:stretch>
-          </p:blipFill>
-          <p:spPr>
-            <a:xfrm>
-              <a:off x="5752829" y="493434"/>
-              <a:ext cx="2924849" cy="1551025"/>
-            </a:xfrm>
-            <a:prstGeom prst="rect">
-              <a:avLst/>
-            </a:prstGeom>
-          </p:spPr>
-        </p:pic>
-        <p:pic>
-          <p:nvPicPr>
-            <p:cNvPr id="7" name="圖片 6"/>
-            <p:cNvPicPr>
-              <a:picLocks noChangeAspect="1"/>
-            </p:cNvPicPr>
-            <p:nvPr/>
-          </p:nvPicPr>
-          <p:blipFill>
-            <a:blip r:embed="rId4"/>
-            <a:stretch>
-              <a:fillRect/>
-            </a:stretch>
-          </p:blipFill>
-          <p:spPr>
-            <a:xfrm>
-              <a:off x="5752829" y="2090468"/>
-              <a:ext cx="4082900" cy="1183336"/>
-            </a:xfrm>
-            <a:prstGeom prst="rect">
-              <a:avLst/>
-            </a:prstGeom>
-          </p:spPr>
-        </p:pic>
-      </p:grpSp>
-      <p:cxnSp>
-        <p:nvCxnSpPr>
-          <p:cNvPr id="10" name="直線單箭頭接點 9"/>
-          <p:cNvCxnSpPr/>
-          <p:nvPr/>
-        </p:nvCxnSpPr>
-        <p:spPr>
-          <a:xfrm flipV="1">
-            <a:off x="3053751" y="1736697"/>
-            <a:ext cx="1682151" cy="353771"/>
-          </a:xfrm>
-          <a:prstGeom prst="straightConnector1">
-            <a:avLst/>
-          </a:prstGeom>
-          <a:ln>
-            <a:tailEnd type="triangle"/>
-          </a:ln>
-        </p:spPr>
-        <p:style>
-          <a:lnRef idx="1">
-            <a:schemeClr val="accent1"/>
-          </a:lnRef>
-          <a:fillRef idx="0">
-            <a:schemeClr val="accent1"/>
-          </a:fillRef>
-          <a:effectRef idx="0">
-            <a:schemeClr val="accent1"/>
-          </a:effectRef>
-          <a:fontRef idx="minor">
-            <a:schemeClr val="tx1"/>
-          </a:fontRef>
-        </p:style>
-      </p:cxnSp>
-      <p:cxnSp>
-        <p:nvCxnSpPr>
-          <p:cNvPr id="12" name="直線單箭頭接點 11"/>
-          <p:cNvCxnSpPr/>
-          <p:nvPr/>
-        </p:nvCxnSpPr>
-        <p:spPr>
-          <a:xfrm>
-            <a:off x="3044494" y="2680414"/>
-            <a:ext cx="2095555" cy="873669"/>
-          </a:xfrm>
-          <a:prstGeom prst="straightConnector1">
-            <a:avLst/>
-          </a:prstGeom>
-          <a:ln>
-            <a:tailEnd type="triangle"/>
-          </a:ln>
-        </p:spPr>
-        <p:style>
-          <a:lnRef idx="1">
-            <a:schemeClr val="accent1"/>
-          </a:lnRef>
-          <a:fillRef idx="0">
-            <a:schemeClr val="accent1"/>
-          </a:fillRef>
-          <a:effectRef idx="0">
-            <a:schemeClr val="accent1"/>
-          </a:effectRef>
-          <a:fontRef idx="minor">
-            <a:schemeClr val="tx1"/>
-          </a:fontRef>
-        </p:style>
-      </p:cxnSp>
-      <p:sp>
-        <p:nvSpPr>
-          <p:cNvPr id="13" name="矩形 12"/>
-          <p:cNvSpPr/>
-          <p:nvPr/>
-        </p:nvSpPr>
-        <p:spPr>
-          <a:xfrm>
-            <a:off x="6476013" y="2957171"/>
-            <a:ext cx="5066130" cy="369332"/>
-          </a:xfrm>
-          <a:prstGeom prst="rect">
-            <a:avLst/>
-          </a:prstGeom>
-        </p:spPr>
-        <p:txBody>
-          <a:bodyPr wrap="none">
-            <a:spAutoFit/>
-          </a:bodyPr>
-          <a:lstStyle/>
-          <a:p>
-            <a:r>
-              <a:rPr lang="en-US" altLang="zh-TW" dirty="0">
-                <a:hlinkClick r:id="rId5"/>
-              </a:rPr>
-              <a:t>https://www.w3schools.com/html/html_classes.asp</a:t>
-            </a:r>
-            <a:endParaRPr lang="zh-TW" altLang="en-US" dirty="0"/>
-          </a:p>
-        </p:txBody>
-      </p:sp>
-      <p:sp>
-        <p:nvSpPr>
-          <p:cNvPr id="14" name="矩形 13"/>
-          <p:cNvSpPr/>
-          <p:nvPr/>
-        </p:nvSpPr>
-        <p:spPr>
-          <a:xfrm>
-            <a:off x="6856010" y="6248057"/>
-            <a:ext cx="4594848" cy="369332"/>
-          </a:xfrm>
-          <a:prstGeom prst="rect">
-            <a:avLst/>
-          </a:prstGeom>
-        </p:spPr>
-        <p:txBody>
-          <a:bodyPr wrap="none">
-            <a:spAutoFit/>
-          </a:bodyPr>
-          <a:lstStyle/>
-          <a:p>
-            <a:r>
-              <a:rPr lang="en-US" altLang="zh-TW" dirty="0">
-                <a:hlinkClick r:id="rId6"/>
-              </a:rPr>
-              <a:t>https://www.w3schools.com/html/html_id.asp</a:t>
-            </a:r>
-            <a:endParaRPr lang="zh-TW" altLang="en-US" dirty="0"/>
-          </a:p>
-        </p:txBody>
-      </p:sp>
-      <p:pic>
-        <p:nvPicPr>
-          <p:cNvPr id="15" name="圖片 14"/>
-          <p:cNvPicPr>
-            <a:picLocks noChangeAspect="1"/>
-          </p:cNvPicPr>
-          <p:nvPr/>
-        </p:nvPicPr>
-        <p:blipFill>
-          <a:blip r:embed="rId7"/>
-          <a:stretch>
-            <a:fillRect/>
-          </a:stretch>
-        </p:blipFill>
-        <p:spPr>
-          <a:xfrm>
-            <a:off x="117802" y="4476340"/>
-            <a:ext cx="4618100" cy="2152263"/>
-          </a:xfrm>
-          <a:prstGeom prst="rect">
-            <a:avLst/>
-          </a:prstGeom>
-        </p:spPr>
-      </p:pic>
-      <p:cxnSp>
-        <p:nvCxnSpPr>
-          <p:cNvPr id="20" name="直線單箭頭接點 19"/>
-          <p:cNvCxnSpPr/>
-          <p:nvPr/>
-        </p:nvCxnSpPr>
-        <p:spPr>
-          <a:xfrm>
-            <a:off x="2225615" y="3699553"/>
-            <a:ext cx="43132" cy="682666"/>
-          </a:xfrm>
-          <a:prstGeom prst="straightConnector1">
-            <a:avLst/>
-          </a:prstGeom>
-          <a:ln>
-            <a:tailEnd type="triangle"/>
-          </a:ln>
-        </p:spPr>
-        <p:style>
-          <a:lnRef idx="1">
-            <a:schemeClr val="accent1"/>
-          </a:lnRef>
-          <a:fillRef idx="0">
-            <a:schemeClr val="accent1"/>
-          </a:fillRef>
-          <a:effectRef idx="0">
-            <a:schemeClr val="accent1"/>
-          </a:effectRef>
-          <a:fontRef idx="minor">
-            <a:schemeClr val="tx1"/>
-          </a:fontRef>
-        </p:style>
-      </p:cxnSp>
-    </p:spTree>
-    <p:extLst>
-      <p:ext uri="{BB962C8B-B14F-4D97-AF65-F5344CB8AC3E}">
-        <p14:creationId xmlns:p14="http://schemas.microsoft.com/office/powerpoint/2010/main" val="1517670699"/>
-      </p:ext>
-    </p:extLst>
-  </p:cSld>
-  <p:clrMapOvr>
-    <a:masterClrMapping/>
-  </p:clrMapOvr>
-</p:sld>
-</file>
-
-<file path=ppt/slides/slide16.xml><?xml version="1.0" encoding="utf-8"?>
+<file path=ppt/slides/slide17.xml><?xml version="1.0" encoding="utf-8"?>
 <p:sld xmlns:a="http://schemas.openxmlformats.org/drawingml/2006/main" xmlns:r="http://schemas.openxmlformats.org/officeDocument/2006/relationships" xmlns:p="http://schemas.openxmlformats.org/presentationml/2006/main">
   <p:cSld>
     <p:spTree>
@@ -5824,7 +6085,7 @@
 </p:sld>
 </file>
 
-<file path=ppt/slides/slide17.xml><?xml version="1.0" encoding="utf-8"?>
+<file path=ppt/slides/slide18.xml><?xml version="1.0" encoding="utf-8"?>
 <p:sld xmlns:a="http://schemas.openxmlformats.org/drawingml/2006/main" xmlns:r="http://schemas.openxmlformats.org/officeDocument/2006/relationships" xmlns:p="http://schemas.openxmlformats.org/presentationml/2006/main">
   <p:cSld>
     <p:spTree>
@@ -5928,7 +6189,7 @@
 </p:sld>
 </file>
 
-<file path=ppt/slides/slide18.xml><?xml version="1.0" encoding="utf-8"?>
+<file path=ppt/slides/slide19.xml><?xml version="1.0" encoding="utf-8"?>
 <p:sld xmlns:a="http://schemas.openxmlformats.org/drawingml/2006/main" xmlns:r="http://schemas.openxmlformats.org/officeDocument/2006/relationships" xmlns:p="http://schemas.openxmlformats.org/presentationml/2006/main">
   <p:cSld>
     <p:spTree>
@@ -6156,166 +6417,6 @@
     <p:extLst>
       <p:ext uri="{BB962C8B-B14F-4D97-AF65-F5344CB8AC3E}">
         <p14:creationId xmlns:p14="http://schemas.microsoft.com/office/powerpoint/2010/main" val="1406180613"/>
-      </p:ext>
-    </p:extLst>
-  </p:cSld>
-  <p:clrMapOvr>
-    <a:masterClrMapping/>
-  </p:clrMapOvr>
-</p:sld>
-</file>
-
-<file path=ppt/slides/slide19.xml><?xml version="1.0" encoding="utf-8"?>
-<p:sld xmlns:a="http://schemas.openxmlformats.org/drawingml/2006/main" xmlns:r="http://schemas.openxmlformats.org/officeDocument/2006/relationships" xmlns:p="http://schemas.openxmlformats.org/presentationml/2006/main">
-  <p:cSld>
-    <p:spTree>
-      <p:nvGrpSpPr>
-        <p:cNvPr id="1" name=""/>
-        <p:cNvGrpSpPr/>
-        <p:nvPr/>
-      </p:nvGrpSpPr>
-      <p:grpSpPr>
-        <a:xfrm>
-          <a:off x="0" y="0"/>
-          <a:ext cx="0" cy="0"/>
-          <a:chOff x="0" y="0"/>
-          <a:chExt cx="0" cy="0"/>
-        </a:xfrm>
-      </p:grpSpPr>
-      <p:sp>
-        <p:nvSpPr>
-          <p:cNvPr id="2" name="標題 1"/>
-          <p:cNvSpPr>
-            <a:spLocks noGrp="1"/>
-          </p:cNvSpPr>
-          <p:nvPr>
-            <p:ph type="title"/>
-          </p:nvPr>
-        </p:nvSpPr>
-        <p:spPr/>
-        <p:txBody>
-          <a:bodyPr/>
-          <a:lstStyle/>
-          <a:p>
-            <a:r>
-              <a:rPr lang="en-US" altLang="zh-TW" dirty="0" smtClean="0"/>
-              <a:t>Angular </a:t>
-            </a:r>
-            <a:r>
-              <a:rPr lang="zh-TW" altLang="en-US" dirty="0" smtClean="0"/>
-              <a:t>架構</a:t>
-            </a:r>
-            <a:endParaRPr lang="zh-TW" altLang="en-US" dirty="0"/>
-          </a:p>
-        </p:txBody>
-      </p:sp>
-      <p:sp>
-        <p:nvSpPr>
-          <p:cNvPr id="3" name="內容版面配置區 2"/>
-          <p:cNvSpPr>
-            <a:spLocks noGrp="1"/>
-          </p:cNvSpPr>
-          <p:nvPr>
-            <p:ph idx="1"/>
-          </p:nvPr>
-        </p:nvSpPr>
-        <p:spPr/>
-        <p:txBody>
-          <a:bodyPr/>
-          <a:lstStyle/>
-          <a:p>
-            <a:r>
-              <a:rPr lang="en-US" altLang="zh-TW" dirty="0"/>
-              <a:t>Angular 8</a:t>
-            </a:r>
-            <a:endParaRPr lang="zh-TW" altLang="zh-TW" dirty="0"/>
-          </a:p>
-          <a:p>
-            <a:r>
-              <a:rPr lang="en-US" altLang="zh-TW" dirty="0"/>
-              <a:t>xml/HTML /CSS/ TS</a:t>
-            </a:r>
-            <a:endParaRPr lang="zh-TW" altLang="zh-TW" dirty="0"/>
-          </a:p>
-          <a:p>
-            <a:r>
-              <a:rPr lang="en-US" altLang="zh-TW" dirty="0"/>
-              <a:t>ASSET: </a:t>
-            </a:r>
-            <a:r>
-              <a:rPr lang="zh-HK" altLang="zh-TW" dirty="0"/>
-              <a:t>圖片</a:t>
-            </a:r>
-            <a:r>
-              <a:rPr lang="en-US" altLang="zh-TW" dirty="0"/>
-              <a:t>/</a:t>
-            </a:r>
-            <a:r>
-              <a:rPr lang="zh-HK" altLang="zh-TW" dirty="0"/>
-              <a:t>文檔</a:t>
-            </a:r>
-            <a:r>
-              <a:rPr lang="en-US" altLang="zh-TW" dirty="0"/>
-              <a:t>pdf</a:t>
-            </a:r>
-            <a:endParaRPr lang="zh-TW" altLang="zh-TW" dirty="0"/>
-          </a:p>
-          <a:p>
-            <a:r>
-              <a:rPr lang="zh-HK" altLang="zh-TW" dirty="0"/>
-              <a:t>網址</a:t>
-            </a:r>
-            <a:r>
-              <a:rPr lang="en-US" altLang="zh-TW" dirty="0"/>
-              <a:t>, route, Query Parameter</a:t>
-            </a:r>
-            <a:endParaRPr lang="zh-TW" altLang="zh-TW" dirty="0"/>
-          </a:p>
-          <a:p>
-            <a:r>
-              <a:rPr lang="en-US" altLang="zh-TW" dirty="0"/>
-              <a:t>template: html</a:t>
-            </a:r>
-            <a:endParaRPr lang="zh-TW" altLang="zh-TW" dirty="0"/>
-          </a:p>
-          <a:p>
-            <a:r>
-              <a:rPr lang="en-US" altLang="zh-TW" dirty="0"/>
-              <a:t>style: </a:t>
-            </a:r>
-            <a:r>
-              <a:rPr lang="en-US" altLang="zh-TW" dirty="0" err="1"/>
-              <a:t>css</a:t>
-            </a:r>
-            <a:r>
-              <a:rPr lang="en-US" altLang="zh-TW" dirty="0"/>
-              <a:t>/</a:t>
-            </a:r>
-            <a:r>
-              <a:rPr lang="en-US" altLang="zh-TW" dirty="0" err="1"/>
-              <a:t>scss</a:t>
-            </a:r>
-            <a:endParaRPr lang="zh-TW" altLang="zh-TW" dirty="0"/>
-          </a:p>
-          <a:p>
-            <a:r>
-              <a:rPr lang="en-US" altLang="zh-TW" dirty="0"/>
-              <a:t>TS: </a:t>
-            </a:r>
-            <a:endParaRPr lang="zh-TW" altLang="zh-TW" dirty="0"/>
-          </a:p>
-          <a:p>
-            <a:pPr marL="0" indent="0">
-              <a:buNone/>
-            </a:pPr>
-            <a:endParaRPr lang="zh-TW" altLang="en-US" dirty="0"/>
-          </a:p>
-        </p:txBody>
-      </p:sp>
-    </p:spTree>
-    <p:extLst>
-      <p:ext uri="{BB962C8B-B14F-4D97-AF65-F5344CB8AC3E}">
-        <p14:creationId xmlns:p14="http://schemas.microsoft.com/office/powerpoint/2010/main" val="2591708625"/>
       </p:ext>
     </p:extLst>
   </p:cSld>
@@ -6551,6 +6652,13 @@
   <p:clrMapOvr>
     <a:masterClrMapping/>
   </p:clrMapOvr>
+  <p:timing>
+    <p:tnLst>
+      <p:par>
+        <p:cTn id="1" dur="indefinite" restart="never" nodeType="tmRoot"/>
+      </p:par>
+    </p:tnLst>
+  </p:timing>
 </p:sld>
 </file>
 
@@ -6587,8 +6695,12 @@
           <a:lstStyle/>
           <a:p>
             <a:r>
+              <a:rPr lang="en-US" altLang="zh-TW" dirty="0" smtClean="0"/>
+              <a:t>Angular </a:t>
+            </a:r>
+            <a:r>
               <a:rPr lang="zh-TW" altLang="en-US" dirty="0" smtClean="0"/>
-              <a:t>實作</a:t>
+              <a:t>架構</a:t>
             </a:r>
             <a:endParaRPr lang="zh-TW" altLang="en-US" dirty="0"/>
           </a:p>
@@ -6610,62 +6722,89 @@
           <a:lstStyle/>
           <a:p>
             <a:r>
+              <a:rPr lang="en-US" altLang="zh-TW" dirty="0"/>
+              <a:t>Angular 8</a:t>
+            </a:r>
+            <a:endParaRPr lang="zh-TW" altLang="zh-TW" dirty="0"/>
+          </a:p>
+          <a:p>
+            <a:r>
+              <a:rPr lang="en-US" altLang="zh-TW" dirty="0"/>
+              <a:t>xml/HTML /CSS/ TS</a:t>
+            </a:r>
+            <a:endParaRPr lang="zh-TW" altLang="zh-TW" dirty="0"/>
+          </a:p>
+          <a:p>
+            <a:r>
+              <a:rPr lang="en-US" altLang="zh-TW" dirty="0"/>
+              <a:t>ASSET: </a:t>
+            </a:r>
+            <a:r>
+              <a:rPr lang="zh-HK" altLang="zh-TW" dirty="0"/>
+              <a:t>圖片</a:t>
+            </a:r>
+            <a:r>
+              <a:rPr lang="en-US" altLang="zh-TW" dirty="0"/>
+              <a:t>/</a:t>
+            </a:r>
+            <a:r>
+              <a:rPr lang="zh-HK" altLang="zh-TW" dirty="0"/>
+              <a:t>文檔</a:t>
+            </a:r>
+            <a:r>
+              <a:rPr lang="en-US" altLang="zh-TW" dirty="0"/>
+              <a:t>pdf</a:t>
+            </a:r>
+            <a:endParaRPr lang="zh-TW" altLang="zh-TW" dirty="0"/>
+          </a:p>
+          <a:p>
+            <a:r>
+              <a:rPr lang="zh-HK" altLang="zh-TW" dirty="0"/>
+              <a:t>網址</a:t>
+            </a:r>
+            <a:r>
+              <a:rPr lang="en-US" altLang="zh-TW" dirty="0"/>
+              <a:t>, route, Query Parameter</a:t>
+            </a:r>
+            <a:endParaRPr lang="zh-TW" altLang="zh-TW" dirty="0"/>
+          </a:p>
+          <a:p>
+            <a:r>
+              <a:rPr lang="en-US" altLang="zh-TW" dirty="0"/>
+              <a:t>template: html</a:t>
+            </a:r>
+            <a:endParaRPr lang="zh-TW" altLang="zh-TW" dirty="0"/>
+          </a:p>
+          <a:p>
+            <a:r>
+              <a:rPr lang="en-US" altLang="zh-TW" dirty="0"/>
+              <a:t>style: </a:t>
+            </a:r>
+            <a:r>
               <a:rPr lang="en-US" altLang="zh-TW" dirty="0" err="1"/>
-              <a:t>npm</a:t>
-            </a:r>
-            <a:r>
-              <a:rPr lang="en-US" altLang="zh-TW" dirty="0"/>
-              <a:t> install -g @angular/cli</a:t>
+              <a:t>css</a:t>
+            </a:r>
+            <a:r>
+              <a:rPr lang="en-US" altLang="zh-TW" dirty="0"/>
+              <a:t>/</a:t>
+            </a:r>
+            <a:r>
+              <a:rPr lang="en-US" altLang="zh-TW" dirty="0" err="1"/>
+              <a:t>scss</a:t>
             </a:r>
             <a:endParaRPr lang="zh-TW" altLang="zh-TW" dirty="0"/>
           </a:p>
           <a:p>
             <a:r>
               <a:rPr lang="en-US" altLang="zh-TW" dirty="0"/>
-              <a:t>ng new my-app</a:t>
+              <a:t>TS: </a:t>
             </a:r>
             <a:endParaRPr lang="zh-TW" altLang="zh-TW" dirty="0"/>
           </a:p>
           <a:p>
-            <a:r>
-              <a:rPr lang="en-US" altLang="zh-TW" dirty="0" err="1"/>
-              <a:t>npm</a:t>
-            </a:r>
-            <a:r>
-              <a:rPr lang="en-US" altLang="zh-TW" dirty="0"/>
-              <a:t> start/ ng serve –open</a:t>
-            </a:r>
-            <a:endParaRPr lang="zh-TW" altLang="zh-TW" dirty="0"/>
-          </a:p>
-          <a:p>
-            <a:r>
-              <a:rPr lang="en-US" altLang="zh-TW" dirty="0"/>
-              <a:t>ng generate comp</a:t>
-            </a:r>
-            <a:endParaRPr lang="zh-TW" altLang="zh-TW" dirty="0"/>
-          </a:p>
-          <a:p>
-            <a:r>
-              <a:rPr lang="en-US" altLang="zh-TW" dirty="0"/>
-              <a:t>file structure</a:t>
-            </a:r>
-            <a:endParaRPr lang="zh-TW" altLang="zh-TW" dirty="0"/>
-          </a:p>
-          <a:p>
-            <a:pPr lvl="1"/>
-            <a:r>
-              <a:rPr lang="en-US" altLang="zh-TW" u="sng" dirty="0">
-                <a:hlinkClick r:id="rId2"/>
-              </a:rPr>
-              <a:t>https://angular.io/guide/file-structure</a:t>
-            </a:r>
-            <a:endParaRPr lang="zh-TW" altLang="zh-TW" dirty="0"/>
-          </a:p>
-          <a:p>
-            <a:pPr lvl="2"/>
-            <a:endParaRPr lang="zh-TW" altLang="zh-TW" dirty="0"/>
-          </a:p>
-          <a:p>
+            <a:pPr marL="0" indent="0">
+              <a:buNone/>
+            </a:pPr>
             <a:endParaRPr lang="zh-TW" altLang="en-US" dirty="0"/>
           </a:p>
         </p:txBody>
@@ -6673,7 +6812,7 @@
     </p:spTree>
     <p:extLst>
       <p:ext uri="{BB962C8B-B14F-4D97-AF65-F5344CB8AC3E}">
-        <p14:creationId xmlns:p14="http://schemas.microsoft.com/office/powerpoint/2010/main" val="3113912232"/>
+        <p14:creationId xmlns:p14="http://schemas.microsoft.com/office/powerpoint/2010/main" val="2591708625"/>
       </p:ext>
     </p:extLst>
   </p:cSld>
@@ -6716,6 +6855,135 @@
           <a:lstStyle/>
           <a:p>
             <a:r>
+              <a:rPr lang="zh-TW" altLang="en-US" dirty="0" smtClean="0"/>
+              <a:t>實作</a:t>
+            </a:r>
+            <a:endParaRPr lang="zh-TW" altLang="en-US" dirty="0"/>
+          </a:p>
+        </p:txBody>
+      </p:sp>
+      <p:sp>
+        <p:nvSpPr>
+          <p:cNvPr id="3" name="內容版面配置區 2"/>
+          <p:cNvSpPr>
+            <a:spLocks noGrp="1"/>
+          </p:cNvSpPr>
+          <p:nvPr>
+            <p:ph idx="1"/>
+          </p:nvPr>
+        </p:nvSpPr>
+        <p:spPr/>
+        <p:txBody>
+          <a:bodyPr/>
+          <a:lstStyle/>
+          <a:p>
+            <a:r>
+              <a:rPr lang="en-US" altLang="zh-TW" dirty="0" err="1"/>
+              <a:t>npm</a:t>
+            </a:r>
+            <a:r>
+              <a:rPr lang="en-US" altLang="zh-TW" dirty="0"/>
+              <a:t> install -g @angular/cli</a:t>
+            </a:r>
+            <a:endParaRPr lang="zh-TW" altLang="zh-TW" dirty="0"/>
+          </a:p>
+          <a:p>
+            <a:r>
+              <a:rPr lang="en-US" altLang="zh-TW" dirty="0"/>
+              <a:t>ng new my-app</a:t>
+            </a:r>
+            <a:endParaRPr lang="zh-TW" altLang="zh-TW" dirty="0"/>
+          </a:p>
+          <a:p>
+            <a:r>
+              <a:rPr lang="en-US" altLang="zh-TW" dirty="0" err="1"/>
+              <a:t>npm</a:t>
+            </a:r>
+            <a:r>
+              <a:rPr lang="en-US" altLang="zh-TW" dirty="0"/>
+              <a:t> start/ ng serve –open</a:t>
+            </a:r>
+            <a:endParaRPr lang="zh-TW" altLang="zh-TW" dirty="0"/>
+          </a:p>
+          <a:p>
+            <a:r>
+              <a:rPr lang="en-US" altLang="zh-TW" dirty="0"/>
+              <a:t>ng generate comp</a:t>
+            </a:r>
+            <a:endParaRPr lang="zh-TW" altLang="zh-TW" dirty="0"/>
+          </a:p>
+          <a:p>
+            <a:r>
+              <a:rPr lang="en-US" altLang="zh-TW" dirty="0"/>
+              <a:t>file structure</a:t>
+            </a:r>
+            <a:endParaRPr lang="zh-TW" altLang="zh-TW" dirty="0"/>
+          </a:p>
+          <a:p>
+            <a:pPr lvl="1"/>
+            <a:r>
+              <a:rPr lang="en-US" altLang="zh-TW" u="sng" dirty="0">
+                <a:hlinkClick r:id="rId2"/>
+              </a:rPr>
+              <a:t>https://angular.io/guide/file-structure</a:t>
+            </a:r>
+            <a:endParaRPr lang="zh-TW" altLang="zh-TW" dirty="0"/>
+          </a:p>
+          <a:p>
+            <a:pPr lvl="2"/>
+            <a:endParaRPr lang="zh-TW" altLang="zh-TW" dirty="0"/>
+          </a:p>
+          <a:p>
+            <a:endParaRPr lang="zh-TW" altLang="en-US" dirty="0"/>
+          </a:p>
+        </p:txBody>
+      </p:sp>
+    </p:spTree>
+    <p:extLst>
+      <p:ext uri="{BB962C8B-B14F-4D97-AF65-F5344CB8AC3E}">
+        <p14:creationId xmlns:p14="http://schemas.microsoft.com/office/powerpoint/2010/main" val="3113912232"/>
+      </p:ext>
+    </p:extLst>
+  </p:cSld>
+  <p:clrMapOvr>
+    <a:masterClrMapping/>
+  </p:clrMapOvr>
+</p:sld>
+</file>
+
+<file path=ppt/slides/slide22.xml><?xml version="1.0" encoding="utf-8"?>
+<p:sld xmlns:a="http://schemas.openxmlformats.org/drawingml/2006/main" xmlns:r="http://schemas.openxmlformats.org/officeDocument/2006/relationships" xmlns:p="http://schemas.openxmlformats.org/presentationml/2006/main">
+  <p:cSld>
+    <p:spTree>
+      <p:nvGrpSpPr>
+        <p:cNvPr id="1" name=""/>
+        <p:cNvGrpSpPr/>
+        <p:nvPr/>
+      </p:nvGrpSpPr>
+      <p:grpSpPr>
+        <a:xfrm>
+          <a:off x="0" y="0"/>
+          <a:ext cx="0" cy="0"/>
+          <a:chOff x="0" y="0"/>
+          <a:chExt cx="0" cy="0"/>
+        </a:xfrm>
+      </p:grpSpPr>
+      <p:sp>
+        <p:nvSpPr>
+          <p:cNvPr id="2" name="標題 1"/>
+          <p:cNvSpPr>
+            <a:spLocks noGrp="1"/>
+          </p:cNvSpPr>
+          <p:nvPr>
+            <p:ph type="title"/>
+          </p:nvPr>
+        </p:nvSpPr>
+        <p:spPr/>
+        <p:txBody>
+          <a:bodyPr/>
+          <a:lstStyle/>
+          <a:p>
+            <a:r>
               <a:rPr lang="en-US" altLang="zh-TW" dirty="0"/>
               <a:t>module</a:t>
             </a:r>
@@ -6789,7 +7057,7 @@
 </p:sld>
 </file>
 
-<file path=ppt/slides/slide22.xml><?xml version="1.0" encoding="utf-8"?>
+<file path=ppt/slides/slide23.xml><?xml version="1.0" encoding="utf-8"?>
 <p:sld xmlns:a="http://schemas.openxmlformats.org/drawingml/2006/main" xmlns:r="http://schemas.openxmlformats.org/officeDocument/2006/relationships" xmlns:p="http://schemas.openxmlformats.org/presentationml/2006/main">
   <p:cSld>
     <p:spTree>
@@ -6991,7 +7259,7 @@
 </p:sld>
 </file>
 
-<file path=ppt/slides/slide23.xml><?xml version="1.0" encoding="utf-8"?>
+<file path=ppt/slides/slide24.xml><?xml version="1.0" encoding="utf-8"?>
 <p:sld xmlns:a="http://schemas.openxmlformats.org/drawingml/2006/main" xmlns:r="http://schemas.openxmlformats.org/officeDocument/2006/relationships" xmlns:p="http://schemas.openxmlformats.org/presentationml/2006/main">
   <p:cSld>
     <p:spTree>
@@ -7184,7 +7452,7 @@
 </p:sld>
 </file>
 
-<file path=ppt/slides/slide24.xml><?xml version="1.0" encoding="utf-8"?>
+<file path=ppt/slides/slide25.xml><?xml version="1.0" encoding="utf-8"?>
 <p:sld xmlns:a="http://schemas.openxmlformats.org/drawingml/2006/main" xmlns:r="http://schemas.openxmlformats.org/officeDocument/2006/relationships" xmlns:p="http://schemas.openxmlformats.org/presentationml/2006/main">
   <p:cSld>
     <p:spTree>
@@ -7298,7 +7566,7 @@
 </p:sld>
 </file>
 
-<file path=ppt/slides/slide25.xml><?xml version="1.0" encoding="utf-8"?>
+<file path=ppt/slides/slide26.xml><?xml version="1.0" encoding="utf-8"?>
 <p:sld xmlns:a="http://schemas.openxmlformats.org/drawingml/2006/main" xmlns:r="http://schemas.openxmlformats.org/officeDocument/2006/relationships" xmlns:p="http://schemas.openxmlformats.org/presentationml/2006/main">
   <p:cSld>
     <p:spTree>
@@ -7471,288 +7739,6 @@
 </p:sld>
 </file>
 
-<file path=ppt/slides/slide26.xml><?xml version="1.0" encoding="utf-8"?>
-<p:sld xmlns:a="http://schemas.openxmlformats.org/drawingml/2006/main" xmlns:r="http://schemas.openxmlformats.org/officeDocument/2006/relationships" xmlns:p="http://schemas.openxmlformats.org/presentationml/2006/main">
-  <p:cSld>
-    <p:spTree>
-      <p:nvGrpSpPr>
-        <p:cNvPr id="1" name=""/>
-        <p:cNvGrpSpPr/>
-        <p:nvPr/>
-      </p:nvGrpSpPr>
-      <p:grpSpPr>
-        <a:xfrm>
-          <a:off x="0" y="0"/>
-          <a:ext cx="0" cy="0"/>
-          <a:chOff x="0" y="0"/>
-          <a:chExt cx="0" cy="0"/>
-        </a:xfrm>
-      </p:grpSpPr>
-      <p:sp>
-        <p:nvSpPr>
-          <p:cNvPr id="2" name="標題 1"/>
-          <p:cNvSpPr>
-            <a:spLocks noGrp="1"/>
-          </p:cNvSpPr>
-          <p:nvPr>
-            <p:ph type="title"/>
-          </p:nvPr>
-        </p:nvSpPr>
-        <p:spPr/>
-        <p:txBody>
-          <a:bodyPr/>
-          <a:lstStyle/>
-          <a:p>
-            <a:r>
-              <a:rPr lang="en-US" altLang="zh-TW" dirty="0"/>
-              <a:t>component</a:t>
-            </a:r>
-            <a:endParaRPr lang="zh-TW" altLang="en-US" dirty="0"/>
-          </a:p>
-        </p:txBody>
-      </p:sp>
-      <p:sp>
-        <p:nvSpPr>
-          <p:cNvPr id="3" name="內容版面配置區 2"/>
-          <p:cNvSpPr>
-            <a:spLocks noGrp="1"/>
-          </p:cNvSpPr>
-          <p:nvPr>
-            <p:ph idx="1"/>
-          </p:nvPr>
-        </p:nvSpPr>
-        <p:spPr/>
-        <p:txBody>
-          <a:bodyPr>
-            <a:normAutofit fontScale="92500" lnSpcReduction="20000"/>
-          </a:bodyPr>
-          <a:lstStyle/>
-          <a:p>
-            <a:r>
-              <a:rPr lang="en-US" altLang="zh-TW" dirty="0"/>
-              <a:t>@input</a:t>
-            </a:r>
-            <a:endParaRPr lang="zh-TW" altLang="zh-TW" dirty="0"/>
-          </a:p>
-          <a:p>
-            <a:pPr lvl="1"/>
-            <a:r>
-              <a:rPr lang="en-US" altLang="zh-TW" dirty="0"/>
-              <a:t>in Html</a:t>
-            </a:r>
-            <a:endParaRPr lang="zh-TW" altLang="zh-TW" dirty="0"/>
-          </a:p>
-          <a:p>
-            <a:pPr marL="914400" lvl="2" indent="0">
-              <a:buNone/>
-            </a:pPr>
-            <a:r>
-              <a:rPr lang="en-US" altLang="zh-TW" dirty="0"/>
-              <a:t>&lt;p [</a:t>
-            </a:r>
-            <a:r>
-              <a:rPr lang="en-US" altLang="zh-TW" dirty="0" err="1"/>
-              <a:t>appHighlight</a:t>
-            </a:r>
-            <a:r>
-              <a:rPr lang="en-US" altLang="zh-TW" dirty="0"/>
-              <a:t>]="color"&gt;Highlight me!&lt;/p&gt;</a:t>
-            </a:r>
-            <a:endParaRPr lang="zh-TW" altLang="zh-TW" sz="3200" dirty="0"/>
-          </a:p>
-          <a:p>
-            <a:pPr marL="914400" lvl="2" indent="0">
-              <a:buNone/>
-            </a:pPr>
-            <a:r>
-              <a:rPr lang="zh-HK" altLang="zh-TW" dirty="0"/>
-              <a:t>比較</a:t>
-            </a:r>
-            <a:endParaRPr lang="zh-TW" altLang="zh-TW" sz="3200" dirty="0"/>
-          </a:p>
-          <a:p>
-            <a:pPr marL="914400" lvl="2" indent="0">
-              <a:buNone/>
-            </a:pPr>
-            <a:r>
-              <a:rPr lang="en-US" altLang="zh-TW" dirty="0"/>
-              <a:t>&lt;p </a:t>
-            </a:r>
-            <a:r>
-              <a:rPr lang="en-US" altLang="zh-TW" dirty="0" err="1"/>
-              <a:t>appHighlight</a:t>
-            </a:r>
-            <a:r>
-              <a:rPr lang="en-US" altLang="zh-TW" dirty="0"/>
-              <a:t>="red"&gt;Highlight me!&lt;/p&gt;</a:t>
-            </a:r>
-            <a:endParaRPr lang="zh-TW" altLang="zh-TW" sz="3200" dirty="0"/>
-          </a:p>
-          <a:p>
-            <a:pPr lvl="1"/>
-            <a:r>
-              <a:rPr lang="en-US" altLang="zh-TW" dirty="0"/>
-              <a:t>in TS</a:t>
-            </a:r>
-            <a:endParaRPr lang="zh-TW" altLang="zh-TW" dirty="0"/>
-          </a:p>
-          <a:p>
-            <a:pPr marL="914400" lvl="2" indent="0">
-              <a:buNone/>
-            </a:pPr>
-            <a:r>
-              <a:rPr lang="en-US" altLang="zh-TW" dirty="0"/>
-              <a:t>@</a:t>
-            </a:r>
-            <a:r>
-              <a:rPr lang="en-US" altLang="zh-TW" dirty="0">
-                <a:hlinkClick r:id="rId2"/>
-              </a:rPr>
-              <a:t>Input</a:t>
-            </a:r>
-            <a:r>
-              <a:rPr lang="en-US" altLang="zh-TW" dirty="0"/>
-              <a:t>('</a:t>
-            </a:r>
-            <a:r>
-              <a:rPr lang="en-US" altLang="zh-TW" dirty="0" err="1"/>
-              <a:t>appHighlight</a:t>
-            </a:r>
-            <a:r>
-              <a:rPr lang="en-US" altLang="zh-TW" dirty="0"/>
-              <a:t>') </a:t>
-            </a:r>
-            <a:r>
-              <a:rPr lang="en-US" altLang="zh-TW" dirty="0" err="1"/>
-              <a:t>highlightColor</a:t>
-            </a:r>
-            <a:r>
-              <a:rPr lang="en-US" altLang="zh-TW" dirty="0"/>
-              <a:t>: string;</a:t>
-            </a:r>
-            <a:endParaRPr lang="zh-TW" altLang="zh-TW" sz="3200" dirty="0"/>
-          </a:p>
-          <a:p>
-            <a:r>
-              <a:rPr lang="en-US" altLang="zh-TW" dirty="0"/>
-              <a:t>@output</a:t>
-            </a:r>
-            <a:endParaRPr lang="zh-TW" altLang="zh-TW" dirty="0"/>
-          </a:p>
-          <a:p>
-            <a:pPr lvl="1"/>
-            <a:r>
-              <a:rPr lang="en-US" altLang="zh-TW" dirty="0"/>
-              <a:t>in Html</a:t>
-            </a:r>
-            <a:endParaRPr lang="zh-TW" altLang="zh-TW" dirty="0"/>
-          </a:p>
-          <a:p>
-            <a:pPr marL="914400" lvl="2" indent="0">
-              <a:buNone/>
-            </a:pPr>
-            <a:r>
-              <a:rPr lang="en-US" altLang="zh-TW" dirty="0"/>
-              <a:t> </a:t>
-            </a:r>
-            <a:r>
-              <a:rPr lang="en-US" altLang="zh-TW" dirty="0" smtClean="0"/>
-              <a:t>&lt;p</a:t>
-            </a:r>
-            <a:r>
-              <a:rPr lang="en-US" altLang="zh-TW" dirty="0"/>
-              <a:t> (</a:t>
-            </a:r>
-            <a:r>
-              <a:rPr lang="en-US" altLang="zh-TW" dirty="0" err="1"/>
-              <a:t>selectedValueChange</a:t>
-            </a:r>
-            <a:r>
-              <a:rPr lang="en-US" altLang="zh-TW" dirty="0"/>
-              <a:t>)="</a:t>
-            </a:r>
-            <a:r>
-              <a:rPr lang="en-US" altLang="zh-TW" dirty="0" err="1"/>
-              <a:t>selectedValueChange</a:t>
-            </a:r>
-            <a:r>
-              <a:rPr lang="en-US" altLang="zh-TW" dirty="0"/>
-              <a:t>($event</a:t>
-            </a:r>
-            <a:r>
-              <a:rPr lang="en-US" altLang="zh-TW" dirty="0" smtClean="0"/>
-              <a:t>)"&gt;{{</a:t>
-            </a:r>
-            <a:r>
-              <a:rPr lang="en-US" altLang="zh-TW" dirty="0" err="1"/>
-              <a:t>item.set</a:t>
-            </a:r>
-            <a:r>
-              <a:rPr lang="en-US" altLang="zh-TW" dirty="0" smtClean="0"/>
-              <a:t>}}&lt;/p&gt;</a:t>
-            </a:r>
-            <a:endParaRPr lang="en-US" altLang="zh-TW" dirty="0"/>
-          </a:p>
-          <a:p>
-            <a:pPr marL="914400" lvl="2" indent="0">
-              <a:buNone/>
-            </a:pPr>
-            <a:endParaRPr lang="zh-TW" altLang="zh-TW" sz="3200" dirty="0"/>
-          </a:p>
-          <a:p>
-            <a:pPr lvl="1"/>
-            <a:r>
-              <a:rPr lang="en-US" altLang="zh-TW" dirty="0"/>
-              <a:t>in TS</a:t>
-            </a:r>
-            <a:endParaRPr lang="zh-TW" altLang="zh-TW" dirty="0"/>
-          </a:p>
-          <a:p>
-            <a:pPr marL="914400" lvl="2" indent="0">
-              <a:buNone/>
-            </a:pPr>
-            <a:r>
-              <a:rPr lang="en-US" altLang="zh-TW" dirty="0"/>
-              <a:t>@Output() </a:t>
-            </a:r>
-            <a:r>
-              <a:rPr lang="en-US" altLang="zh-TW" dirty="0" err="1"/>
-              <a:t>selectedValueChange</a:t>
-            </a:r>
-            <a:r>
-              <a:rPr lang="en-US" altLang="zh-TW" dirty="0"/>
-              <a:t> = new </a:t>
-            </a:r>
-            <a:r>
-              <a:rPr lang="en-US" altLang="zh-TW" dirty="0" err="1"/>
-              <a:t>EventEmitter</a:t>
-            </a:r>
-            <a:r>
-              <a:rPr lang="en-US" altLang="zh-TW" dirty="0"/>
-              <a:t>&lt;number&gt;();</a:t>
-            </a:r>
-          </a:p>
-          <a:p>
-            <a:pPr marL="914400" lvl="2" indent="0">
-              <a:buNone/>
-            </a:pPr>
-            <a:endParaRPr lang="zh-TW" altLang="en-US" dirty="0"/>
-          </a:p>
-        </p:txBody>
-      </p:sp>
-    </p:spTree>
-    <p:extLst>
-      <p:ext uri="{BB962C8B-B14F-4D97-AF65-F5344CB8AC3E}">
-        <p14:creationId xmlns:p14="http://schemas.microsoft.com/office/powerpoint/2010/main" val="2666922623"/>
-      </p:ext>
-    </p:extLst>
-  </p:cSld>
-  <p:clrMapOvr>
-    <a:masterClrMapping/>
-  </p:clrMapOvr>
-</p:sld>
-</file>
-
 <file path=ppt/slides/slide27.xml><?xml version="1.0" encoding="utf-8"?>
 <p:sld xmlns:a="http://schemas.openxmlformats.org/drawingml/2006/main" xmlns:r="http://schemas.openxmlformats.org/officeDocument/2006/relationships" xmlns:p="http://schemas.openxmlformats.org/presentationml/2006/main">
   <p:cSld>
@@ -7787,6 +7773,457 @@
           <a:p>
             <a:r>
               <a:rPr lang="en-US" altLang="zh-TW" dirty="0" smtClean="0"/>
+              <a:t>Route </a:t>
+            </a:r>
+            <a:r>
+              <a:rPr lang="en-US" altLang="zh-TW" dirty="0" err="1" smtClean="0"/>
+              <a:t>Param</a:t>
+            </a:r>
+            <a:endParaRPr lang="zh-TW" altLang="en-US" dirty="0"/>
+          </a:p>
+        </p:txBody>
+      </p:sp>
+      <p:sp>
+        <p:nvSpPr>
+          <p:cNvPr id="3" name="內容版面配置區 2"/>
+          <p:cNvSpPr>
+            <a:spLocks noGrp="1"/>
+          </p:cNvSpPr>
+          <p:nvPr>
+            <p:ph idx="1"/>
+          </p:nvPr>
+        </p:nvSpPr>
+        <p:spPr/>
+        <p:txBody>
+          <a:bodyPr/>
+          <a:lstStyle/>
+          <a:p>
+            <a:r>
+              <a:rPr lang="en-US" altLang="zh-TW" dirty="0" err="1" smtClean="0"/>
+              <a:t>activedRoute</a:t>
+            </a:r>
+            <a:endParaRPr lang="en-US" altLang="zh-TW" dirty="0" smtClean="0"/>
+          </a:p>
+          <a:p>
+            <a:r>
+              <a:rPr lang="en-US" altLang="zh-TW" dirty="0" err="1" smtClean="0"/>
+              <a:t>paramMap</a:t>
+            </a:r>
+            <a:endParaRPr lang="zh-TW" altLang="en-US" dirty="0"/>
+          </a:p>
+        </p:txBody>
+      </p:sp>
+      <p:pic>
+        <p:nvPicPr>
+          <p:cNvPr id="4" name="圖片 3"/>
+          <p:cNvPicPr>
+            <a:picLocks noChangeAspect="1"/>
+          </p:cNvPicPr>
+          <p:nvPr/>
+        </p:nvPicPr>
+        <p:blipFill>
+          <a:blip r:embed="rId2"/>
+          <a:stretch>
+            <a:fillRect/>
+          </a:stretch>
+        </p:blipFill>
+        <p:spPr>
+          <a:xfrm>
+            <a:off x="4149306" y="1296354"/>
+            <a:ext cx="7978701" cy="5409880"/>
+          </a:xfrm>
+          <a:prstGeom prst="rect">
+            <a:avLst/>
+          </a:prstGeom>
+        </p:spPr>
+      </p:pic>
+    </p:spTree>
+    <p:extLst>
+      <p:ext uri="{BB962C8B-B14F-4D97-AF65-F5344CB8AC3E}">
+        <p14:creationId xmlns:p14="http://schemas.microsoft.com/office/powerpoint/2010/main" val="628162714"/>
+      </p:ext>
+    </p:extLst>
+  </p:cSld>
+  <p:clrMapOvr>
+    <a:masterClrMapping/>
+  </p:clrMapOvr>
+</p:sld>
+</file>
+
+<file path=ppt/slides/slide28.xml><?xml version="1.0" encoding="utf-8"?>
+<p:sld xmlns:a="http://schemas.openxmlformats.org/drawingml/2006/main" xmlns:r="http://schemas.openxmlformats.org/officeDocument/2006/relationships" xmlns:p="http://schemas.openxmlformats.org/presentationml/2006/main">
+  <p:cSld>
+    <p:spTree>
+      <p:nvGrpSpPr>
+        <p:cNvPr id="1" name=""/>
+        <p:cNvGrpSpPr/>
+        <p:nvPr/>
+      </p:nvGrpSpPr>
+      <p:grpSpPr>
+        <a:xfrm>
+          <a:off x="0" y="0"/>
+          <a:ext cx="0" cy="0"/>
+          <a:chOff x="0" y="0"/>
+          <a:chExt cx="0" cy="0"/>
+        </a:xfrm>
+      </p:grpSpPr>
+      <p:sp>
+        <p:nvSpPr>
+          <p:cNvPr id="2" name="標題 1"/>
+          <p:cNvSpPr>
+            <a:spLocks noGrp="1"/>
+          </p:cNvSpPr>
+          <p:nvPr>
+            <p:ph type="title"/>
+          </p:nvPr>
+        </p:nvSpPr>
+        <p:spPr/>
+        <p:txBody>
+          <a:bodyPr/>
+          <a:lstStyle/>
+          <a:p>
+            <a:r>
+              <a:rPr lang="en-US" altLang="zh-TW" dirty="0"/>
+              <a:t>component</a:t>
+            </a:r>
+            <a:endParaRPr lang="zh-TW" altLang="en-US" dirty="0"/>
+          </a:p>
+        </p:txBody>
+      </p:sp>
+      <p:sp>
+        <p:nvSpPr>
+          <p:cNvPr id="3" name="內容版面配置區 2"/>
+          <p:cNvSpPr>
+            <a:spLocks noGrp="1"/>
+          </p:cNvSpPr>
+          <p:nvPr>
+            <p:ph idx="1"/>
+          </p:nvPr>
+        </p:nvSpPr>
+        <p:spPr/>
+        <p:txBody>
+          <a:bodyPr>
+            <a:normAutofit fontScale="92500" lnSpcReduction="20000"/>
+          </a:bodyPr>
+          <a:lstStyle/>
+          <a:p>
+            <a:r>
+              <a:rPr lang="en-US" altLang="zh-TW" dirty="0"/>
+              <a:t>@input</a:t>
+            </a:r>
+            <a:endParaRPr lang="zh-TW" altLang="zh-TW" dirty="0"/>
+          </a:p>
+          <a:p>
+            <a:pPr lvl="1"/>
+            <a:r>
+              <a:rPr lang="en-US" altLang="zh-TW" dirty="0"/>
+              <a:t>in Html</a:t>
+            </a:r>
+            <a:endParaRPr lang="zh-TW" altLang="zh-TW" dirty="0"/>
+          </a:p>
+          <a:p>
+            <a:pPr marL="914400" lvl="2" indent="0">
+              <a:buNone/>
+            </a:pPr>
+            <a:r>
+              <a:rPr lang="en-US" altLang="zh-TW" dirty="0"/>
+              <a:t>&lt;p [</a:t>
+            </a:r>
+            <a:r>
+              <a:rPr lang="en-US" altLang="zh-TW" dirty="0" err="1"/>
+              <a:t>appHighlight</a:t>
+            </a:r>
+            <a:r>
+              <a:rPr lang="en-US" altLang="zh-TW" dirty="0"/>
+              <a:t>]="color"&gt;Highlight me!&lt;/p&gt;</a:t>
+            </a:r>
+            <a:endParaRPr lang="zh-TW" altLang="zh-TW" sz="3200" dirty="0"/>
+          </a:p>
+          <a:p>
+            <a:pPr marL="914400" lvl="2" indent="0">
+              <a:buNone/>
+            </a:pPr>
+            <a:r>
+              <a:rPr lang="zh-HK" altLang="zh-TW" dirty="0"/>
+              <a:t>比較</a:t>
+            </a:r>
+            <a:endParaRPr lang="zh-TW" altLang="zh-TW" sz="3200" dirty="0"/>
+          </a:p>
+          <a:p>
+            <a:pPr marL="914400" lvl="2" indent="0">
+              <a:buNone/>
+            </a:pPr>
+            <a:r>
+              <a:rPr lang="en-US" altLang="zh-TW" dirty="0"/>
+              <a:t>&lt;p </a:t>
+            </a:r>
+            <a:r>
+              <a:rPr lang="en-US" altLang="zh-TW" dirty="0" err="1"/>
+              <a:t>appHighlight</a:t>
+            </a:r>
+            <a:r>
+              <a:rPr lang="en-US" altLang="zh-TW" dirty="0"/>
+              <a:t>="red"&gt;Highlight me!&lt;/p</a:t>
+            </a:r>
+            <a:r>
+              <a:rPr lang="en-US" altLang="zh-TW" dirty="0" smtClean="0"/>
+              <a:t>&gt;</a:t>
+            </a:r>
+          </a:p>
+          <a:p>
+            <a:pPr marL="914400" lvl="2" indent="0">
+              <a:buNone/>
+            </a:pPr>
+            <a:r>
+              <a:rPr lang="en-US" altLang="zh-TW" sz="3200" dirty="0" smtClean="0">
+                <a:solidFill>
+                  <a:srgbClr val="FF0000"/>
+                </a:solidFill>
+                <a:sym typeface="Wingdings" panose="05000000000000000000" pitchFamily="2" charset="2"/>
+              </a:rPr>
+              <a:t> </a:t>
+            </a:r>
+            <a:r>
+              <a:rPr lang="zh-TW" altLang="en-US" sz="3200" dirty="0" smtClean="0">
+                <a:solidFill>
+                  <a:srgbClr val="FF0000"/>
+                </a:solidFill>
+                <a:sym typeface="Wingdings" panose="05000000000000000000" pitchFamily="2" charset="2"/>
+              </a:rPr>
+              <a:t>傳入常數</a:t>
+            </a:r>
+            <a:r>
+              <a:rPr lang="en-US" altLang="zh-TW" sz="3200" dirty="0" smtClean="0">
+                <a:solidFill>
+                  <a:srgbClr val="FF0000"/>
+                </a:solidFill>
+                <a:sym typeface="Wingdings" panose="05000000000000000000" pitchFamily="2" charset="2"/>
+              </a:rPr>
+              <a:t>(red) VS </a:t>
+            </a:r>
+            <a:r>
+              <a:rPr lang="zh-TW" altLang="en-US" sz="3200" dirty="0" smtClean="0">
+                <a:solidFill>
+                  <a:srgbClr val="FF0000"/>
+                </a:solidFill>
+                <a:sym typeface="Wingdings" panose="05000000000000000000" pitchFamily="2" charset="2"/>
+              </a:rPr>
+              <a:t>變數</a:t>
+            </a:r>
+            <a:r>
+              <a:rPr lang="en-US" altLang="zh-TW" sz="3200" dirty="0" smtClean="0">
+                <a:solidFill>
+                  <a:srgbClr val="FF0000"/>
+                </a:solidFill>
+                <a:sym typeface="Wingdings" panose="05000000000000000000" pitchFamily="2" charset="2"/>
+              </a:rPr>
+              <a:t>(color)</a:t>
+            </a:r>
+            <a:endParaRPr lang="zh-TW" altLang="zh-TW" sz="3200" dirty="0">
+              <a:solidFill>
+                <a:srgbClr val="FF0000"/>
+              </a:solidFill>
+            </a:endParaRPr>
+          </a:p>
+          <a:p>
+            <a:pPr lvl="1"/>
+            <a:r>
+              <a:rPr lang="en-US" altLang="zh-TW" dirty="0"/>
+              <a:t>in TS</a:t>
+            </a:r>
+            <a:endParaRPr lang="zh-TW" altLang="zh-TW" dirty="0"/>
+          </a:p>
+          <a:p>
+            <a:pPr marL="914400" lvl="2" indent="0">
+              <a:buNone/>
+            </a:pPr>
+            <a:r>
+              <a:rPr lang="en-US" altLang="zh-TW" dirty="0"/>
+              <a:t>@</a:t>
+            </a:r>
+            <a:r>
+              <a:rPr lang="en-US" altLang="zh-TW" dirty="0">
+                <a:hlinkClick r:id="rId2"/>
+              </a:rPr>
+              <a:t>Input</a:t>
+            </a:r>
+            <a:r>
+              <a:rPr lang="en-US" altLang="zh-TW" dirty="0"/>
+              <a:t>('</a:t>
+            </a:r>
+            <a:r>
+              <a:rPr lang="en-US" altLang="zh-TW" dirty="0" err="1"/>
+              <a:t>appHighlight</a:t>
+            </a:r>
+            <a:r>
+              <a:rPr lang="en-US" altLang="zh-TW" dirty="0"/>
+              <a:t>') </a:t>
+            </a:r>
+            <a:r>
+              <a:rPr lang="en-US" altLang="zh-TW" dirty="0" err="1"/>
+              <a:t>highlightColor</a:t>
+            </a:r>
+            <a:r>
+              <a:rPr lang="en-US" altLang="zh-TW" dirty="0"/>
+              <a:t>: string;</a:t>
+            </a:r>
+            <a:endParaRPr lang="zh-TW" altLang="zh-TW" sz="3200" dirty="0"/>
+          </a:p>
+          <a:p>
+            <a:r>
+              <a:rPr lang="en-US" altLang="zh-TW" dirty="0"/>
+              <a:t>@output</a:t>
+            </a:r>
+            <a:endParaRPr lang="zh-TW" altLang="zh-TW" dirty="0"/>
+          </a:p>
+          <a:p>
+            <a:pPr lvl="1"/>
+            <a:r>
+              <a:rPr lang="en-US" altLang="zh-TW" dirty="0"/>
+              <a:t>in Html</a:t>
+            </a:r>
+            <a:endParaRPr lang="zh-TW" altLang="zh-TW" dirty="0"/>
+          </a:p>
+          <a:p>
+            <a:pPr marL="914400" lvl="2" indent="0">
+              <a:buNone/>
+            </a:pPr>
+            <a:r>
+              <a:rPr lang="en-US" altLang="zh-TW" dirty="0"/>
+              <a:t> </a:t>
+            </a:r>
+            <a:r>
+              <a:rPr lang="en-US" altLang="zh-TW" dirty="0" smtClean="0"/>
+              <a:t>&lt;p</a:t>
+            </a:r>
+            <a:r>
+              <a:rPr lang="en-US" altLang="zh-TW" dirty="0"/>
+              <a:t> (</a:t>
+            </a:r>
+            <a:r>
+              <a:rPr lang="en-US" altLang="zh-TW" dirty="0" err="1"/>
+              <a:t>selectedValueChange</a:t>
+            </a:r>
+            <a:r>
+              <a:rPr lang="en-US" altLang="zh-TW" dirty="0"/>
+              <a:t>)="</a:t>
+            </a:r>
+            <a:r>
+              <a:rPr lang="en-US" altLang="zh-TW" dirty="0" err="1"/>
+              <a:t>selectedValueChange</a:t>
+            </a:r>
+            <a:r>
+              <a:rPr lang="en-US" altLang="zh-TW" dirty="0"/>
+              <a:t>($event</a:t>
+            </a:r>
+            <a:r>
+              <a:rPr lang="en-US" altLang="zh-TW" dirty="0" smtClean="0"/>
+              <a:t>)"&gt;{{</a:t>
+            </a:r>
+            <a:r>
+              <a:rPr lang="en-US" altLang="zh-TW" dirty="0" err="1"/>
+              <a:t>item.set</a:t>
+            </a:r>
+            <a:r>
+              <a:rPr lang="en-US" altLang="zh-TW" dirty="0" smtClean="0"/>
+              <a:t>}}&lt;/p&gt;</a:t>
+            </a:r>
+            <a:endParaRPr lang="en-US" altLang="zh-TW" dirty="0"/>
+          </a:p>
+          <a:p>
+            <a:pPr marL="914400" lvl="2" indent="0">
+              <a:buNone/>
+            </a:pPr>
+            <a:endParaRPr lang="zh-TW" altLang="zh-TW" sz="3200" dirty="0"/>
+          </a:p>
+          <a:p>
+            <a:pPr lvl="1"/>
+            <a:r>
+              <a:rPr lang="en-US" altLang="zh-TW" dirty="0"/>
+              <a:t>in TS</a:t>
+            </a:r>
+            <a:endParaRPr lang="zh-TW" altLang="zh-TW" dirty="0"/>
+          </a:p>
+          <a:p>
+            <a:pPr marL="914400" lvl="2" indent="0">
+              <a:buNone/>
+            </a:pPr>
+            <a:r>
+              <a:rPr lang="en-US" altLang="zh-TW" dirty="0"/>
+              <a:t>@Output() </a:t>
+            </a:r>
+            <a:r>
+              <a:rPr lang="en-US" altLang="zh-TW" dirty="0" err="1"/>
+              <a:t>selectedValueChange</a:t>
+            </a:r>
+            <a:r>
+              <a:rPr lang="en-US" altLang="zh-TW" dirty="0"/>
+              <a:t> = new </a:t>
+            </a:r>
+            <a:r>
+              <a:rPr lang="en-US" altLang="zh-TW" dirty="0" err="1"/>
+              <a:t>EventEmitter</a:t>
+            </a:r>
+            <a:r>
+              <a:rPr lang="en-US" altLang="zh-TW" dirty="0"/>
+              <a:t>&lt;number&gt;();</a:t>
+            </a:r>
+          </a:p>
+          <a:p>
+            <a:pPr marL="914400" lvl="2" indent="0">
+              <a:buNone/>
+            </a:pPr>
+            <a:endParaRPr lang="zh-TW" altLang="en-US" dirty="0"/>
+          </a:p>
+        </p:txBody>
+      </p:sp>
+    </p:spTree>
+    <p:extLst>
+      <p:ext uri="{BB962C8B-B14F-4D97-AF65-F5344CB8AC3E}">
+        <p14:creationId xmlns:p14="http://schemas.microsoft.com/office/powerpoint/2010/main" val="2666922623"/>
+      </p:ext>
+    </p:extLst>
+  </p:cSld>
+  <p:clrMapOvr>
+    <a:masterClrMapping/>
+  </p:clrMapOvr>
+</p:sld>
+</file>
+
+<file path=ppt/slides/slide29.xml><?xml version="1.0" encoding="utf-8"?>
+<p:sld xmlns:a="http://schemas.openxmlformats.org/drawingml/2006/main" xmlns:r="http://schemas.openxmlformats.org/officeDocument/2006/relationships" xmlns:p="http://schemas.openxmlformats.org/presentationml/2006/main">
+  <p:cSld>
+    <p:spTree>
+      <p:nvGrpSpPr>
+        <p:cNvPr id="1" name=""/>
+        <p:cNvGrpSpPr/>
+        <p:nvPr/>
+      </p:nvGrpSpPr>
+      <p:grpSpPr>
+        <a:xfrm>
+          <a:off x="0" y="0"/>
+          <a:ext cx="0" cy="0"/>
+          <a:chOff x="0" y="0"/>
+          <a:chExt cx="0" cy="0"/>
+        </a:xfrm>
+      </p:grpSpPr>
+      <p:sp>
+        <p:nvSpPr>
+          <p:cNvPr id="2" name="標題 1"/>
+          <p:cNvSpPr>
+            <a:spLocks noGrp="1"/>
+          </p:cNvSpPr>
+          <p:nvPr>
+            <p:ph type="title"/>
+          </p:nvPr>
+        </p:nvSpPr>
+        <p:spPr/>
+        <p:txBody>
+          <a:bodyPr/>
+          <a:lstStyle/>
+          <a:p>
+            <a:r>
+              <a:rPr lang="en-US" altLang="zh-TW" dirty="0" smtClean="0"/>
               <a:t>Directive</a:t>
             </a:r>
             <a:endParaRPr lang="zh-TW" altLang="en-US" dirty="0"/>
@@ -7848,8 +8285,16 @@
           </a:p>
           <a:p>
             <a:r>
+              <a:rPr lang="en-US" altLang="zh-TW" sz="3400" dirty="0">
+                <a:solidFill>
+                  <a:srgbClr val="FF0000"/>
+                </a:solidFill>
+              </a:rPr>
+              <a:t>attribute</a:t>
+            </a:r>
+            <a:r>
               <a:rPr lang="en-US" altLang="zh-TW" sz="3400" dirty="0"/>
-              <a:t>attribute Directives:</a:t>
+              <a:t> Directives:</a:t>
             </a:r>
             <a:r>
               <a:rPr lang="en-US" altLang="zh-TW" dirty="0"/>
@@ -7859,8 +8304,16 @@
           </a:p>
           <a:p>
             <a:r>
+              <a:rPr lang="en-US" altLang="zh-TW" sz="3400" dirty="0">
+                <a:solidFill>
+                  <a:srgbClr val="FF0000"/>
+                </a:solidFill>
+              </a:rPr>
+              <a:t>structural</a:t>
+            </a:r>
+            <a:r>
               <a:rPr lang="en-US" altLang="zh-TW" sz="3400" dirty="0"/>
-              <a:t>structural Directives: </a:t>
+              <a:t> Directives: </a:t>
             </a:r>
             <a:r>
               <a:rPr lang="en-US" altLang="zh-TW" dirty="0"/>
@@ -7942,6 +8395,37 @@
             <a:endParaRPr lang="zh-TW" altLang="zh-TW" dirty="0"/>
           </a:p>
           <a:p>
+            <a:endParaRPr lang="zh-TW" altLang="en-US" dirty="0"/>
+          </a:p>
+        </p:txBody>
+      </p:sp>
+      <p:sp>
+        <p:nvSpPr>
+          <p:cNvPr id="4" name="矩形 3"/>
+          <p:cNvSpPr/>
+          <p:nvPr/>
+        </p:nvSpPr>
+        <p:spPr>
+          <a:xfrm>
+            <a:off x="4810195" y="5992297"/>
+            <a:ext cx="5970417" cy="369332"/>
+          </a:xfrm>
+          <a:prstGeom prst="rect">
+            <a:avLst/>
+          </a:prstGeom>
+        </p:spPr>
+        <p:txBody>
+          <a:bodyPr wrap="none">
+            <a:spAutoFit/>
+          </a:bodyPr>
+          <a:lstStyle/>
+          <a:p>
+            <a:r>
+              <a:rPr lang="en-US" altLang="zh-TW" dirty="0">
+                <a:hlinkClick r:id="rId2"/>
+              </a:rPr>
+              <a:t>https://angular.tw/guide/architecture-components#directives</a:t>
+            </a:r>
             <a:endParaRPr lang="zh-TW" altLang="en-US" dirty="0"/>
           </a:p>
         </p:txBody>
@@ -7959,7 +8443,175 @@
 </p:sld>
 </file>
 
-<file path=ppt/slides/slide28.xml><?xml version="1.0" encoding="utf-8"?>
+<file path=ppt/slides/slide3.xml><?xml version="1.0" encoding="utf-8"?>
+<p:sld xmlns:a="http://schemas.openxmlformats.org/drawingml/2006/main" xmlns:r="http://schemas.openxmlformats.org/officeDocument/2006/relationships" xmlns:p="http://schemas.openxmlformats.org/presentationml/2006/main">
+  <p:cSld>
+    <p:spTree>
+      <p:nvGrpSpPr>
+        <p:cNvPr id="1" name=""/>
+        <p:cNvGrpSpPr/>
+        <p:nvPr/>
+      </p:nvGrpSpPr>
+      <p:grpSpPr>
+        <a:xfrm>
+          <a:off x="0" y="0"/>
+          <a:ext cx="0" cy="0"/>
+          <a:chOff x="0" y="0"/>
+          <a:chExt cx="0" cy="0"/>
+        </a:xfrm>
+      </p:grpSpPr>
+      <p:sp>
+        <p:nvSpPr>
+          <p:cNvPr id="2" name="標題 1"/>
+          <p:cNvSpPr>
+            <a:spLocks noGrp="1"/>
+          </p:cNvSpPr>
+          <p:nvPr>
+            <p:ph type="title"/>
+          </p:nvPr>
+        </p:nvSpPr>
+        <p:spPr/>
+        <p:txBody>
+          <a:bodyPr/>
+          <a:lstStyle/>
+          <a:p>
+            <a:r>
+              <a:rPr lang="zh-TW" altLang="en-US" dirty="0" smtClean="0"/>
+              <a:t>學習目標</a:t>
+            </a:r>
+            <a:endParaRPr lang="zh-TW" altLang="en-US" dirty="0"/>
+          </a:p>
+        </p:txBody>
+      </p:sp>
+      <p:sp>
+        <p:nvSpPr>
+          <p:cNvPr id="3" name="內容版面配置區 2"/>
+          <p:cNvSpPr>
+            <a:spLocks noGrp="1"/>
+          </p:cNvSpPr>
+          <p:nvPr>
+            <p:ph idx="1"/>
+          </p:nvPr>
+        </p:nvSpPr>
+        <p:spPr/>
+        <p:txBody>
+          <a:bodyPr>
+            <a:normAutofit/>
+          </a:bodyPr>
+          <a:lstStyle/>
+          <a:p>
+            <a:r>
+              <a:rPr lang="en-US" altLang="zh-TW" dirty="0" smtClean="0"/>
+              <a:t>HTML + CSS </a:t>
+            </a:r>
+            <a:r>
+              <a:rPr lang="zh-TW" altLang="en-US" dirty="0" smtClean="0"/>
+              <a:t>概念</a:t>
+            </a:r>
+            <a:endParaRPr lang="en-US" altLang="zh-TW" dirty="0" smtClean="0"/>
+          </a:p>
+          <a:p>
+            <a:r>
+              <a:rPr lang="en-US" altLang="zh-TW" dirty="0" smtClean="0"/>
+              <a:t>Angular </a:t>
+            </a:r>
+          </a:p>
+          <a:p>
+            <a:pPr lvl="1"/>
+            <a:r>
+              <a:rPr lang="zh-HK" altLang="zh-TW" dirty="0"/>
+              <a:t>開發環境建置</a:t>
+            </a:r>
+            <a:endParaRPr lang="zh-TW" altLang="zh-TW" dirty="0"/>
+          </a:p>
+          <a:p>
+            <a:pPr lvl="1"/>
+            <a:r>
+              <a:rPr lang="zh-HK" altLang="zh-TW" dirty="0"/>
+              <a:t>認識檔案結構</a:t>
+            </a:r>
+            <a:r>
+              <a:rPr lang="en-US" altLang="zh-TW" dirty="0"/>
+              <a:t>/</a:t>
+            </a:r>
+            <a:r>
+              <a:rPr lang="zh-HK" altLang="zh-TW" dirty="0"/>
+              <a:t>組成</a:t>
+            </a:r>
+            <a:endParaRPr lang="zh-TW" altLang="zh-TW" dirty="0"/>
+          </a:p>
+          <a:p>
+            <a:pPr lvl="1"/>
+            <a:r>
+              <a:rPr lang="zh-HK" altLang="zh-TW" dirty="0"/>
+              <a:t>前後資料繫結</a:t>
+            </a:r>
+            <a:r>
+              <a:rPr lang="en-US" altLang="zh-TW" dirty="0"/>
+              <a:t>, Say Hello</a:t>
+            </a:r>
+            <a:endParaRPr lang="zh-TW" altLang="zh-TW" dirty="0"/>
+          </a:p>
+          <a:p>
+            <a:pPr lvl="1"/>
+            <a:r>
+              <a:rPr lang="en-US" altLang="zh-TW" dirty="0"/>
+              <a:t>Library</a:t>
+            </a:r>
+            <a:r>
+              <a:rPr lang="zh-HK" altLang="zh-TW" dirty="0"/>
+              <a:t>開發</a:t>
+            </a:r>
+            <a:endParaRPr lang="en-US" altLang="zh-TW" dirty="0" smtClean="0"/>
+          </a:p>
+          <a:p>
+            <a:r>
+              <a:rPr lang="zh-TW" altLang="en-US" dirty="0" smtClean="0"/>
+              <a:t>實作網站</a:t>
+            </a:r>
+            <a:endParaRPr lang="en-US" altLang="zh-TW" dirty="0" smtClean="0"/>
+          </a:p>
+          <a:p>
+            <a:r>
+              <a:rPr lang="zh-HK" altLang="zh-TW" dirty="0"/>
+              <a:t>佈建</a:t>
+            </a:r>
+            <a:r>
+              <a:rPr lang="zh-TW" altLang="en-US" dirty="0" smtClean="0"/>
+              <a:t>分發</a:t>
+            </a:r>
+            <a:endParaRPr lang="zh-TW" altLang="zh-TW" dirty="0"/>
+          </a:p>
+          <a:p>
+            <a:pPr lvl="1"/>
+            <a:endParaRPr lang="zh-TW" altLang="zh-TW" dirty="0"/>
+          </a:p>
+          <a:p>
+            <a:endParaRPr lang="zh-TW" altLang="en-US" dirty="0"/>
+          </a:p>
+        </p:txBody>
+      </p:sp>
+    </p:spTree>
+    <p:extLst>
+      <p:ext uri="{BB962C8B-B14F-4D97-AF65-F5344CB8AC3E}">
+        <p14:creationId xmlns:p14="http://schemas.microsoft.com/office/powerpoint/2010/main" val="3181955704"/>
+      </p:ext>
+    </p:extLst>
+  </p:cSld>
+  <p:clrMapOvr>
+    <a:masterClrMapping/>
+  </p:clrMapOvr>
+  <p:timing>
+    <p:tnLst>
+      <p:par>
+        <p:cTn id="1" dur="indefinite" restart="never" nodeType="tmRoot"/>
+      </p:par>
+    </p:tnLst>
+  </p:timing>
+</p:sld>
+</file>
+
+<file path=ppt/slides/slide30.xml><?xml version="1.0" encoding="utf-8"?>
 <p:sld xmlns:a="http://schemas.openxmlformats.org/drawingml/2006/main" xmlns:r="http://schemas.openxmlformats.org/officeDocument/2006/relationships" xmlns:p="http://schemas.openxmlformats.org/presentationml/2006/main">
   <p:cSld>
     <p:spTree>
@@ -8075,325 +8727,6 @@
 </p:sld>
 </file>
 
-<file path=ppt/slides/slide29.xml><?xml version="1.0" encoding="utf-8"?>
-<p:sld xmlns:a="http://schemas.openxmlformats.org/drawingml/2006/main" xmlns:r="http://schemas.openxmlformats.org/officeDocument/2006/relationships" xmlns:p="http://schemas.openxmlformats.org/presentationml/2006/main">
-  <p:cSld>
-    <p:spTree>
-      <p:nvGrpSpPr>
-        <p:cNvPr id="1" name=""/>
-        <p:cNvGrpSpPr/>
-        <p:nvPr/>
-      </p:nvGrpSpPr>
-      <p:grpSpPr>
-        <a:xfrm>
-          <a:off x="0" y="0"/>
-          <a:ext cx="0" cy="0"/>
-          <a:chOff x="0" y="0"/>
-          <a:chExt cx="0" cy="0"/>
-        </a:xfrm>
-      </p:grpSpPr>
-      <p:sp>
-        <p:nvSpPr>
-          <p:cNvPr id="2" name="標題 1"/>
-          <p:cNvSpPr>
-            <a:spLocks noGrp="1"/>
-          </p:cNvSpPr>
-          <p:nvPr>
-            <p:ph type="title"/>
-          </p:nvPr>
-        </p:nvSpPr>
-        <p:spPr/>
-        <p:txBody>
-          <a:bodyPr/>
-          <a:lstStyle/>
-          <a:p>
-            <a:r>
-              <a:rPr lang="en-US" altLang="zh-TW" dirty="0" smtClean="0"/>
-              <a:t>Pipe</a:t>
-            </a:r>
-            <a:endParaRPr lang="zh-TW" altLang="en-US" dirty="0"/>
-          </a:p>
-        </p:txBody>
-      </p:sp>
-      <p:sp>
-        <p:nvSpPr>
-          <p:cNvPr id="3" name="內容版面配置區 2"/>
-          <p:cNvSpPr>
-            <a:spLocks noGrp="1"/>
-          </p:cNvSpPr>
-          <p:nvPr>
-            <p:ph idx="1"/>
-          </p:nvPr>
-        </p:nvSpPr>
-        <p:spPr/>
-        <p:txBody>
-          <a:bodyPr/>
-          <a:lstStyle/>
-          <a:p>
-            <a:r>
-              <a:rPr lang="en-US" altLang="zh-TW" dirty="0"/>
-              <a:t>pipe</a:t>
-            </a:r>
-            <a:endParaRPr lang="zh-TW" altLang="zh-TW" dirty="0"/>
-          </a:p>
-          <a:p>
-            <a:r>
-              <a:rPr lang="en-US" altLang="zh-TW" dirty="0"/>
-              <a:t>providers/service/ DI (Dependency Injection)</a:t>
-            </a:r>
-            <a:endParaRPr lang="zh-TW" altLang="zh-TW" dirty="0"/>
-          </a:p>
-          <a:p>
-            <a:endParaRPr lang="zh-TW" altLang="en-US" dirty="0"/>
-          </a:p>
-        </p:txBody>
-      </p:sp>
-    </p:spTree>
-    <p:extLst>
-      <p:ext uri="{BB962C8B-B14F-4D97-AF65-F5344CB8AC3E}">
-        <p14:creationId xmlns:p14="http://schemas.microsoft.com/office/powerpoint/2010/main" val="3173006823"/>
-      </p:ext>
-    </p:extLst>
-  </p:cSld>
-  <p:clrMapOvr>
-    <a:masterClrMapping/>
-  </p:clrMapOvr>
-</p:sld>
-</file>
-
-<file path=ppt/slides/slide3.xml><?xml version="1.0" encoding="utf-8"?>
-<p:sld xmlns:a="http://schemas.openxmlformats.org/drawingml/2006/main" xmlns:r="http://schemas.openxmlformats.org/officeDocument/2006/relationships" xmlns:p="http://schemas.openxmlformats.org/presentationml/2006/main">
-  <p:cSld>
-    <p:spTree>
-      <p:nvGrpSpPr>
-        <p:cNvPr id="1" name=""/>
-        <p:cNvGrpSpPr/>
-        <p:nvPr/>
-      </p:nvGrpSpPr>
-      <p:grpSpPr>
-        <a:xfrm>
-          <a:off x="0" y="0"/>
-          <a:ext cx="0" cy="0"/>
-          <a:chOff x="0" y="0"/>
-          <a:chExt cx="0" cy="0"/>
-        </a:xfrm>
-      </p:grpSpPr>
-      <p:sp>
-        <p:nvSpPr>
-          <p:cNvPr id="2" name="標題 1"/>
-          <p:cNvSpPr>
-            <a:spLocks noGrp="1"/>
-          </p:cNvSpPr>
-          <p:nvPr>
-            <p:ph type="title"/>
-          </p:nvPr>
-        </p:nvSpPr>
-        <p:spPr/>
-        <p:txBody>
-          <a:bodyPr/>
-          <a:lstStyle/>
-          <a:p>
-            <a:r>
-              <a:rPr lang="zh-TW" altLang="en-US" dirty="0" smtClean="0"/>
-              <a:t>學習目標</a:t>
-            </a:r>
-            <a:endParaRPr lang="zh-TW" altLang="en-US" dirty="0"/>
-          </a:p>
-        </p:txBody>
-      </p:sp>
-      <p:sp>
-        <p:nvSpPr>
-          <p:cNvPr id="3" name="內容版面配置區 2"/>
-          <p:cNvSpPr>
-            <a:spLocks noGrp="1"/>
-          </p:cNvSpPr>
-          <p:nvPr>
-            <p:ph idx="1"/>
-          </p:nvPr>
-        </p:nvSpPr>
-        <p:spPr/>
-        <p:txBody>
-          <a:bodyPr>
-            <a:normAutofit/>
-          </a:bodyPr>
-          <a:lstStyle/>
-          <a:p>
-            <a:r>
-              <a:rPr lang="en-US" altLang="zh-TW" dirty="0" smtClean="0"/>
-              <a:t>HTML + CSS </a:t>
-            </a:r>
-            <a:r>
-              <a:rPr lang="zh-TW" altLang="en-US" dirty="0" smtClean="0"/>
-              <a:t>概念</a:t>
-            </a:r>
-            <a:endParaRPr lang="en-US" altLang="zh-TW" dirty="0" smtClean="0"/>
-          </a:p>
-          <a:p>
-            <a:r>
-              <a:rPr lang="en-US" altLang="zh-TW" dirty="0" smtClean="0"/>
-              <a:t>Angular </a:t>
-            </a:r>
-          </a:p>
-          <a:p>
-            <a:pPr lvl="1"/>
-            <a:r>
-              <a:rPr lang="zh-HK" altLang="zh-TW" dirty="0"/>
-              <a:t>開發環境建置</a:t>
-            </a:r>
-            <a:endParaRPr lang="zh-TW" altLang="zh-TW" dirty="0"/>
-          </a:p>
-          <a:p>
-            <a:pPr lvl="1"/>
-            <a:r>
-              <a:rPr lang="zh-HK" altLang="zh-TW" dirty="0"/>
-              <a:t>認識檔案結構</a:t>
-            </a:r>
-            <a:r>
-              <a:rPr lang="en-US" altLang="zh-TW" dirty="0"/>
-              <a:t>/</a:t>
-            </a:r>
-            <a:r>
-              <a:rPr lang="zh-HK" altLang="zh-TW" dirty="0"/>
-              <a:t>組成</a:t>
-            </a:r>
-            <a:endParaRPr lang="zh-TW" altLang="zh-TW" dirty="0"/>
-          </a:p>
-          <a:p>
-            <a:pPr lvl="1"/>
-            <a:r>
-              <a:rPr lang="zh-HK" altLang="zh-TW" dirty="0"/>
-              <a:t>前後資料繫結</a:t>
-            </a:r>
-            <a:r>
-              <a:rPr lang="en-US" altLang="zh-TW" dirty="0"/>
-              <a:t>, Say Hello</a:t>
-            </a:r>
-            <a:endParaRPr lang="zh-TW" altLang="zh-TW" dirty="0"/>
-          </a:p>
-          <a:p>
-            <a:pPr lvl="1"/>
-            <a:r>
-              <a:rPr lang="en-US" altLang="zh-TW" dirty="0"/>
-              <a:t>Library</a:t>
-            </a:r>
-            <a:r>
-              <a:rPr lang="zh-HK" altLang="zh-TW" dirty="0"/>
-              <a:t>開發</a:t>
-            </a:r>
-            <a:endParaRPr lang="en-US" altLang="zh-TW" dirty="0" smtClean="0"/>
-          </a:p>
-          <a:p>
-            <a:r>
-              <a:rPr lang="zh-TW" altLang="en-US" dirty="0" smtClean="0"/>
-              <a:t>實作網站</a:t>
-            </a:r>
-            <a:endParaRPr lang="en-US" altLang="zh-TW" dirty="0" smtClean="0"/>
-          </a:p>
-          <a:p>
-            <a:r>
-              <a:rPr lang="zh-HK" altLang="zh-TW" dirty="0"/>
-              <a:t>佈建</a:t>
-            </a:r>
-            <a:r>
-              <a:rPr lang="zh-TW" altLang="en-US" dirty="0" smtClean="0"/>
-              <a:t>分發</a:t>
-            </a:r>
-            <a:endParaRPr lang="zh-TW" altLang="zh-TW" dirty="0"/>
-          </a:p>
-          <a:p>
-            <a:pPr lvl="1"/>
-            <a:endParaRPr lang="zh-TW" altLang="zh-TW" dirty="0"/>
-          </a:p>
-          <a:p>
-            <a:endParaRPr lang="zh-TW" altLang="en-US" dirty="0"/>
-          </a:p>
-        </p:txBody>
-      </p:sp>
-    </p:spTree>
-    <p:extLst>
-      <p:ext uri="{BB962C8B-B14F-4D97-AF65-F5344CB8AC3E}">
-        <p14:creationId xmlns:p14="http://schemas.microsoft.com/office/powerpoint/2010/main" val="3181955704"/>
-      </p:ext>
-    </p:extLst>
-  </p:cSld>
-  <p:clrMapOvr>
-    <a:masterClrMapping/>
-  </p:clrMapOvr>
-</p:sld>
-</file>
-
-<file path=ppt/slides/slide30.xml><?xml version="1.0" encoding="utf-8"?>
-<p:sld xmlns:a="http://schemas.openxmlformats.org/drawingml/2006/main" xmlns:r="http://schemas.openxmlformats.org/officeDocument/2006/relationships" xmlns:p="http://schemas.openxmlformats.org/presentationml/2006/main">
-  <p:cSld>
-    <p:spTree>
-      <p:nvGrpSpPr>
-        <p:cNvPr id="1" name=""/>
-        <p:cNvGrpSpPr/>
-        <p:nvPr/>
-      </p:nvGrpSpPr>
-      <p:grpSpPr>
-        <a:xfrm>
-          <a:off x="0" y="0"/>
-          <a:ext cx="0" cy="0"/>
-          <a:chOff x="0" y="0"/>
-          <a:chExt cx="0" cy="0"/>
-        </a:xfrm>
-      </p:grpSpPr>
-      <p:sp>
-        <p:nvSpPr>
-          <p:cNvPr id="2" name="標題 1"/>
-          <p:cNvSpPr>
-            <a:spLocks noGrp="1"/>
-          </p:cNvSpPr>
-          <p:nvPr>
-            <p:ph type="title"/>
-          </p:nvPr>
-        </p:nvSpPr>
-        <p:spPr/>
-        <p:txBody>
-          <a:bodyPr/>
-          <a:lstStyle/>
-          <a:p>
-            <a:r>
-              <a:rPr lang="en-US" altLang="zh-TW" dirty="0" smtClean="0"/>
-              <a:t>Service</a:t>
-            </a:r>
-            <a:endParaRPr lang="zh-TW" altLang="en-US" dirty="0"/>
-          </a:p>
-        </p:txBody>
-      </p:sp>
-      <p:sp>
-        <p:nvSpPr>
-          <p:cNvPr id="3" name="內容版面配置區 2"/>
-          <p:cNvSpPr>
-            <a:spLocks noGrp="1"/>
-          </p:cNvSpPr>
-          <p:nvPr>
-            <p:ph idx="1"/>
-          </p:nvPr>
-        </p:nvSpPr>
-        <p:spPr/>
-        <p:txBody>
-          <a:bodyPr/>
-          <a:lstStyle/>
-          <a:p>
-            <a:endParaRPr lang="zh-TW" altLang="en-US"/>
-          </a:p>
-        </p:txBody>
-      </p:sp>
-    </p:spTree>
-    <p:extLst>
-      <p:ext uri="{BB962C8B-B14F-4D97-AF65-F5344CB8AC3E}">
-        <p14:creationId xmlns:p14="http://schemas.microsoft.com/office/powerpoint/2010/main" val="841075228"/>
-      </p:ext>
-    </p:extLst>
-  </p:cSld>
-  <p:clrMapOvr>
-    <a:masterClrMapping/>
-  </p:clrMapOvr>
-</p:sld>
-</file>
-
 <file path=ppt/slides/slide31.xml><?xml version="1.0" encoding="utf-8"?>
 <p:sld xmlns:a="http://schemas.openxmlformats.org/drawingml/2006/main" xmlns:r="http://schemas.openxmlformats.org/officeDocument/2006/relationships" xmlns:p="http://schemas.openxmlformats.org/presentationml/2006/main">
   <p:cSld>
@@ -8428,11 +8761,7 @@
           <a:p>
             <a:r>
               <a:rPr lang="en-US" altLang="zh-TW" dirty="0" smtClean="0"/>
-              <a:t>UI </a:t>
-            </a:r>
-            <a:r>
-              <a:rPr lang="zh-TW" altLang="en-US" dirty="0" smtClean="0"/>
-              <a:t>套件</a:t>
+              <a:t>Pipe</a:t>
             </a:r>
             <a:endParaRPr lang="zh-TW" altLang="en-US" dirty="0"/>
           </a:p>
@@ -8454,22 +8783,50 @@
           <a:lstStyle/>
           <a:p>
             <a:r>
-              <a:rPr lang="en-US" altLang="zh-TW" dirty="0" err="1"/>
-              <a:t>primeNG</a:t>
-            </a:r>
-            <a:r>
-              <a:rPr lang="en-US" altLang="zh-TW" dirty="0"/>
-              <a:t>: </a:t>
-            </a:r>
-            <a:r>
-              <a:rPr lang="en-US" altLang="zh-TW" u="sng" dirty="0">
+              <a:rPr lang="en-US" altLang="zh-TW" dirty="0"/>
+              <a:t>pipe</a:t>
+            </a:r>
+            <a:endParaRPr lang="zh-TW" altLang="zh-TW" dirty="0"/>
+          </a:p>
+          <a:p>
+            <a:r>
+              <a:rPr lang="en-US" altLang="zh-TW" dirty="0"/>
+              <a:t>providers/service/ DI (Dependency Injection)</a:t>
+            </a:r>
+            <a:endParaRPr lang="zh-TW" altLang="zh-TW" dirty="0"/>
+          </a:p>
+          <a:p>
+            <a:endParaRPr lang="zh-TW" altLang="en-US" dirty="0"/>
+          </a:p>
+        </p:txBody>
+      </p:sp>
+      <p:sp>
+        <p:nvSpPr>
+          <p:cNvPr id="4" name="矩形 3"/>
+          <p:cNvSpPr/>
+          <p:nvPr/>
+        </p:nvSpPr>
+        <p:spPr>
+          <a:xfrm>
+            <a:off x="6726476" y="5807631"/>
+            <a:ext cx="3017749" cy="369332"/>
+          </a:xfrm>
+          <a:prstGeom prst="rect">
+            <a:avLst/>
+          </a:prstGeom>
+        </p:spPr>
+        <p:txBody>
+          <a:bodyPr wrap="none">
+            <a:spAutoFit/>
+          </a:bodyPr>
+          <a:lstStyle/>
+          <a:p>
+            <a:r>
+              <a:rPr lang="en-US" altLang="zh-TW" dirty="0">
                 <a:hlinkClick r:id="rId2"/>
               </a:rPr>
-              <a:t>https://primefaces.org/primeng</a:t>
-            </a:r>
-            <a:endParaRPr lang="zh-TW" altLang="zh-TW" dirty="0"/>
-          </a:p>
-          <a:p>
+              <a:t>https://angular.io/guide/pipes</a:t>
+            </a:r>
             <a:endParaRPr lang="zh-TW" altLang="en-US" dirty="0"/>
           </a:p>
         </p:txBody>
@@ -8477,7 +8834,7 @@
     </p:spTree>
     <p:extLst>
       <p:ext uri="{BB962C8B-B14F-4D97-AF65-F5344CB8AC3E}">
-        <p14:creationId xmlns:p14="http://schemas.microsoft.com/office/powerpoint/2010/main" val="3676335508"/>
+        <p14:creationId xmlns:p14="http://schemas.microsoft.com/office/powerpoint/2010/main" val="3173006823"/>
       </p:ext>
     </p:extLst>
   </p:cSld>
@@ -8520,8 +8877,8 @@
           <a:lstStyle/>
           <a:p>
             <a:r>
-              <a:rPr lang="zh-TW" altLang="en-US" dirty="0" smtClean="0"/>
-              <a:t>實作</a:t>
+              <a:rPr lang="en-US" altLang="zh-TW" dirty="0" smtClean="0"/>
+              <a:t>Service</a:t>
             </a:r>
             <a:endParaRPr lang="zh-TW" altLang="en-US" dirty="0"/>
           </a:p>
@@ -8543,70 +8900,65 @@
           <a:lstStyle/>
           <a:p>
             <a:r>
-              <a:rPr lang="en-US" altLang="zh-TW" dirty="0" err="1"/>
-              <a:t>npm</a:t>
-            </a:r>
-            <a:r>
-              <a:rPr lang="en-US" altLang="zh-TW" dirty="0"/>
-              <a:t> install -g @angular/cli</a:t>
-            </a:r>
-            <a:endParaRPr lang="zh-TW" altLang="zh-TW" dirty="0"/>
-          </a:p>
-          <a:p>
-            <a:r>
-              <a:rPr lang="en-US" altLang="zh-TW" dirty="0"/>
-              <a:t>ng new my-app</a:t>
-            </a:r>
-            <a:endParaRPr lang="zh-TW" altLang="zh-TW" dirty="0"/>
-          </a:p>
-          <a:p>
-            <a:r>
-              <a:rPr lang="en-US" altLang="zh-TW" dirty="0" err="1"/>
-              <a:t>npm</a:t>
-            </a:r>
-            <a:r>
-              <a:rPr lang="en-US" altLang="zh-TW" dirty="0"/>
-              <a:t> start/ ng serve –open</a:t>
-            </a:r>
-            <a:endParaRPr lang="zh-TW" altLang="zh-TW" dirty="0"/>
-          </a:p>
-          <a:p>
-            <a:r>
-              <a:rPr lang="en-US" altLang="zh-TW" dirty="0"/>
-              <a:t>ng generate comp</a:t>
-            </a:r>
-            <a:endParaRPr lang="zh-TW" altLang="zh-TW" dirty="0"/>
-          </a:p>
-          <a:p>
-            <a:r>
-              <a:rPr lang="en-US" altLang="zh-TW" dirty="0"/>
-              <a:t>file structure</a:t>
-            </a:r>
-            <a:endParaRPr lang="zh-TW" altLang="zh-TW" dirty="0"/>
-          </a:p>
-          <a:p>
-            <a:pPr lvl="1"/>
-            <a:r>
-              <a:rPr lang="en-US" altLang="zh-TW" u="sng" dirty="0">
-                <a:hlinkClick r:id="rId2"/>
-              </a:rPr>
-              <a:t>https://angular.io/guide/file-structure</a:t>
-            </a:r>
-            <a:endParaRPr lang="zh-TW" altLang="zh-TW" dirty="0"/>
-          </a:p>
-          <a:p>
-            <a:pPr lvl="2"/>
-            <a:endParaRPr lang="zh-TW" altLang="zh-TW" dirty="0"/>
-          </a:p>
-          <a:p>
+              <a:rPr lang="en-US" altLang="zh-TW" dirty="0" smtClean="0"/>
+              <a:t>@injectable</a:t>
+            </a:r>
             <a:endParaRPr lang="zh-TW" altLang="en-US" dirty="0"/>
           </a:p>
         </p:txBody>
       </p:sp>
+      <p:pic>
+        <p:nvPicPr>
+          <p:cNvPr id="4" name="圖片 3"/>
+          <p:cNvPicPr>
+            <a:picLocks noChangeAspect="1"/>
+          </p:cNvPicPr>
+          <p:nvPr/>
+        </p:nvPicPr>
+        <p:blipFill>
+          <a:blip r:embed="rId2"/>
+          <a:stretch>
+            <a:fillRect/>
+          </a:stretch>
+        </p:blipFill>
+        <p:spPr>
+          <a:xfrm>
+            <a:off x="256367" y="3233905"/>
+            <a:ext cx="5255913" cy="2695671"/>
+          </a:xfrm>
+          <a:prstGeom prst="rect">
+            <a:avLst/>
+          </a:prstGeom>
+        </p:spPr>
+      </p:pic>
+      <p:pic>
+        <p:nvPicPr>
+          <p:cNvPr id="5" name="圖片 4"/>
+          <p:cNvPicPr>
+            <a:picLocks noChangeAspect="1"/>
+          </p:cNvPicPr>
+          <p:nvPr/>
+        </p:nvPicPr>
+        <p:blipFill>
+          <a:blip r:embed="rId3"/>
+          <a:stretch>
+            <a:fillRect/>
+          </a:stretch>
+        </p:blipFill>
+        <p:spPr>
+          <a:xfrm>
+            <a:off x="5684807" y="3233905"/>
+            <a:ext cx="6080185" cy="3297727"/>
+          </a:xfrm>
+          <a:prstGeom prst="rect">
+            <a:avLst/>
+          </a:prstGeom>
+        </p:spPr>
+      </p:pic>
     </p:spTree>
     <p:extLst>
       <p:ext uri="{BB962C8B-B14F-4D97-AF65-F5344CB8AC3E}">
-        <p14:creationId xmlns:p14="http://schemas.microsoft.com/office/powerpoint/2010/main" val="368220643"/>
+        <p14:creationId xmlns:p14="http://schemas.microsoft.com/office/powerpoint/2010/main" val="841075228"/>
       </p:ext>
     </p:extLst>
   </p:cSld>
@@ -8650,6 +9002,228 @@
           <a:p>
             <a:r>
               <a:rPr lang="en-US" altLang="zh-TW" dirty="0" smtClean="0"/>
+              <a:t>UI </a:t>
+            </a:r>
+            <a:r>
+              <a:rPr lang="zh-TW" altLang="en-US" dirty="0" smtClean="0"/>
+              <a:t>套件</a:t>
+            </a:r>
+            <a:endParaRPr lang="zh-TW" altLang="en-US" dirty="0"/>
+          </a:p>
+        </p:txBody>
+      </p:sp>
+      <p:sp>
+        <p:nvSpPr>
+          <p:cNvPr id="3" name="內容版面配置區 2"/>
+          <p:cNvSpPr>
+            <a:spLocks noGrp="1"/>
+          </p:cNvSpPr>
+          <p:nvPr>
+            <p:ph idx="1"/>
+          </p:nvPr>
+        </p:nvSpPr>
+        <p:spPr/>
+        <p:txBody>
+          <a:bodyPr/>
+          <a:lstStyle/>
+          <a:p>
+            <a:r>
+              <a:rPr lang="en-US" altLang="zh-TW" dirty="0" err="1"/>
+              <a:t>primeNG</a:t>
+            </a:r>
+            <a:r>
+              <a:rPr lang="en-US" altLang="zh-TW" dirty="0"/>
+              <a:t>: </a:t>
+            </a:r>
+            <a:r>
+              <a:rPr lang="en-US" altLang="zh-TW" u="sng" dirty="0">
+                <a:hlinkClick r:id="rId2"/>
+              </a:rPr>
+              <a:t>https://primefaces.org/primeng</a:t>
+            </a:r>
+            <a:endParaRPr lang="zh-TW" altLang="zh-TW" dirty="0"/>
+          </a:p>
+          <a:p>
+            <a:endParaRPr lang="zh-TW" altLang="en-US" dirty="0"/>
+          </a:p>
+        </p:txBody>
+      </p:sp>
+    </p:spTree>
+    <p:extLst>
+      <p:ext uri="{BB962C8B-B14F-4D97-AF65-F5344CB8AC3E}">
+        <p14:creationId xmlns:p14="http://schemas.microsoft.com/office/powerpoint/2010/main" val="3676335508"/>
+      </p:ext>
+    </p:extLst>
+  </p:cSld>
+  <p:clrMapOvr>
+    <a:masterClrMapping/>
+  </p:clrMapOvr>
+</p:sld>
+</file>
+
+<file path=ppt/slides/slide34.xml><?xml version="1.0" encoding="utf-8"?>
+<p:sld xmlns:a="http://schemas.openxmlformats.org/drawingml/2006/main" xmlns:r="http://schemas.openxmlformats.org/officeDocument/2006/relationships" xmlns:p="http://schemas.openxmlformats.org/presentationml/2006/main">
+  <p:cSld>
+    <p:spTree>
+      <p:nvGrpSpPr>
+        <p:cNvPr id="1" name=""/>
+        <p:cNvGrpSpPr/>
+        <p:nvPr/>
+      </p:nvGrpSpPr>
+      <p:grpSpPr>
+        <a:xfrm>
+          <a:off x="0" y="0"/>
+          <a:ext cx="0" cy="0"/>
+          <a:chOff x="0" y="0"/>
+          <a:chExt cx="0" cy="0"/>
+        </a:xfrm>
+      </p:grpSpPr>
+      <p:sp>
+        <p:nvSpPr>
+          <p:cNvPr id="2" name="標題 1"/>
+          <p:cNvSpPr>
+            <a:spLocks noGrp="1"/>
+          </p:cNvSpPr>
+          <p:nvPr>
+            <p:ph type="title"/>
+          </p:nvPr>
+        </p:nvSpPr>
+        <p:spPr/>
+        <p:txBody>
+          <a:bodyPr/>
+          <a:lstStyle/>
+          <a:p>
+            <a:r>
+              <a:rPr lang="zh-TW" altLang="en-US" dirty="0" smtClean="0"/>
+              <a:t>實作</a:t>
+            </a:r>
+            <a:endParaRPr lang="zh-TW" altLang="en-US" dirty="0"/>
+          </a:p>
+        </p:txBody>
+      </p:sp>
+      <p:sp>
+        <p:nvSpPr>
+          <p:cNvPr id="3" name="內容版面配置區 2"/>
+          <p:cNvSpPr>
+            <a:spLocks noGrp="1"/>
+          </p:cNvSpPr>
+          <p:nvPr>
+            <p:ph idx="1"/>
+          </p:nvPr>
+        </p:nvSpPr>
+        <p:spPr/>
+        <p:txBody>
+          <a:bodyPr/>
+          <a:lstStyle/>
+          <a:p>
+            <a:r>
+              <a:rPr lang="en-US" altLang="zh-TW" dirty="0" err="1"/>
+              <a:t>npm</a:t>
+            </a:r>
+            <a:r>
+              <a:rPr lang="en-US" altLang="zh-TW" dirty="0"/>
+              <a:t> install -g @angular/cli</a:t>
+            </a:r>
+            <a:endParaRPr lang="zh-TW" altLang="zh-TW" dirty="0"/>
+          </a:p>
+          <a:p>
+            <a:r>
+              <a:rPr lang="en-US" altLang="zh-TW" dirty="0"/>
+              <a:t>ng new my-app</a:t>
+            </a:r>
+            <a:endParaRPr lang="zh-TW" altLang="zh-TW" dirty="0"/>
+          </a:p>
+          <a:p>
+            <a:r>
+              <a:rPr lang="en-US" altLang="zh-TW" dirty="0" err="1"/>
+              <a:t>npm</a:t>
+            </a:r>
+            <a:r>
+              <a:rPr lang="en-US" altLang="zh-TW" dirty="0"/>
+              <a:t> start/ ng serve –open</a:t>
+            </a:r>
+            <a:endParaRPr lang="zh-TW" altLang="zh-TW" dirty="0"/>
+          </a:p>
+          <a:p>
+            <a:r>
+              <a:rPr lang="en-US" altLang="zh-TW" dirty="0"/>
+              <a:t>ng generate comp</a:t>
+            </a:r>
+            <a:endParaRPr lang="zh-TW" altLang="zh-TW" dirty="0"/>
+          </a:p>
+          <a:p>
+            <a:r>
+              <a:rPr lang="en-US" altLang="zh-TW" dirty="0"/>
+              <a:t>file structure</a:t>
+            </a:r>
+            <a:endParaRPr lang="zh-TW" altLang="zh-TW" dirty="0"/>
+          </a:p>
+          <a:p>
+            <a:pPr lvl="1"/>
+            <a:r>
+              <a:rPr lang="en-US" altLang="zh-TW" u="sng" dirty="0">
+                <a:hlinkClick r:id="rId2"/>
+              </a:rPr>
+              <a:t>https://angular.io/guide/file-structure</a:t>
+            </a:r>
+            <a:endParaRPr lang="zh-TW" altLang="zh-TW" dirty="0"/>
+          </a:p>
+          <a:p>
+            <a:pPr lvl="2"/>
+            <a:endParaRPr lang="zh-TW" altLang="zh-TW" dirty="0"/>
+          </a:p>
+          <a:p>
+            <a:endParaRPr lang="zh-TW" altLang="en-US" dirty="0"/>
+          </a:p>
+        </p:txBody>
+      </p:sp>
+    </p:spTree>
+    <p:extLst>
+      <p:ext uri="{BB962C8B-B14F-4D97-AF65-F5344CB8AC3E}">
+        <p14:creationId xmlns:p14="http://schemas.microsoft.com/office/powerpoint/2010/main" val="368220643"/>
+      </p:ext>
+    </p:extLst>
+  </p:cSld>
+  <p:clrMapOvr>
+    <a:masterClrMapping/>
+  </p:clrMapOvr>
+</p:sld>
+</file>
+
+<file path=ppt/slides/slide35.xml><?xml version="1.0" encoding="utf-8"?>
+<p:sld xmlns:a="http://schemas.openxmlformats.org/drawingml/2006/main" xmlns:r="http://schemas.openxmlformats.org/officeDocument/2006/relationships" xmlns:p="http://schemas.openxmlformats.org/presentationml/2006/main">
+  <p:cSld>
+    <p:spTree>
+      <p:nvGrpSpPr>
+        <p:cNvPr id="1" name=""/>
+        <p:cNvGrpSpPr/>
+        <p:nvPr/>
+      </p:nvGrpSpPr>
+      <p:grpSpPr>
+        <a:xfrm>
+          <a:off x="0" y="0"/>
+          <a:ext cx="0" cy="0"/>
+          <a:chOff x="0" y="0"/>
+          <a:chExt cx="0" cy="0"/>
+        </a:xfrm>
+      </p:grpSpPr>
+      <p:sp>
+        <p:nvSpPr>
+          <p:cNvPr id="2" name="標題 1"/>
+          <p:cNvSpPr>
+            <a:spLocks noGrp="1"/>
+          </p:cNvSpPr>
+          <p:nvPr>
+            <p:ph type="title"/>
+          </p:nvPr>
+        </p:nvSpPr>
+        <p:spPr/>
+        <p:txBody>
+          <a:bodyPr/>
+          <a:lstStyle/>
+          <a:p>
+            <a:r>
+              <a:rPr lang="en-US" altLang="zh-TW" dirty="0" smtClean="0"/>
               <a:t>Library Project</a:t>
             </a:r>
             <a:endParaRPr lang="zh-TW" altLang="en-US" dirty="0"/>
@@ -8783,7 +9357,7 @@
 </p:sld>
 </file>
 
-<file path=ppt/slides/slide34.xml><?xml version="1.0" encoding="utf-8"?>
+<file path=ppt/slides/slide36.xml><?xml version="1.0" encoding="utf-8"?>
 <p:sld xmlns:a="http://schemas.openxmlformats.org/drawingml/2006/main" xmlns:r="http://schemas.openxmlformats.org/officeDocument/2006/relationships" xmlns:p="http://schemas.openxmlformats.org/presentationml/2006/main">
   <p:cSld>
     <p:spTree>
@@ -8904,7 +9478,7 @@
 </p:sld>
 </file>
 
-<file path=ppt/slides/slide35.xml><?xml version="1.0" encoding="utf-8"?>
+<file path=ppt/slides/slide37.xml><?xml version="1.0" encoding="utf-8"?>
 <p:sld xmlns:a="http://schemas.openxmlformats.org/drawingml/2006/main" xmlns:r="http://schemas.openxmlformats.org/officeDocument/2006/relationships" xmlns:p="http://schemas.openxmlformats.org/presentationml/2006/main">
   <p:cSld>
     <p:spTree>
@@ -9042,288 +9616,6 @@
 </p:sld>
 </file>
 
-<file path=ppt/slides/slide36.xml><?xml version="1.0" encoding="utf-8"?>
-<p:sld xmlns:a="http://schemas.openxmlformats.org/drawingml/2006/main" xmlns:r="http://schemas.openxmlformats.org/officeDocument/2006/relationships" xmlns:p="http://schemas.openxmlformats.org/presentationml/2006/main">
-  <p:cSld>
-    <p:spTree>
-      <p:nvGrpSpPr>
-        <p:cNvPr id="1" name=""/>
-        <p:cNvGrpSpPr/>
-        <p:nvPr/>
-      </p:nvGrpSpPr>
-      <p:grpSpPr>
-        <a:xfrm>
-          <a:off x="0" y="0"/>
-          <a:ext cx="0" cy="0"/>
-          <a:chOff x="0" y="0"/>
-          <a:chExt cx="0" cy="0"/>
-        </a:xfrm>
-      </p:grpSpPr>
-      <p:sp>
-        <p:nvSpPr>
-          <p:cNvPr id="2" name="標題 1"/>
-          <p:cNvSpPr>
-            <a:spLocks noGrp="1"/>
-          </p:cNvSpPr>
-          <p:nvPr>
-            <p:ph type="title"/>
-          </p:nvPr>
-        </p:nvSpPr>
-        <p:spPr/>
-        <p:txBody>
-          <a:bodyPr/>
-          <a:lstStyle/>
-          <a:p>
-            <a:endParaRPr lang="zh-TW" altLang="en-US"/>
-          </a:p>
-        </p:txBody>
-      </p:sp>
-      <p:sp>
-        <p:nvSpPr>
-          <p:cNvPr id="3" name="內容版面配置區 2"/>
-          <p:cNvSpPr>
-            <a:spLocks noGrp="1"/>
-          </p:cNvSpPr>
-          <p:nvPr>
-            <p:ph idx="1"/>
-          </p:nvPr>
-        </p:nvSpPr>
-        <p:spPr/>
-        <p:txBody>
-          <a:bodyPr/>
-          <a:lstStyle/>
-          <a:p>
-            <a:r>
-              <a:rPr lang="en-US" altLang="zh-TW" dirty="0" err="1"/>
-              <a:t>main.ts</a:t>
-            </a:r>
-            <a:endParaRPr lang="zh-TW" altLang="zh-TW" dirty="0"/>
-          </a:p>
-          <a:p>
-            <a:pPr lvl="1"/>
-            <a:r>
-              <a:rPr lang="en-US" altLang="zh-TW" dirty="0"/>
-              <a:t>import { </a:t>
-            </a:r>
-            <a:r>
-              <a:rPr lang="en-US" altLang="zh-TW" dirty="0" err="1"/>
-              <a:t>AppModule</a:t>
-            </a:r>
-            <a:r>
-              <a:rPr lang="en-US" altLang="zh-TW" dirty="0"/>
-              <a:t> } from './app/</a:t>
-            </a:r>
-            <a:r>
-              <a:rPr lang="en-US" altLang="zh-TW" dirty="0" err="1"/>
-              <a:t>app.module</a:t>
-            </a:r>
-            <a:r>
-              <a:rPr lang="en-US" altLang="zh-TW" dirty="0"/>
-              <a:t>';</a:t>
-            </a:r>
-            <a:endParaRPr lang="zh-TW" altLang="zh-TW" dirty="0"/>
-          </a:p>
-          <a:p>
-            <a:pPr lvl="1"/>
-            <a:r>
-              <a:rPr lang="en-US" altLang="zh-TW" dirty="0"/>
-              <a:t> </a:t>
-            </a:r>
-            <a:endParaRPr lang="zh-TW" altLang="zh-TW" dirty="0"/>
-          </a:p>
-          <a:p>
-            <a:r>
-              <a:rPr lang="en-US" altLang="zh-TW" dirty="0"/>
-              <a:t> </a:t>
-            </a:r>
-            <a:endParaRPr lang="zh-TW" altLang="zh-TW" dirty="0"/>
-          </a:p>
-          <a:p>
-            <a:r>
-              <a:rPr lang="en-US" altLang="zh-TW" dirty="0"/>
-              <a:t>index.html:   &lt;app-root&gt;&lt;/app-root&gt;</a:t>
-            </a:r>
-            <a:endParaRPr lang="zh-TW" altLang="zh-TW" dirty="0"/>
-          </a:p>
-          <a:p>
-            <a:r>
-              <a:rPr lang="en-US" altLang="zh-TW" dirty="0"/>
-              <a:t>app.component.html: &lt;router-outlet&gt;&lt;/router-outlet&gt;</a:t>
-            </a:r>
-            <a:endParaRPr lang="zh-TW" altLang="zh-TW" dirty="0"/>
-          </a:p>
-          <a:p>
-            <a:r>
-              <a:rPr lang="en-US" altLang="zh-TW" dirty="0" err="1"/>
-              <a:t>app.module.ts</a:t>
-            </a:r>
-            <a:endParaRPr lang="zh-TW" altLang="zh-TW" dirty="0"/>
-          </a:p>
-          <a:p>
-            <a:endParaRPr lang="zh-TW" altLang="en-US" dirty="0"/>
-          </a:p>
-        </p:txBody>
-      </p:sp>
-    </p:spTree>
-    <p:extLst>
-      <p:ext uri="{BB962C8B-B14F-4D97-AF65-F5344CB8AC3E}">
-        <p14:creationId xmlns:p14="http://schemas.microsoft.com/office/powerpoint/2010/main" val="4182935155"/>
-      </p:ext>
-    </p:extLst>
-  </p:cSld>
-  <p:clrMapOvr>
-    <a:masterClrMapping/>
-  </p:clrMapOvr>
-</p:sld>
-</file>
-
-<file path=ppt/slides/slide37.xml><?xml version="1.0" encoding="utf-8"?>
-<p:sld xmlns:a="http://schemas.openxmlformats.org/drawingml/2006/main" xmlns:r="http://schemas.openxmlformats.org/officeDocument/2006/relationships" xmlns:p="http://schemas.openxmlformats.org/presentationml/2006/main">
-  <p:cSld>
-    <p:spTree>
-      <p:nvGrpSpPr>
-        <p:cNvPr id="1" name=""/>
-        <p:cNvGrpSpPr/>
-        <p:nvPr/>
-      </p:nvGrpSpPr>
-      <p:grpSpPr>
-        <a:xfrm>
-          <a:off x="0" y="0"/>
-          <a:ext cx="0" cy="0"/>
-          <a:chOff x="0" y="0"/>
-          <a:chExt cx="0" cy="0"/>
-        </a:xfrm>
-      </p:grpSpPr>
-      <p:sp>
-        <p:nvSpPr>
-          <p:cNvPr id="2" name="標題 1"/>
-          <p:cNvSpPr>
-            <a:spLocks noGrp="1"/>
-          </p:cNvSpPr>
-          <p:nvPr>
-            <p:ph type="title"/>
-          </p:nvPr>
-        </p:nvSpPr>
-        <p:spPr/>
-        <p:txBody>
-          <a:bodyPr/>
-          <a:lstStyle/>
-          <a:p>
-            <a:r>
-              <a:rPr lang="en-US" altLang="zh-TW" dirty="0" smtClean="0"/>
-              <a:t>view</a:t>
-            </a:r>
-            <a:endParaRPr lang="zh-TW" altLang="en-US" dirty="0"/>
-          </a:p>
-        </p:txBody>
-      </p:sp>
-      <p:sp>
-        <p:nvSpPr>
-          <p:cNvPr id="3" name="內容版面配置區 2"/>
-          <p:cNvSpPr>
-            <a:spLocks noGrp="1"/>
-          </p:cNvSpPr>
-          <p:nvPr>
-            <p:ph idx="1"/>
-          </p:nvPr>
-        </p:nvSpPr>
-        <p:spPr/>
-        <p:txBody>
-          <a:bodyPr/>
-          <a:lstStyle/>
-          <a:p>
-            <a:r>
-              <a:rPr lang="en-US" altLang="zh-TW" dirty="0"/>
-              <a:t>html &lt;-&gt; </a:t>
-            </a:r>
-            <a:r>
-              <a:rPr lang="en-US" altLang="zh-TW" dirty="0" err="1"/>
-              <a:t>scss</a:t>
-            </a:r>
-            <a:r>
-              <a:rPr lang="en-US" altLang="zh-TW" dirty="0"/>
-              <a:t> &lt;-&gt; </a:t>
-            </a:r>
-            <a:r>
-              <a:rPr lang="en-US" altLang="zh-TW" dirty="0" err="1"/>
-              <a:t>ts</a:t>
-            </a:r>
-            <a:endParaRPr lang="zh-TW" altLang="zh-TW" dirty="0"/>
-          </a:p>
-          <a:p>
-            <a:pPr lvl="1"/>
-            <a:r>
-              <a:rPr lang="en-US" altLang="zh-TW" dirty="0"/>
-              <a:t>&lt;style&gt;&lt;/style&gt;</a:t>
-            </a:r>
-            <a:endParaRPr lang="zh-TW" altLang="zh-TW" dirty="0"/>
-          </a:p>
-          <a:p>
-            <a:pPr lvl="1"/>
-            <a:r>
-              <a:rPr lang="en-US" altLang="zh-TW" dirty="0"/>
-              <a:t>class/style</a:t>
-            </a:r>
-            <a:endParaRPr lang="zh-TW" altLang="zh-TW" dirty="0"/>
-          </a:p>
-          <a:p>
-            <a:pPr lvl="1"/>
-            <a:r>
-              <a:rPr lang="en-US" altLang="zh-TW" dirty="0"/>
-              <a:t>{{ </a:t>
-            </a:r>
-            <a:r>
-              <a:rPr lang="en-US" altLang="zh-TW" dirty="0" err="1"/>
-              <a:t>xxxx</a:t>
-            </a:r>
-            <a:r>
-              <a:rPr lang="en-US" altLang="zh-TW" dirty="0"/>
-              <a:t> }}</a:t>
-            </a:r>
-            <a:endParaRPr lang="zh-TW" altLang="zh-TW" dirty="0"/>
-          </a:p>
-          <a:p>
-            <a:pPr lvl="1"/>
-            <a:r>
-              <a:rPr lang="en-US" altLang="zh-TW" dirty="0"/>
-              <a:t>one-way data binding : (click)</a:t>
-            </a:r>
-            <a:endParaRPr lang="zh-TW" altLang="zh-TW" dirty="0"/>
-          </a:p>
-          <a:p>
-            <a:pPr lvl="1"/>
-            <a:r>
-              <a:rPr lang="en-US" altLang="zh-TW" dirty="0"/>
-              <a:t>two-way : [( XXX )]</a:t>
-            </a:r>
-            <a:endParaRPr lang="zh-TW" altLang="zh-TW" dirty="0"/>
-          </a:p>
-          <a:p>
-            <a:pPr lvl="1"/>
-            <a:r>
-              <a:rPr lang="en-US" altLang="zh-TW" dirty="0"/>
-              <a:t> </a:t>
-            </a:r>
-            <a:endParaRPr lang="zh-TW" altLang="zh-TW" dirty="0"/>
-          </a:p>
-          <a:p>
-            <a:endParaRPr lang="zh-TW" altLang="en-US" dirty="0"/>
-          </a:p>
-        </p:txBody>
-      </p:sp>
-    </p:spTree>
-    <p:extLst>
-      <p:ext uri="{BB962C8B-B14F-4D97-AF65-F5344CB8AC3E}">
-        <p14:creationId xmlns:p14="http://schemas.microsoft.com/office/powerpoint/2010/main" val="1643248316"/>
-      </p:ext>
-    </p:extLst>
-  </p:cSld>
-  <p:clrMapOvr>
-    <a:masterClrMapping/>
-  </p:clrMapOvr>
-</p:sld>
-</file>
-
 <file path=ppt/slides/slide38.xml><?xml version="1.0" encoding="utf-8"?>
 <p:sld xmlns:a="http://schemas.openxmlformats.org/drawingml/2006/main" xmlns:r="http://schemas.openxmlformats.org/officeDocument/2006/relationships" xmlns:p="http://schemas.openxmlformats.org/presentationml/2006/main">
   <p:cSld>
@@ -9356,11 +9648,7 @@
           <a:bodyPr/>
           <a:lstStyle/>
           <a:p>
-            <a:r>
-              <a:rPr lang="zh-TW" altLang="en-US" dirty="0" smtClean="0"/>
-              <a:t>實作</a:t>
-            </a:r>
-            <a:endParaRPr lang="zh-TW" altLang="en-US" dirty="0"/>
+            <a:endParaRPr lang="zh-TW" altLang="en-US"/>
           </a:p>
         </p:txBody>
       </p:sp>
@@ -9379,18 +9667,33 @@
           <a:bodyPr/>
           <a:lstStyle/>
           <a:p>
+            <a:r>
+              <a:rPr lang="en-US" altLang="zh-TW" dirty="0" err="1"/>
+              <a:t>main.ts</a:t>
+            </a:r>
+            <a:endParaRPr lang="zh-TW" altLang="zh-TW" dirty="0"/>
+          </a:p>
+          <a:p>
             <a:pPr lvl="1"/>
             <a:r>
               <a:rPr lang="en-US" altLang="zh-TW" dirty="0"/>
-              <a:t>ng new my-app-multi --</a:t>
+              <a:t>import { </a:t>
             </a:r>
             <a:r>
               <a:rPr lang="en-US" altLang="zh-TW" dirty="0" err="1"/>
-              <a:t>createApplication</a:t>
-            </a:r>
-            <a:r>
-              <a:rPr lang="en-US" altLang="zh-TW" dirty="0"/>
-              <a:t>="false"</a:t>
+              <a:t>AppModule</a:t>
+            </a:r>
+            <a:r>
+              <a:rPr lang="en-US" altLang="zh-TW" dirty="0"/>
+              <a:t> } from './app/</a:t>
+            </a:r>
+            <a:r>
+              <a:rPr lang="en-US" altLang="zh-TW" dirty="0" err="1"/>
+              <a:t>app.module</a:t>
+            </a:r>
+            <a:r>
+              <a:rPr lang="en-US" altLang="zh-TW" dirty="0"/>
+              <a:t>';</a:t>
             </a:r>
             <a:endParaRPr lang="zh-TW" altLang="zh-TW" dirty="0"/>
           </a:p>
@@ -9398,75 +9701,35 @@
             <a:pPr lvl="1"/>
             <a:r>
               <a:rPr lang="en-US" altLang="zh-TW" dirty="0"/>
-              <a:t>cd my-app-multi</a:t>
+              <a:t> </a:t>
             </a:r>
             <a:endParaRPr lang="zh-TW" altLang="zh-TW" dirty="0"/>
           </a:p>
           <a:p>
-            <a:pPr lvl="1"/>
-            <a:r>
-              <a:rPr lang="en-US" altLang="zh-TW" dirty="0"/>
-              <a:t>ng generate application my-first-app</a:t>
+            <a:r>
+              <a:rPr lang="en-US" altLang="zh-TW" dirty="0"/>
+              <a:t> </a:t>
             </a:r>
             <a:endParaRPr lang="zh-TW" altLang="zh-TW" dirty="0"/>
           </a:p>
           <a:p>
-            <a:pPr lvl="1"/>
-            <a:r>
-              <a:rPr lang="en-US" altLang="zh-TW" dirty="0"/>
-              <a:t>ng generate library my-first-lib</a:t>
+            <a:r>
+              <a:rPr lang="en-US" altLang="zh-TW" dirty="0"/>
+              <a:t>index.html:   &lt;app-root&gt;&lt;/app-root&gt;</a:t>
             </a:r>
             <a:endParaRPr lang="zh-TW" altLang="zh-TW" dirty="0"/>
           </a:p>
           <a:p>
-            <a:pPr lvl="1"/>
-            <a:r>
-              <a:rPr lang="en-US" altLang="zh-TW" dirty="0"/>
-              <a:t>code .</a:t>
+            <a:r>
+              <a:rPr lang="en-US" altLang="zh-TW" dirty="0"/>
+              <a:t>app.component.html: &lt;router-outlet&gt;&lt;/router-outlet&gt;</a:t>
             </a:r>
             <a:endParaRPr lang="zh-TW" altLang="zh-TW" dirty="0"/>
           </a:p>
           <a:p>
-            <a:pPr lvl="1"/>
             <a:r>
               <a:rPr lang="en-US" altLang="zh-TW" dirty="0" err="1"/>
-              <a:t>npm</a:t>
-            </a:r>
-            <a:r>
-              <a:rPr lang="en-US" altLang="zh-TW" dirty="0"/>
-              <a:t> start</a:t>
-            </a:r>
-            <a:endParaRPr lang="zh-TW" altLang="zh-TW" dirty="0"/>
-          </a:p>
-          <a:p>
-            <a:pPr lvl="1"/>
-            <a:r>
-              <a:rPr lang="en-US" altLang="zh-TW" dirty="0"/>
-              <a:t>ng g component my-comp1 --project=my-first-app</a:t>
-            </a:r>
-            <a:endParaRPr lang="zh-TW" altLang="zh-TW" dirty="0"/>
-          </a:p>
-          <a:p>
-            <a:pPr lvl="1"/>
-            <a:r>
-              <a:rPr lang="en-US" altLang="zh-TW" dirty="0"/>
-              <a:t>ng g component my-comp-in-lib --project=my-first-lib</a:t>
-            </a:r>
-            <a:endParaRPr lang="zh-TW" altLang="zh-TW" dirty="0"/>
-          </a:p>
-          <a:p>
-            <a:pPr lvl="1"/>
-            <a:r>
-              <a:rPr lang="en-US" altLang="zh-TW" dirty="0"/>
-              <a:t>ng build my-first-lib</a:t>
-            </a:r>
-            <a:endParaRPr lang="zh-TW" altLang="zh-TW" sz="3600" dirty="0"/>
-          </a:p>
-          <a:p>
-            <a:pPr lvl="1"/>
-            <a:r>
-              <a:rPr lang="en-US" altLang="zh-TW" dirty="0"/>
-              <a:t> </a:t>
+              <a:t>app.module.ts</a:t>
             </a:r>
             <a:endParaRPr lang="zh-TW" altLang="zh-TW" dirty="0"/>
           </a:p>
@@ -9478,7 +9741,7 @@
     </p:spTree>
     <p:extLst>
       <p:ext uri="{BB962C8B-B14F-4D97-AF65-F5344CB8AC3E}">
-        <p14:creationId xmlns:p14="http://schemas.microsoft.com/office/powerpoint/2010/main" val="1259547939"/>
+        <p14:creationId xmlns:p14="http://schemas.microsoft.com/office/powerpoint/2010/main" val="4182935155"/>
       </p:ext>
     </p:extLst>
   </p:cSld>
@@ -9521,84 +9784,163 @@
           <a:lstStyle/>
           <a:p>
             <a:r>
-              <a:rPr lang="zh-HK" altLang="zh-TW" dirty="0"/>
-              <a:t>上傳</a:t>
+              <a:rPr lang="en-US" altLang="zh-TW" dirty="0" smtClean="0"/>
+              <a:t>view</a:t>
+            </a:r>
+            <a:endParaRPr lang="zh-TW" altLang="en-US" dirty="0"/>
+          </a:p>
+        </p:txBody>
+      </p:sp>
+      <p:sp>
+        <p:nvSpPr>
+          <p:cNvPr id="3" name="內容版面配置區 2"/>
+          <p:cNvSpPr>
+            <a:spLocks noGrp="1"/>
+          </p:cNvSpPr>
+          <p:nvPr>
+            <p:ph idx="1"/>
+          </p:nvPr>
+        </p:nvSpPr>
+        <p:spPr/>
+        <p:txBody>
+          <a:bodyPr/>
+          <a:lstStyle/>
+          <a:p>
+            <a:r>
+              <a:rPr lang="en-US" altLang="zh-TW" dirty="0"/>
+              <a:t>html &lt;-&gt; </a:t>
+            </a:r>
+            <a:r>
+              <a:rPr lang="en-US" altLang="zh-TW" dirty="0" err="1"/>
+              <a:t>scss</a:t>
+            </a:r>
+            <a:r>
+              <a:rPr lang="en-US" altLang="zh-TW" dirty="0"/>
+              <a:t> &lt;-&gt; </a:t>
+            </a:r>
+            <a:r>
+              <a:rPr lang="en-US" altLang="zh-TW" dirty="0" err="1"/>
+              <a:t>ts</a:t>
+            </a:r>
+            <a:endParaRPr lang="zh-TW" altLang="zh-TW" dirty="0"/>
+          </a:p>
+          <a:p>
+            <a:pPr lvl="1"/>
+            <a:r>
+              <a:rPr lang="en-US" altLang="zh-TW" dirty="0"/>
+              <a:t>&lt;style&gt;&lt;/style&gt;</a:t>
+            </a:r>
+            <a:endParaRPr lang="zh-TW" altLang="zh-TW" dirty="0"/>
+          </a:p>
+          <a:p>
+            <a:pPr lvl="1"/>
+            <a:r>
+              <a:rPr lang="en-US" altLang="zh-TW" dirty="0"/>
+              <a:t>class/style</a:t>
+            </a:r>
+            <a:endParaRPr lang="zh-TW" altLang="zh-TW" dirty="0"/>
+          </a:p>
+          <a:p>
+            <a:pPr lvl="1"/>
+            <a:r>
+              <a:rPr lang="en-US" altLang="zh-TW" dirty="0"/>
+              <a:t>{{ </a:t>
+            </a:r>
+            <a:r>
+              <a:rPr lang="en-US" altLang="zh-TW" dirty="0" err="1"/>
+              <a:t>xxxx</a:t>
+            </a:r>
+            <a:r>
+              <a:rPr lang="en-US" altLang="zh-TW" dirty="0"/>
+              <a:t> }}</a:t>
+            </a:r>
+            <a:endParaRPr lang="zh-TW" altLang="zh-TW" dirty="0"/>
+          </a:p>
+          <a:p>
+            <a:pPr lvl="1"/>
+            <a:r>
+              <a:rPr lang="en-US" altLang="zh-TW" dirty="0"/>
+              <a:t>one-way data binding </a:t>
+            </a:r>
+            <a:r>
+              <a:rPr lang="en-US" altLang="zh-TW" dirty="0" smtClean="0"/>
+              <a:t>: [</a:t>
             </a:r>
             <a:r>
               <a:rPr lang="en-US" altLang="zh-TW" dirty="0" err="1" smtClean="0"/>
-              <a:t>heroku</a:t>
-            </a:r>
+              <a:t>abc</a:t>
+            </a:r>
+            <a:r>
+              <a:rPr lang="en-US" altLang="zh-TW" dirty="0" smtClean="0"/>
+              <a:t>] </a:t>
+            </a:r>
+            <a:r>
+              <a:rPr lang="zh-TW" altLang="en-US" dirty="0" smtClean="0"/>
+              <a:t>輸入</a:t>
+            </a:r>
+            <a:r>
+              <a:rPr lang="en-US" altLang="zh-TW" dirty="0" smtClean="0"/>
+              <a:t> ,  </a:t>
+            </a:r>
+            <a:r>
+              <a:rPr lang="en-US" altLang="zh-TW" dirty="0"/>
+              <a:t>(</a:t>
+            </a:r>
+            <a:r>
+              <a:rPr lang="en-US" altLang="zh-TW" dirty="0" err="1" smtClean="0"/>
+              <a:t>clickevent</a:t>
+            </a:r>
+            <a:r>
+              <a:rPr lang="en-US" altLang="zh-TW" dirty="0" smtClean="0"/>
+              <a:t>) </a:t>
+            </a:r>
+            <a:r>
+              <a:rPr lang="zh-TW" altLang="en-US" dirty="0" smtClean="0"/>
+              <a:t>輸出</a:t>
+            </a:r>
+            <a:endParaRPr lang="zh-TW" altLang="zh-TW" dirty="0"/>
+          </a:p>
+          <a:p>
+            <a:pPr lvl="1"/>
+            <a:r>
+              <a:rPr lang="en-US" altLang="zh-TW" dirty="0" smtClean="0"/>
+              <a:t>Two-way </a:t>
+            </a:r>
+            <a:r>
+              <a:rPr lang="en-US" altLang="zh-TW" dirty="0"/>
+              <a:t>: [( XXX </a:t>
+            </a:r>
+            <a:r>
+              <a:rPr lang="en-US" altLang="zh-TW" dirty="0" smtClean="0"/>
+              <a:t>)] , EX: [(</a:t>
+            </a:r>
+            <a:r>
+              <a:rPr lang="en-US" altLang="zh-TW" dirty="0" err="1" smtClean="0"/>
+              <a:t>ngModel</a:t>
+            </a:r>
+            <a:r>
+              <a:rPr lang="en-US" altLang="zh-TW" dirty="0" smtClean="0"/>
+              <a:t>)]</a:t>
+            </a:r>
+            <a:endParaRPr lang="zh-TW" altLang="zh-TW" dirty="0"/>
+          </a:p>
+          <a:p>
+            <a:pPr lvl="1"/>
+            <a:r>
+              <a:rPr lang="en-US" altLang="zh-TW" dirty="0"/>
+              <a:t> </a:t>
+            </a:r>
+            <a:endParaRPr lang="zh-TW" altLang="zh-TW" dirty="0"/>
+          </a:p>
+          <a:p>
             <a:endParaRPr lang="zh-TW" altLang="en-US" dirty="0"/>
           </a:p>
         </p:txBody>
       </p:sp>
-      <p:sp>
-        <p:nvSpPr>
-          <p:cNvPr id="3" name="內容版面配置區 2"/>
-          <p:cNvSpPr>
-            <a:spLocks noGrp="1"/>
-          </p:cNvSpPr>
-          <p:nvPr>
-            <p:ph idx="1"/>
-          </p:nvPr>
-        </p:nvSpPr>
-        <p:spPr/>
-        <p:txBody>
-          <a:bodyPr/>
-          <a:lstStyle/>
-          <a:p>
-            <a:r>
-              <a:rPr lang="zh-HK" altLang="zh-TW" dirty="0"/>
-              <a:t>執行時</a:t>
-            </a:r>
-            <a:r>
-              <a:rPr lang="en-US" altLang="zh-TW" dirty="0"/>
-              <a:t>, </a:t>
-            </a:r>
-            <a:r>
-              <a:rPr lang="zh-HK" altLang="zh-TW" dirty="0"/>
-              <a:t>出現錯誤</a:t>
-            </a:r>
-            <a:r>
-              <a:rPr lang="en-US" altLang="zh-TW" dirty="0"/>
-              <a:t>:</a:t>
-            </a:r>
-            <a:endParaRPr lang="zh-TW" altLang="zh-TW" dirty="0"/>
-          </a:p>
-          <a:p>
-            <a:endParaRPr lang="zh-TW" altLang="zh-TW" dirty="0"/>
-          </a:p>
-          <a:p>
-            <a:endParaRPr lang="zh-TW" altLang="en-US" dirty="0"/>
-          </a:p>
-        </p:txBody>
-      </p:sp>
-      <p:pic>
-        <p:nvPicPr>
-          <p:cNvPr id="7" name="圖片 6"/>
-          <p:cNvPicPr/>
-          <p:nvPr/>
-        </p:nvPicPr>
-        <p:blipFill>
-          <a:blip r:embed="rId2"/>
-          <a:stretch>
-            <a:fillRect/>
-          </a:stretch>
-        </p:blipFill>
-        <p:spPr>
-          <a:xfrm>
-            <a:off x="1440263" y="2836646"/>
-            <a:ext cx="9437646" cy="2692886"/>
-          </a:xfrm>
-          <a:prstGeom prst="rect">
-            <a:avLst/>
-          </a:prstGeom>
-        </p:spPr>
-      </p:pic>
     </p:spTree>
     <p:extLst>
       <p:ext uri="{BB962C8B-B14F-4D97-AF65-F5344CB8AC3E}">
-        <p14:creationId xmlns:p14="http://schemas.microsoft.com/office/powerpoint/2010/main" val="1667147939"/>
+        <p14:creationId xmlns:p14="http://schemas.microsoft.com/office/powerpoint/2010/main" val="1643248316"/>
       </p:ext>
     </p:extLst>
   </p:cSld>
@@ -10156,10 +10498,301 @@
   <p:clrMapOvr>
     <a:masterClrMapping/>
   </p:clrMapOvr>
+  <p:timing>
+    <p:tnLst>
+      <p:par>
+        <p:cTn id="1" dur="indefinite" restart="never" nodeType="tmRoot"/>
+      </p:par>
+    </p:tnLst>
+  </p:timing>
 </p:sld>
 </file>
 
 <file path=ppt/slides/slide40.xml><?xml version="1.0" encoding="utf-8"?>
+<p:sld xmlns:a="http://schemas.openxmlformats.org/drawingml/2006/main" xmlns:r="http://schemas.openxmlformats.org/officeDocument/2006/relationships" xmlns:p="http://schemas.openxmlformats.org/presentationml/2006/main">
+  <p:cSld>
+    <p:spTree>
+      <p:nvGrpSpPr>
+        <p:cNvPr id="1" name=""/>
+        <p:cNvGrpSpPr/>
+        <p:nvPr/>
+      </p:nvGrpSpPr>
+      <p:grpSpPr>
+        <a:xfrm>
+          <a:off x="0" y="0"/>
+          <a:ext cx="0" cy="0"/>
+          <a:chOff x="0" y="0"/>
+          <a:chExt cx="0" cy="0"/>
+        </a:xfrm>
+      </p:grpSpPr>
+      <p:sp>
+        <p:nvSpPr>
+          <p:cNvPr id="2" name="標題 1"/>
+          <p:cNvSpPr>
+            <a:spLocks noGrp="1"/>
+          </p:cNvSpPr>
+          <p:nvPr>
+            <p:ph type="title"/>
+          </p:nvPr>
+        </p:nvSpPr>
+        <p:spPr/>
+        <p:txBody>
+          <a:bodyPr/>
+          <a:lstStyle/>
+          <a:p>
+            <a:r>
+              <a:rPr lang="zh-TW" altLang="en-US" dirty="0" smtClean="0"/>
+              <a:t>實作</a:t>
+            </a:r>
+            <a:endParaRPr lang="zh-TW" altLang="en-US" dirty="0"/>
+          </a:p>
+        </p:txBody>
+      </p:sp>
+      <p:sp>
+        <p:nvSpPr>
+          <p:cNvPr id="3" name="內容版面配置區 2"/>
+          <p:cNvSpPr>
+            <a:spLocks noGrp="1"/>
+          </p:cNvSpPr>
+          <p:nvPr>
+            <p:ph idx="1"/>
+          </p:nvPr>
+        </p:nvSpPr>
+        <p:spPr/>
+        <p:txBody>
+          <a:bodyPr/>
+          <a:lstStyle/>
+          <a:p>
+            <a:pPr lvl="1"/>
+            <a:r>
+              <a:rPr lang="en-US" altLang="zh-TW" dirty="0"/>
+              <a:t>ng new my-app-multi --</a:t>
+            </a:r>
+            <a:r>
+              <a:rPr lang="en-US" altLang="zh-TW" dirty="0" err="1"/>
+              <a:t>createApplication</a:t>
+            </a:r>
+            <a:r>
+              <a:rPr lang="en-US" altLang="zh-TW" dirty="0"/>
+              <a:t>="false"</a:t>
+            </a:r>
+            <a:endParaRPr lang="zh-TW" altLang="zh-TW" dirty="0"/>
+          </a:p>
+          <a:p>
+            <a:pPr lvl="1"/>
+            <a:r>
+              <a:rPr lang="en-US" altLang="zh-TW" dirty="0"/>
+              <a:t>cd my-app-multi</a:t>
+            </a:r>
+            <a:endParaRPr lang="zh-TW" altLang="zh-TW" dirty="0"/>
+          </a:p>
+          <a:p>
+            <a:pPr lvl="1"/>
+            <a:r>
+              <a:rPr lang="en-US" altLang="zh-TW" dirty="0"/>
+              <a:t>ng generate application my-first-app</a:t>
+            </a:r>
+            <a:endParaRPr lang="zh-TW" altLang="zh-TW" dirty="0"/>
+          </a:p>
+          <a:p>
+            <a:pPr lvl="1"/>
+            <a:r>
+              <a:rPr lang="en-US" altLang="zh-TW" dirty="0"/>
+              <a:t>ng generate library my-first-lib</a:t>
+            </a:r>
+            <a:endParaRPr lang="zh-TW" altLang="zh-TW" dirty="0"/>
+          </a:p>
+          <a:p>
+            <a:pPr lvl="1"/>
+            <a:r>
+              <a:rPr lang="en-US" altLang="zh-TW" dirty="0"/>
+              <a:t>code .</a:t>
+            </a:r>
+            <a:endParaRPr lang="zh-TW" altLang="zh-TW" dirty="0"/>
+          </a:p>
+          <a:p>
+            <a:pPr lvl="1"/>
+            <a:r>
+              <a:rPr lang="en-US" altLang="zh-TW" dirty="0" err="1"/>
+              <a:t>npm</a:t>
+            </a:r>
+            <a:r>
+              <a:rPr lang="en-US" altLang="zh-TW" dirty="0"/>
+              <a:t> start</a:t>
+            </a:r>
+            <a:endParaRPr lang="zh-TW" altLang="zh-TW" dirty="0"/>
+          </a:p>
+          <a:p>
+            <a:pPr lvl="1"/>
+            <a:r>
+              <a:rPr lang="en-US" altLang="zh-TW" dirty="0"/>
+              <a:t>ng g component my-comp1 --project=my-first-app</a:t>
+            </a:r>
+            <a:endParaRPr lang="zh-TW" altLang="zh-TW" dirty="0"/>
+          </a:p>
+          <a:p>
+            <a:pPr lvl="1"/>
+            <a:r>
+              <a:rPr lang="en-US" altLang="zh-TW" dirty="0"/>
+              <a:t>ng g component my-comp-in-lib --project=my-first-lib</a:t>
+            </a:r>
+            <a:endParaRPr lang="zh-TW" altLang="zh-TW" dirty="0"/>
+          </a:p>
+          <a:p>
+            <a:pPr lvl="1"/>
+            <a:r>
+              <a:rPr lang="en-US" altLang="zh-TW" dirty="0"/>
+              <a:t>ng build my-first-lib</a:t>
+            </a:r>
+            <a:endParaRPr lang="zh-TW" altLang="zh-TW" sz="3600" dirty="0"/>
+          </a:p>
+          <a:p>
+            <a:pPr lvl="1"/>
+            <a:r>
+              <a:rPr lang="en-US" altLang="zh-TW" dirty="0"/>
+              <a:t> </a:t>
+            </a:r>
+            <a:endParaRPr lang="zh-TW" altLang="zh-TW" dirty="0"/>
+          </a:p>
+          <a:p>
+            <a:endParaRPr lang="zh-TW" altLang="en-US" dirty="0"/>
+          </a:p>
+        </p:txBody>
+      </p:sp>
+    </p:spTree>
+    <p:extLst>
+      <p:ext uri="{BB962C8B-B14F-4D97-AF65-F5344CB8AC3E}">
+        <p14:creationId xmlns:p14="http://schemas.microsoft.com/office/powerpoint/2010/main" val="1259547939"/>
+      </p:ext>
+    </p:extLst>
+  </p:cSld>
+  <p:clrMapOvr>
+    <a:masterClrMapping/>
+  </p:clrMapOvr>
+</p:sld>
+</file>
+
+<file path=ppt/slides/slide41.xml><?xml version="1.0" encoding="utf-8"?>
+<p:sld xmlns:a="http://schemas.openxmlformats.org/drawingml/2006/main" xmlns:r="http://schemas.openxmlformats.org/officeDocument/2006/relationships" xmlns:p="http://schemas.openxmlformats.org/presentationml/2006/main">
+  <p:cSld>
+    <p:spTree>
+      <p:nvGrpSpPr>
+        <p:cNvPr id="1" name=""/>
+        <p:cNvGrpSpPr/>
+        <p:nvPr/>
+      </p:nvGrpSpPr>
+      <p:grpSpPr>
+        <a:xfrm>
+          <a:off x="0" y="0"/>
+          <a:ext cx="0" cy="0"/>
+          <a:chOff x="0" y="0"/>
+          <a:chExt cx="0" cy="0"/>
+        </a:xfrm>
+      </p:grpSpPr>
+      <p:sp>
+        <p:nvSpPr>
+          <p:cNvPr id="2" name="標題 1"/>
+          <p:cNvSpPr>
+            <a:spLocks noGrp="1"/>
+          </p:cNvSpPr>
+          <p:nvPr>
+            <p:ph type="title"/>
+          </p:nvPr>
+        </p:nvSpPr>
+        <p:spPr/>
+        <p:txBody>
+          <a:bodyPr/>
+          <a:lstStyle/>
+          <a:p>
+            <a:r>
+              <a:rPr lang="zh-HK" altLang="zh-TW" dirty="0"/>
+              <a:t>上傳</a:t>
+            </a:r>
+            <a:r>
+              <a:rPr lang="en-US" altLang="zh-TW" dirty="0" err="1" smtClean="0"/>
+              <a:t>heroku</a:t>
+            </a:r>
+            <a:endParaRPr lang="zh-TW" altLang="en-US" dirty="0"/>
+          </a:p>
+        </p:txBody>
+      </p:sp>
+      <p:sp>
+        <p:nvSpPr>
+          <p:cNvPr id="3" name="內容版面配置區 2"/>
+          <p:cNvSpPr>
+            <a:spLocks noGrp="1"/>
+          </p:cNvSpPr>
+          <p:nvPr>
+            <p:ph idx="1"/>
+          </p:nvPr>
+        </p:nvSpPr>
+        <p:spPr/>
+        <p:txBody>
+          <a:bodyPr/>
+          <a:lstStyle/>
+          <a:p>
+            <a:r>
+              <a:rPr lang="zh-HK" altLang="zh-TW" dirty="0"/>
+              <a:t>執行時</a:t>
+            </a:r>
+            <a:r>
+              <a:rPr lang="en-US" altLang="zh-TW" dirty="0"/>
+              <a:t>, </a:t>
+            </a:r>
+            <a:r>
+              <a:rPr lang="zh-HK" altLang="zh-TW" dirty="0"/>
+              <a:t>出現錯誤</a:t>
+            </a:r>
+            <a:r>
+              <a:rPr lang="en-US" altLang="zh-TW" dirty="0"/>
+              <a:t>:</a:t>
+            </a:r>
+            <a:endParaRPr lang="zh-TW" altLang="zh-TW" dirty="0"/>
+          </a:p>
+          <a:p>
+            <a:endParaRPr lang="zh-TW" altLang="zh-TW" dirty="0"/>
+          </a:p>
+          <a:p>
+            <a:endParaRPr lang="zh-TW" altLang="en-US" dirty="0"/>
+          </a:p>
+        </p:txBody>
+      </p:sp>
+      <p:pic>
+        <p:nvPicPr>
+          <p:cNvPr id="7" name="圖片 6"/>
+          <p:cNvPicPr/>
+          <p:nvPr/>
+        </p:nvPicPr>
+        <p:blipFill>
+          <a:blip r:embed="rId2"/>
+          <a:stretch>
+            <a:fillRect/>
+          </a:stretch>
+        </p:blipFill>
+        <p:spPr>
+          <a:xfrm>
+            <a:off x="1440263" y="2836646"/>
+            <a:ext cx="9437646" cy="2692886"/>
+          </a:xfrm>
+          <a:prstGeom prst="rect">
+            <a:avLst/>
+          </a:prstGeom>
+        </p:spPr>
+      </p:pic>
+    </p:spTree>
+    <p:extLst>
+      <p:ext uri="{BB962C8B-B14F-4D97-AF65-F5344CB8AC3E}">
+        <p14:creationId xmlns:p14="http://schemas.microsoft.com/office/powerpoint/2010/main" val="1667147939"/>
+      </p:ext>
+    </p:extLst>
+  </p:cSld>
+  <p:clrMapOvr>
+    <a:masterClrMapping/>
+  </p:clrMapOvr>
+</p:sld>
+</file>
+
+<file path=ppt/slides/slide42.xml><?xml version="1.0" encoding="utf-8"?>
 <p:sld xmlns:a="http://schemas.openxmlformats.org/drawingml/2006/main" xmlns:r="http://schemas.openxmlformats.org/officeDocument/2006/relationships" xmlns:p="http://schemas.openxmlformats.org/presentationml/2006/main">
   <p:cSld>
     <p:spTree>
@@ -10361,465 +10994,6 @@
 </p:sld>
 </file>
 
-<file path=ppt/slides/slide41.xml><?xml version="1.0" encoding="utf-8"?>
-<p:sld xmlns:a="http://schemas.openxmlformats.org/drawingml/2006/main" xmlns:r="http://schemas.openxmlformats.org/officeDocument/2006/relationships" xmlns:p="http://schemas.openxmlformats.org/presentationml/2006/main">
-  <p:cSld>
-    <p:spTree>
-      <p:nvGrpSpPr>
-        <p:cNvPr id="1" name=""/>
-        <p:cNvGrpSpPr/>
-        <p:nvPr/>
-      </p:nvGrpSpPr>
-      <p:grpSpPr>
-        <a:xfrm>
-          <a:off x="0" y="0"/>
-          <a:ext cx="0" cy="0"/>
-          <a:chOff x="0" y="0"/>
-          <a:chExt cx="0" cy="0"/>
-        </a:xfrm>
-      </p:grpSpPr>
-      <p:sp>
-        <p:nvSpPr>
-          <p:cNvPr id="2" name="標題 1"/>
-          <p:cNvSpPr>
-            <a:spLocks noGrp="1"/>
-          </p:cNvSpPr>
-          <p:nvPr>
-            <p:ph type="title"/>
-          </p:nvPr>
-        </p:nvSpPr>
-        <p:spPr/>
-        <p:txBody>
-          <a:bodyPr/>
-          <a:lstStyle/>
-          <a:p>
-            <a:r>
-              <a:rPr lang="en-US" altLang="zh-TW" dirty="0" smtClean="0"/>
-              <a:t>Library Project </a:t>
-            </a:r>
-            <a:r>
-              <a:rPr lang="zh-TW" altLang="en-US" dirty="0" smtClean="0"/>
-              <a:t>測試</a:t>
-            </a:r>
-            <a:endParaRPr lang="zh-TW" altLang="en-US" dirty="0"/>
-          </a:p>
-        </p:txBody>
-      </p:sp>
-      <p:sp>
-        <p:nvSpPr>
-          <p:cNvPr id="3" name="內容版面配置區 2"/>
-          <p:cNvSpPr>
-            <a:spLocks noGrp="1"/>
-          </p:cNvSpPr>
-          <p:nvPr>
-            <p:ph idx="1"/>
-          </p:nvPr>
-        </p:nvSpPr>
-        <p:spPr/>
-        <p:txBody>
-          <a:bodyPr/>
-          <a:lstStyle/>
-          <a:p>
-            <a:pPr marL="457200" lvl="1" indent="0">
-              <a:buNone/>
-            </a:pPr>
-            <a:endParaRPr lang="zh-TW" altLang="zh-TW" dirty="0"/>
-          </a:p>
-          <a:p>
-            <a:pPr lvl="1"/>
-            <a:r>
-              <a:rPr lang="en-US" altLang="zh-TW" dirty="0"/>
-              <a:t> </a:t>
-            </a:r>
-            <a:r>
-              <a:rPr lang="en-US" altLang="zh-TW" dirty="0" err="1"/>
-              <a:t>npm</a:t>
-            </a:r>
-            <a:r>
-              <a:rPr lang="en-US" altLang="zh-TW" dirty="0"/>
-              <a:t> link</a:t>
-            </a:r>
-            <a:endParaRPr lang="zh-TW" altLang="zh-TW" dirty="0"/>
-          </a:p>
-          <a:p>
-            <a:pPr lvl="1"/>
-            <a:r>
-              <a:rPr lang="en-US" altLang="zh-TW" dirty="0"/>
-              <a:t> </a:t>
-            </a:r>
-            <a:r>
-              <a:rPr lang="en-US" altLang="zh-TW" dirty="0" err="1"/>
-              <a:t>npm</a:t>
-            </a:r>
-            <a:r>
-              <a:rPr lang="en-US" altLang="zh-TW" dirty="0"/>
-              <a:t> build my-lib --watch</a:t>
-            </a:r>
-            <a:endParaRPr lang="zh-TW" altLang="zh-TW" dirty="0"/>
-          </a:p>
-          <a:p>
-            <a:r>
-              <a:rPr lang="zh-HK" altLang="zh-TW" dirty="0"/>
-              <a:t>到第</a:t>
-            </a:r>
-            <a:r>
-              <a:rPr lang="en-US" altLang="zh-TW" dirty="0"/>
-              <a:t>2</a:t>
-            </a:r>
-            <a:r>
-              <a:rPr lang="zh-HK" altLang="zh-TW" dirty="0"/>
-              <a:t>個</a:t>
-            </a:r>
-            <a:r>
-              <a:rPr lang="en-US" altLang="zh-TW" dirty="0"/>
-              <a:t>APP, </a:t>
-            </a:r>
-            <a:r>
-              <a:rPr lang="zh-HK" altLang="zh-TW" dirty="0"/>
-              <a:t>使用</a:t>
-            </a:r>
-            <a:endParaRPr lang="zh-TW" altLang="zh-TW" dirty="0"/>
-          </a:p>
-          <a:p>
-            <a:pPr lvl="1"/>
-            <a:r>
-              <a:rPr lang="en-US" altLang="zh-TW" dirty="0"/>
-              <a:t>ng new my-app1</a:t>
-            </a:r>
-            <a:endParaRPr lang="zh-TW" altLang="zh-TW" dirty="0"/>
-          </a:p>
-          <a:p>
-            <a:pPr lvl="1"/>
-            <a:r>
-              <a:rPr lang="en-US" altLang="zh-TW" dirty="0" err="1"/>
-              <a:t>npm</a:t>
-            </a:r>
-            <a:r>
-              <a:rPr lang="en-US" altLang="zh-TW" dirty="0"/>
-              <a:t> </a:t>
-            </a:r>
-            <a:r>
-              <a:rPr lang="en-US" altLang="zh-TW" dirty="0" err="1"/>
-              <a:t>i</a:t>
-            </a:r>
-            <a:endParaRPr lang="zh-TW" altLang="zh-TW" dirty="0"/>
-          </a:p>
-          <a:p>
-            <a:pPr lvl="1"/>
-            <a:r>
-              <a:rPr lang="en-US" altLang="zh-TW" dirty="0"/>
-              <a:t>ng serve --port 4201</a:t>
-            </a:r>
-            <a:endParaRPr lang="zh-TW" altLang="zh-TW" dirty="0"/>
-          </a:p>
-          <a:p>
-            <a:endParaRPr lang="zh-TW" altLang="en-US" dirty="0"/>
-          </a:p>
-        </p:txBody>
-      </p:sp>
-      <p:sp>
-        <p:nvSpPr>
-          <p:cNvPr id="4" name="矩形 3"/>
-          <p:cNvSpPr/>
-          <p:nvPr/>
-        </p:nvSpPr>
-        <p:spPr>
-          <a:xfrm>
-            <a:off x="5257800" y="2343199"/>
-            <a:ext cx="6096000" cy="1754326"/>
-          </a:xfrm>
-          <a:prstGeom prst="rect">
-            <a:avLst/>
-          </a:prstGeom>
-        </p:spPr>
-        <p:txBody>
-          <a:bodyPr>
-            <a:spAutoFit/>
-          </a:bodyPr>
-          <a:lstStyle/>
-          <a:p>
-            <a:pPr marL="304800">
-              <a:spcAft>
-                <a:spcPts val="0"/>
-              </a:spcAft>
-            </a:pPr>
-            <a:r>
-              <a:rPr lang="en-US" altLang="zh-TW" kern="100" dirty="0">
-                <a:latin typeface="Calibri" panose="020F0502020204030204" pitchFamily="34" charset="0"/>
-                <a:cs typeface="Times New Roman" panose="02020603050405020304" pitchFamily="18" charset="0"/>
-              </a:rPr>
-              <a:t>PS:</a:t>
-            </a:r>
-            <a:endParaRPr lang="zh-TW" altLang="zh-TW" kern="100" dirty="0">
-              <a:latin typeface="Calibri" panose="020F0502020204030204" pitchFamily="34" charset="0"/>
-              <a:cs typeface="Times New Roman" panose="02020603050405020304" pitchFamily="18" charset="0"/>
-            </a:endParaRPr>
-          </a:p>
-          <a:p>
-            <a:pPr marL="304800">
-              <a:spcAft>
-                <a:spcPts val="0"/>
-              </a:spcAft>
-            </a:pPr>
-            <a:r>
-              <a:rPr lang="zh-HK" altLang="zh-TW" kern="100" dirty="0">
-                <a:latin typeface="Calibri" panose="020F0502020204030204" pitchFamily="34" charset="0"/>
-                <a:cs typeface="Times New Roman" panose="02020603050405020304" pitchFamily="18" charset="0"/>
-              </a:rPr>
-              <a:t>要取消</a:t>
-            </a:r>
-            <a:r>
-              <a:rPr lang="en-US" altLang="zh-TW" kern="100" dirty="0">
-                <a:latin typeface="Calibri" panose="020F0502020204030204" pitchFamily="34" charset="0"/>
-                <a:cs typeface="Times New Roman" panose="02020603050405020304" pitchFamily="18" charset="0"/>
-              </a:rPr>
-              <a:t>link</a:t>
-            </a:r>
-            <a:endParaRPr lang="zh-TW" altLang="zh-TW" kern="100" dirty="0">
-              <a:latin typeface="Calibri" panose="020F0502020204030204" pitchFamily="34" charset="0"/>
-              <a:cs typeface="Times New Roman" panose="02020603050405020304" pitchFamily="18" charset="0"/>
-            </a:endParaRPr>
-          </a:p>
-          <a:p>
-            <a:pPr marL="1143000" lvl="2" indent="-228600">
-              <a:spcAft>
-                <a:spcPts val="0"/>
-              </a:spcAft>
-              <a:buFont typeface="+mj-lt"/>
-              <a:buAutoNum type="romanLcPeriod"/>
-            </a:pPr>
-            <a:r>
-              <a:rPr lang="en-US" altLang="zh-TW" kern="100" spc="-25" dirty="0">
-                <a:latin typeface="Courier New" panose="02070309020205020404" pitchFamily="49" charset="0"/>
-                <a:cs typeface="Times New Roman" panose="02020603050405020304" pitchFamily="18" charset="0"/>
-              </a:rPr>
-              <a:t>cd library</a:t>
-            </a:r>
-            <a:r>
-              <a:rPr lang="zh-HK" altLang="zh-TW" kern="100" spc="-25" dirty="0">
-                <a:latin typeface="Courier New" panose="02070309020205020404" pitchFamily="49" charset="0"/>
-                <a:cs typeface="Courier New" panose="02070309020205020404" pitchFamily="49" charset="0"/>
-              </a:rPr>
-              <a:t>的</a:t>
-            </a:r>
-            <a:r>
-              <a:rPr lang="en-US" altLang="zh-TW" kern="100" spc="-25" dirty="0">
-                <a:latin typeface="Courier New" panose="02070309020205020404" pitchFamily="49" charset="0"/>
-                <a:cs typeface="Times New Roman" panose="02020603050405020304" pitchFamily="18" charset="0"/>
-              </a:rPr>
-              <a:t>folder</a:t>
-            </a:r>
-            <a:endParaRPr lang="zh-TW" altLang="zh-TW" kern="100" dirty="0">
-              <a:latin typeface="Calibri" panose="020F0502020204030204" pitchFamily="34" charset="0"/>
-              <a:cs typeface="Times New Roman" panose="02020603050405020304" pitchFamily="18" charset="0"/>
-            </a:endParaRPr>
-          </a:p>
-          <a:p>
-            <a:pPr marL="1143000" lvl="2" indent="-228600">
-              <a:spcAft>
-                <a:spcPts val="0"/>
-              </a:spcAft>
-              <a:buFont typeface="+mj-lt"/>
-              <a:buAutoNum type="romanLcPeriod"/>
-            </a:pPr>
-            <a:r>
-              <a:rPr lang="en-US" altLang="zh-TW" kern="100" spc="-25" dirty="0" err="1">
-                <a:latin typeface="Courier New" panose="02070309020205020404" pitchFamily="49" charset="0"/>
-                <a:cs typeface="Times New Roman" panose="02020603050405020304" pitchFamily="18" charset="0"/>
-              </a:rPr>
-              <a:t>npm</a:t>
-            </a:r>
-            <a:r>
-              <a:rPr lang="en-US" altLang="zh-TW" kern="100" spc="-25" dirty="0">
-                <a:latin typeface="Courier New" panose="02070309020205020404" pitchFamily="49" charset="0"/>
-                <a:cs typeface="Times New Roman" panose="02020603050405020304" pitchFamily="18" charset="0"/>
-              </a:rPr>
-              <a:t> uninstall # Delete global </a:t>
-            </a:r>
-            <a:r>
-              <a:rPr lang="en-US" altLang="zh-TW" kern="100" spc="-25" dirty="0" err="1">
-                <a:latin typeface="Courier New" panose="02070309020205020404" pitchFamily="49" charset="0"/>
-                <a:cs typeface="Times New Roman" panose="02020603050405020304" pitchFamily="18" charset="0"/>
-              </a:rPr>
-              <a:t>symlink</a:t>
-            </a:r>
-            <a:endParaRPr lang="zh-TW" altLang="zh-TW" kern="100" dirty="0">
-              <a:latin typeface="Calibri" panose="020F0502020204030204" pitchFamily="34" charset="0"/>
-              <a:cs typeface="Times New Roman" panose="02020603050405020304" pitchFamily="18" charset="0"/>
-            </a:endParaRPr>
-          </a:p>
-          <a:p>
-            <a:pPr marL="1143000" lvl="2" indent="-228600">
-              <a:spcAft>
-                <a:spcPts val="0"/>
-              </a:spcAft>
-              <a:buFont typeface="+mj-lt"/>
-              <a:buAutoNum type="romanLcPeriod"/>
-            </a:pPr>
-            <a:r>
-              <a:rPr lang="zh-HK" altLang="zh-TW" kern="100" spc="-25" dirty="0">
-                <a:latin typeface="Courier New" panose="02070309020205020404" pitchFamily="49" charset="0"/>
-                <a:cs typeface="Courier New" panose="02070309020205020404" pitchFamily="49" charset="0"/>
-              </a:rPr>
-              <a:t>或是直接</a:t>
-            </a:r>
-            <a:r>
-              <a:rPr lang="en-US" altLang="zh-TW" kern="100" spc="-25" dirty="0">
-                <a:latin typeface="Courier New" panose="02070309020205020404" pitchFamily="49" charset="0"/>
-                <a:cs typeface="Times New Roman" panose="02020603050405020304" pitchFamily="18" charset="0"/>
-              </a:rPr>
-              <a:t> </a:t>
-            </a:r>
-            <a:r>
-              <a:rPr lang="en-US" altLang="zh-TW" kern="100" spc="-25" dirty="0" err="1">
-                <a:latin typeface="Courier New" panose="02070309020205020404" pitchFamily="49" charset="0"/>
-                <a:cs typeface="Times New Roman" panose="02020603050405020304" pitchFamily="18" charset="0"/>
-              </a:rPr>
-              <a:t>npm</a:t>
-            </a:r>
-            <a:r>
-              <a:rPr lang="en-US" altLang="zh-TW" kern="100" spc="-25" dirty="0">
-                <a:latin typeface="Courier New" panose="02070309020205020404" pitchFamily="49" charset="0"/>
-                <a:cs typeface="Times New Roman" panose="02020603050405020304" pitchFamily="18" charset="0"/>
-              </a:rPr>
-              <a:t> unlink library-name</a:t>
-            </a:r>
-            <a:endParaRPr lang="zh-TW" altLang="zh-TW" kern="100" dirty="0">
-              <a:latin typeface="Calibri" panose="020F0502020204030204" pitchFamily="34" charset="0"/>
-              <a:cs typeface="Times New Roman" panose="02020603050405020304" pitchFamily="18" charset="0"/>
-            </a:endParaRPr>
-          </a:p>
-        </p:txBody>
-      </p:sp>
-    </p:spTree>
-    <p:extLst>
-      <p:ext uri="{BB962C8B-B14F-4D97-AF65-F5344CB8AC3E}">
-        <p14:creationId xmlns:p14="http://schemas.microsoft.com/office/powerpoint/2010/main" val="4146557113"/>
-      </p:ext>
-    </p:extLst>
-  </p:cSld>
-  <p:clrMapOvr>
-    <a:masterClrMapping/>
-  </p:clrMapOvr>
-</p:sld>
-</file>
-
-<file path=ppt/slides/slide42.xml><?xml version="1.0" encoding="utf-8"?>
-<p:sld xmlns:a="http://schemas.openxmlformats.org/drawingml/2006/main" xmlns:r="http://schemas.openxmlformats.org/officeDocument/2006/relationships" xmlns:p="http://schemas.openxmlformats.org/presentationml/2006/main">
-  <p:cSld>
-    <p:spTree>
-      <p:nvGrpSpPr>
-        <p:cNvPr id="1" name=""/>
-        <p:cNvGrpSpPr/>
-        <p:nvPr/>
-      </p:nvGrpSpPr>
-      <p:grpSpPr>
-        <a:xfrm>
-          <a:off x="0" y="0"/>
-          <a:ext cx="0" cy="0"/>
-          <a:chOff x="0" y="0"/>
-          <a:chExt cx="0" cy="0"/>
-        </a:xfrm>
-      </p:grpSpPr>
-      <p:sp>
-        <p:nvSpPr>
-          <p:cNvPr id="2" name="標題 1"/>
-          <p:cNvSpPr>
-            <a:spLocks noGrp="1"/>
-          </p:cNvSpPr>
-          <p:nvPr>
-            <p:ph type="title"/>
-          </p:nvPr>
-        </p:nvSpPr>
-        <p:spPr/>
-        <p:txBody>
-          <a:bodyPr/>
-          <a:lstStyle/>
-          <a:p>
-            <a:r>
-              <a:rPr lang="zh-HK" altLang="zh-TW" dirty="0"/>
-              <a:t>分發</a:t>
-            </a:r>
-            <a:endParaRPr lang="zh-TW" altLang="en-US" dirty="0"/>
-          </a:p>
-        </p:txBody>
-      </p:sp>
-      <p:sp>
-        <p:nvSpPr>
-          <p:cNvPr id="3" name="內容版面配置區 2"/>
-          <p:cNvSpPr>
-            <a:spLocks noGrp="1"/>
-          </p:cNvSpPr>
-          <p:nvPr>
-            <p:ph idx="1"/>
-          </p:nvPr>
-        </p:nvSpPr>
-        <p:spPr/>
-        <p:txBody>
-          <a:bodyPr/>
-          <a:lstStyle/>
-          <a:p>
-            <a:pPr lvl="1"/>
-            <a:endParaRPr lang="zh-TW" altLang="zh-TW" dirty="0"/>
-          </a:p>
-          <a:p>
-            <a:r>
-              <a:rPr lang="en-US" altLang="zh-TW" dirty="0"/>
-              <a:t>ng build my-lib --prod</a:t>
-            </a:r>
-            <a:endParaRPr lang="zh-TW" altLang="zh-TW" dirty="0"/>
-          </a:p>
-          <a:p>
-            <a:r>
-              <a:rPr lang="en-US" altLang="zh-TW" dirty="0"/>
-              <a:t>cd </a:t>
-            </a:r>
-            <a:r>
-              <a:rPr lang="en-US" altLang="zh-TW" dirty="0" err="1"/>
-              <a:t>dist</a:t>
-            </a:r>
-            <a:r>
-              <a:rPr lang="en-US" altLang="zh-TW" dirty="0"/>
-              <a:t>/my-lib</a:t>
-            </a:r>
-            <a:endParaRPr lang="zh-TW" altLang="zh-TW" dirty="0"/>
-          </a:p>
-          <a:p>
-            <a:r>
-              <a:rPr lang="en-US" altLang="zh-TW" dirty="0" err="1"/>
-              <a:t>npm</a:t>
-            </a:r>
-            <a:r>
-              <a:rPr lang="en-US" altLang="zh-TW" dirty="0"/>
-              <a:t> publish</a:t>
-            </a:r>
-            <a:endParaRPr lang="zh-TW" altLang="zh-TW" dirty="0"/>
-          </a:p>
-          <a:p>
-            <a:r>
-              <a:rPr lang="en-US" altLang="zh-TW" dirty="0"/>
-              <a:t> </a:t>
-            </a:r>
-            <a:endParaRPr lang="zh-TW" altLang="zh-TW" sz="3600" dirty="0"/>
-          </a:p>
-          <a:p>
-            <a:endParaRPr lang="zh-TW" altLang="en-US" dirty="0"/>
-          </a:p>
-        </p:txBody>
-      </p:sp>
-    </p:spTree>
-    <p:extLst>
-      <p:ext uri="{BB962C8B-B14F-4D97-AF65-F5344CB8AC3E}">
-        <p14:creationId xmlns:p14="http://schemas.microsoft.com/office/powerpoint/2010/main" val="3899415695"/>
-      </p:ext>
-    </p:extLst>
-  </p:cSld>
-  <p:clrMapOvr>
-    <a:masterClrMapping/>
-  </p:clrMapOvr>
-</p:sld>
-</file>
-
 <file path=ppt/slides/slide43.xml><?xml version="1.0" encoding="utf-8"?>
 <p:sld xmlns:a="http://schemas.openxmlformats.org/drawingml/2006/main" xmlns:r="http://schemas.openxmlformats.org/officeDocument/2006/relationships" xmlns:p="http://schemas.openxmlformats.org/presentationml/2006/main">
   <p:cSld>
@@ -10853,16 +11027,12 @@
           <a:lstStyle/>
           <a:p>
             <a:r>
-              <a:rPr lang="en-US" altLang="zh-TW" dirty="0" err="1"/>
-              <a:t>Heroku</a:t>
-            </a:r>
-            <a:r>
-              <a:rPr lang="en-US" altLang="zh-TW" dirty="0"/>
-              <a:t> </a:t>
-            </a:r>
-            <a:r>
-              <a:rPr lang="zh-HK" altLang="zh-TW" dirty="0"/>
-              <a:t>佈建</a:t>
+              <a:rPr lang="en-US" altLang="zh-TW" dirty="0" smtClean="0"/>
+              <a:t>Library Project </a:t>
+            </a:r>
+            <a:r>
+              <a:rPr lang="zh-TW" altLang="en-US" dirty="0" smtClean="0"/>
+              <a:t>測試</a:t>
             </a:r>
             <a:endParaRPr lang="zh-TW" altLang="en-US" dirty="0"/>
           </a:p>
@@ -10880,25 +11050,19 @@
         </p:nvSpPr>
         <p:spPr/>
         <p:txBody>
-          <a:bodyPr>
-            <a:normAutofit fontScale="77500" lnSpcReduction="20000"/>
-          </a:bodyPr>
-          <a:lstStyle/>
-          <a:p>
-            <a:pPr lvl="0"/>
-            <a:r>
-              <a:rPr lang="zh-HK" altLang="zh-TW" dirty="0"/>
-              <a:t>產生分發版</a:t>
-            </a:r>
-            <a:endParaRPr lang="zh-TW" altLang="zh-TW" dirty="0"/>
-          </a:p>
+          <a:bodyPr/>
+          <a:lstStyle/>
           <a:p>
             <a:pPr marL="457200" lvl="1" indent="0">
               <a:buNone/>
             </a:pPr>
-            <a:r>
-              <a:rPr lang="en-US" altLang="zh-TW" dirty="0"/>
-              <a:t>$ </a:t>
+            <a:endParaRPr lang="zh-TW" altLang="zh-TW" dirty="0"/>
+          </a:p>
+          <a:p>
+            <a:pPr lvl="1"/>
+            <a:r>
+              <a:rPr lang="en-US" altLang="zh-TW" dirty="0"/>
+              <a:t> </a:t>
             </a:r>
             <a:r>
               <a:rPr lang="en-US" altLang="zh-TW" dirty="0" err="1"/>
@@ -10906,237 +11070,264 @@
             </a:r>
             <a:r>
               <a:rPr lang="en-US" altLang="zh-TW" dirty="0"/>
-              <a:t> run </a:t>
+              <a:t> link</a:t>
+            </a:r>
+            <a:endParaRPr lang="zh-TW" altLang="zh-TW" dirty="0"/>
+          </a:p>
+          <a:p>
+            <a:pPr lvl="1"/>
+            <a:r>
+              <a:rPr lang="en-US" altLang="zh-TW" dirty="0"/>
+              <a:t> </a:t>
             </a:r>
             <a:r>
               <a:rPr lang="en-US" altLang="zh-TW" dirty="0" err="1"/>
-              <a:t>build:prod</a:t>
+              <a:t>npm</a:t>
+            </a:r>
+            <a:r>
+              <a:rPr lang="en-US" altLang="zh-TW" dirty="0"/>
+              <a:t> build my-lib --watch</a:t>
             </a:r>
             <a:endParaRPr lang="zh-TW" altLang="zh-TW" dirty="0"/>
           </a:p>
           <a:p>
+            <a:r>
+              <a:rPr lang="zh-HK" altLang="zh-TW" dirty="0"/>
+              <a:t>到第</a:t>
+            </a:r>
+            <a:r>
+              <a:rPr lang="en-US" altLang="zh-TW" dirty="0"/>
+              <a:t>2</a:t>
+            </a:r>
+            <a:r>
+              <a:rPr lang="zh-HK" altLang="zh-TW" dirty="0"/>
+              <a:t>個</a:t>
+            </a:r>
+            <a:r>
+              <a:rPr lang="en-US" altLang="zh-TW" dirty="0"/>
+              <a:t>APP, </a:t>
+            </a:r>
             <a:r>
               <a:rPr lang="zh-HK" altLang="zh-TW" dirty="0"/>
               <a:t>使用</a:t>
             </a:r>
-            <a:r>
-              <a:rPr lang="en-US" altLang="zh-TW" dirty="0"/>
-              <a:t> ng build</a:t>
-            </a:r>
             <a:endParaRPr lang="zh-TW" altLang="zh-TW" dirty="0"/>
           </a:p>
           <a:p>
             <a:pPr lvl="1"/>
             <a:r>
-              <a:rPr lang="zh-HK" altLang="zh-TW" dirty="0"/>
-              <a:t>加入參數</a:t>
-            </a:r>
-            <a:r>
-              <a:rPr lang="en-US" altLang="zh-TW" dirty="0"/>
-              <a:t>:</a:t>
+              <a:rPr lang="en-US" altLang="zh-TW" dirty="0"/>
+              <a:t>ng new my-app1</a:t>
             </a:r>
             <a:endParaRPr lang="zh-TW" altLang="zh-TW" dirty="0"/>
           </a:p>
           <a:p>
-            <a:pPr lvl="2"/>
-            <a:r>
-              <a:rPr lang="en-US" altLang="zh-TW" dirty="0"/>
-              <a:t>--</a:t>
-            </a:r>
-            <a:r>
-              <a:rPr lang="en-US" altLang="zh-TW" dirty="0" err="1"/>
-              <a:t>aot</a:t>
-            </a:r>
-            <a:endParaRPr lang="zh-TW" altLang="zh-TW" dirty="0"/>
-          </a:p>
-          <a:p>
-            <a:pPr lvl="2"/>
-            <a:r>
-              <a:rPr lang="en-US" altLang="zh-TW" dirty="0"/>
-              <a:t>--prod</a:t>
-            </a:r>
-            <a:endParaRPr lang="zh-TW" altLang="zh-TW" dirty="0"/>
-          </a:p>
-          <a:p>
-            <a:pPr lvl="2"/>
-            <a:r>
-              <a:rPr lang="en-US" altLang="zh-TW" dirty="0"/>
-              <a:t>--base-</a:t>
-            </a:r>
-            <a:r>
-              <a:rPr lang="en-US" altLang="zh-TW" dirty="0" err="1"/>
-              <a:t>href</a:t>
-            </a:r>
-            <a:r>
-              <a:rPr lang="en-US" altLang="zh-TW" dirty="0"/>
-              <a:t> = /</a:t>
-            </a:r>
-            <a:r>
-              <a:rPr lang="zh-HK" altLang="zh-TW" dirty="0"/>
-              <a:t>專案名稱</a:t>
-            </a:r>
-            <a:r>
-              <a:rPr lang="en-US" altLang="zh-TW" dirty="0"/>
-              <a:t>/</a:t>
-            </a:r>
-            <a:endParaRPr lang="zh-TW" altLang="zh-TW" dirty="0"/>
-          </a:p>
-          <a:p>
-            <a:pPr lvl="2"/>
-            <a:r>
-              <a:rPr lang="zh-HK" altLang="zh-TW" dirty="0"/>
-              <a:t>此案比較特殊</a:t>
-            </a:r>
-            <a:r>
-              <a:rPr lang="en-US" altLang="zh-TW" dirty="0"/>
-              <a:t>, </a:t>
-            </a:r>
-            <a:r>
-              <a:rPr lang="zh-HK" altLang="zh-TW" dirty="0"/>
-              <a:t>有</a:t>
-            </a:r>
-            <a:r>
-              <a:rPr lang="en-US" altLang="zh-TW" dirty="0"/>
-              <a:t>LIB, </a:t>
-            </a:r>
-            <a:r>
-              <a:rPr lang="zh-HK" altLang="zh-TW" dirty="0"/>
-              <a:t>所以要先</a:t>
-            </a:r>
-            <a:r>
-              <a:rPr lang="en-US" altLang="zh-TW" dirty="0"/>
-              <a:t> build </a:t>
-            </a:r>
-            <a:r>
-              <a:rPr lang="en-US" altLang="zh-TW" dirty="0" smtClean="0"/>
-              <a:t>lib</a:t>
-            </a:r>
-          </a:p>
-          <a:p>
-            <a:r>
-              <a:rPr lang="zh-TW" altLang="en-US" dirty="0" smtClean="0"/>
-              <a:t>在 </a:t>
-            </a:r>
-            <a:r>
-              <a:rPr lang="en-US" altLang="zh-TW" dirty="0" err="1" smtClean="0"/>
-              <a:t>package.json</a:t>
-            </a:r>
-            <a:r>
-              <a:rPr lang="zh-TW" altLang="en-US" dirty="0" smtClean="0"/>
-              <a:t>中</a:t>
-            </a:r>
-            <a:endParaRPr lang="zh-TW" altLang="zh-TW" dirty="0"/>
-          </a:p>
-          <a:p>
-            <a:pPr marL="0" indent="0">
-              <a:buNone/>
-            </a:pPr>
-            <a:r>
-              <a:rPr lang="en-US" altLang="zh-TW" dirty="0"/>
-              <a:t> "</a:t>
-            </a:r>
-            <a:r>
-              <a:rPr lang="en-US" altLang="zh-TW" dirty="0" err="1"/>
-              <a:t>prebuild:prod</a:t>
-            </a:r>
-            <a:r>
-              <a:rPr lang="en-US" altLang="zh-TW" dirty="0"/>
-              <a:t>": "</a:t>
-            </a:r>
+            <a:pPr lvl="1"/>
             <a:r>
               <a:rPr lang="en-US" altLang="zh-TW" dirty="0" err="1"/>
               <a:t>npm</a:t>
             </a:r>
             <a:r>
               <a:rPr lang="en-US" altLang="zh-TW" dirty="0"/>
-              <a:t> run </a:t>
+              <a:t> </a:t>
             </a:r>
             <a:r>
               <a:rPr lang="en-US" altLang="zh-TW" dirty="0" err="1"/>
-              <a:t>build:lib</a:t>
-            </a:r>
-            <a:r>
-              <a:rPr lang="en-US" altLang="zh-TW" dirty="0"/>
-              <a:t>",</a:t>
+              <a:t>i</a:t>
             </a:r>
             <a:endParaRPr lang="zh-TW" altLang="zh-TW" dirty="0"/>
           </a:p>
           <a:p>
-            <a:pPr marL="0" indent="0">
-              <a:buNone/>
+            <a:pPr lvl="1"/>
+            <a:r>
+              <a:rPr lang="en-US" altLang="zh-TW" dirty="0"/>
+              <a:t>ng serve --port 4201</a:t>
+            </a:r>
+            <a:endParaRPr lang="zh-TW" altLang="zh-TW" dirty="0"/>
+          </a:p>
+          <a:p>
+            <a:endParaRPr lang="zh-TW" altLang="en-US" dirty="0"/>
+          </a:p>
+        </p:txBody>
+      </p:sp>
+      <p:sp>
+        <p:nvSpPr>
+          <p:cNvPr id="4" name="矩形 3"/>
+          <p:cNvSpPr/>
+          <p:nvPr/>
+        </p:nvSpPr>
+        <p:spPr>
+          <a:xfrm>
+            <a:off x="5257800" y="2343199"/>
+            <a:ext cx="6096000" cy="1754326"/>
+          </a:xfrm>
+          <a:prstGeom prst="rect">
+            <a:avLst/>
+          </a:prstGeom>
+        </p:spPr>
+        <p:txBody>
+          <a:bodyPr>
+            <a:spAutoFit/>
+          </a:bodyPr>
+          <a:lstStyle/>
+          <a:p>
+            <a:pPr marL="304800">
+              <a:spcAft>
+                <a:spcPts val="0"/>
+              </a:spcAft>
             </a:pPr>
             <a:r>
-              <a:rPr lang="en-US" altLang="zh-TW" dirty="0"/>
-              <a:t> "</a:t>
-            </a:r>
-            <a:r>
-              <a:rPr lang="en-US" altLang="zh-TW" dirty="0" err="1"/>
-              <a:t>build:prod</a:t>
-            </a:r>
-            <a:r>
-              <a:rPr lang="en-US" altLang="zh-TW" dirty="0"/>
-              <a:t>": "ng build --</a:t>
-            </a:r>
-            <a:r>
-              <a:rPr lang="en-US" altLang="zh-TW" dirty="0" err="1"/>
-              <a:t>aot</a:t>
-            </a:r>
-            <a:r>
-              <a:rPr lang="en-US" altLang="zh-TW" dirty="0"/>
-              <a:t> --prod --base-</a:t>
-            </a:r>
-            <a:r>
-              <a:rPr lang="en-US" altLang="zh-TW" dirty="0" err="1"/>
-              <a:t>href</a:t>
-            </a:r>
-            <a:r>
-              <a:rPr lang="en-US" altLang="zh-TW" dirty="0"/>
-              <a:t>=/my-first-app/",</a:t>
-            </a:r>
-            <a:endParaRPr lang="zh-TW" altLang="zh-TW" dirty="0"/>
-          </a:p>
-          <a:p>
-            <a:pPr marL="0" indent="0">
-              <a:buNone/>
+              <a:rPr lang="en-US" altLang="zh-TW" kern="100" dirty="0">
+                <a:latin typeface="Calibri" panose="020F0502020204030204" pitchFamily="34" charset="0"/>
+                <a:cs typeface="Times New Roman" panose="02020603050405020304" pitchFamily="18" charset="0"/>
+              </a:rPr>
+              <a:t>PS:</a:t>
+            </a:r>
+            <a:endParaRPr lang="zh-TW" altLang="zh-TW" kern="100" dirty="0">
+              <a:latin typeface="Calibri" panose="020F0502020204030204" pitchFamily="34" charset="0"/>
+              <a:cs typeface="Times New Roman" panose="02020603050405020304" pitchFamily="18" charset="0"/>
+            </a:endParaRPr>
+          </a:p>
+          <a:p>
+            <a:pPr marL="304800">
+              <a:spcAft>
+                <a:spcPts val="0"/>
+              </a:spcAft>
             </a:pPr>
             <a:r>
-              <a:rPr lang="en-US" altLang="zh-TW" dirty="0"/>
-              <a:t> "</a:t>
-            </a:r>
-            <a:r>
-              <a:rPr lang="en-US" altLang="zh-TW" dirty="0" err="1"/>
-              <a:t>build:lib</a:t>
-            </a:r>
-            <a:r>
-              <a:rPr lang="en-US" altLang="zh-TW" dirty="0"/>
-              <a:t>": "ng build my-first-lib",</a:t>
-            </a:r>
-            <a:endParaRPr lang="zh-TW" altLang="zh-TW" dirty="0"/>
-          </a:p>
-          <a:p>
-            <a:pPr lvl="1"/>
-            <a:r>
-              <a:rPr lang="en-US" altLang="zh-TW" dirty="0"/>
-              <a:t> </a:t>
-            </a:r>
-            <a:endParaRPr lang="zh-TW" altLang="zh-TW" dirty="0"/>
-          </a:p>
-          <a:p>
-            <a:r>
-              <a:rPr lang="en-US" altLang="zh-TW" dirty="0"/>
-              <a:t> </a:t>
-            </a:r>
-            <a:endParaRPr lang="zh-TW" altLang="zh-TW" dirty="0"/>
-          </a:p>
-          <a:p>
-            <a:endParaRPr lang="zh-TW" altLang="en-US" dirty="0"/>
+              <a:rPr lang="zh-HK" altLang="zh-TW" kern="100" dirty="0">
+                <a:latin typeface="Calibri" panose="020F0502020204030204" pitchFamily="34" charset="0"/>
+                <a:cs typeface="Times New Roman" panose="02020603050405020304" pitchFamily="18" charset="0"/>
+              </a:rPr>
+              <a:t>要取消</a:t>
+            </a:r>
+            <a:r>
+              <a:rPr lang="en-US" altLang="zh-TW" kern="100" dirty="0">
+                <a:latin typeface="Calibri" panose="020F0502020204030204" pitchFamily="34" charset="0"/>
+                <a:cs typeface="Times New Roman" panose="02020603050405020304" pitchFamily="18" charset="0"/>
+              </a:rPr>
+              <a:t>link</a:t>
+            </a:r>
+            <a:endParaRPr lang="zh-TW" altLang="zh-TW" kern="100" dirty="0">
+              <a:latin typeface="Calibri" panose="020F0502020204030204" pitchFamily="34" charset="0"/>
+              <a:cs typeface="Times New Roman" panose="02020603050405020304" pitchFamily="18" charset="0"/>
+            </a:endParaRPr>
+          </a:p>
+          <a:p>
+            <a:pPr marL="1143000" lvl="2" indent="-228600">
+              <a:spcAft>
+                <a:spcPts val="0"/>
+              </a:spcAft>
+              <a:buFont typeface="+mj-lt"/>
+              <a:buAutoNum type="romanLcPeriod"/>
+            </a:pPr>
+            <a:r>
+              <a:rPr lang="en-US" altLang="zh-TW" kern="100" spc="-25" dirty="0">
+                <a:latin typeface="Courier New" panose="02070309020205020404" pitchFamily="49" charset="0"/>
+                <a:cs typeface="Times New Roman" panose="02020603050405020304" pitchFamily="18" charset="0"/>
+              </a:rPr>
+              <a:t>cd library</a:t>
+            </a:r>
+            <a:r>
+              <a:rPr lang="zh-HK" altLang="zh-TW" kern="100" spc="-25" dirty="0">
+                <a:latin typeface="Courier New" panose="02070309020205020404" pitchFamily="49" charset="0"/>
+                <a:cs typeface="Courier New" panose="02070309020205020404" pitchFamily="49" charset="0"/>
+              </a:rPr>
+              <a:t>的</a:t>
+            </a:r>
+            <a:r>
+              <a:rPr lang="en-US" altLang="zh-TW" kern="100" spc="-25" dirty="0">
+                <a:latin typeface="Courier New" panose="02070309020205020404" pitchFamily="49" charset="0"/>
+                <a:cs typeface="Times New Roman" panose="02020603050405020304" pitchFamily="18" charset="0"/>
+              </a:rPr>
+              <a:t>folder</a:t>
+            </a:r>
+            <a:endParaRPr lang="zh-TW" altLang="zh-TW" kern="100" dirty="0">
+              <a:latin typeface="Calibri" panose="020F0502020204030204" pitchFamily="34" charset="0"/>
+              <a:cs typeface="Times New Roman" panose="02020603050405020304" pitchFamily="18" charset="0"/>
+            </a:endParaRPr>
+          </a:p>
+          <a:p>
+            <a:pPr marL="1143000" lvl="2" indent="-228600">
+              <a:spcAft>
+                <a:spcPts val="0"/>
+              </a:spcAft>
+              <a:buFont typeface="+mj-lt"/>
+              <a:buAutoNum type="romanLcPeriod"/>
+            </a:pPr>
+            <a:r>
+              <a:rPr lang="en-US" altLang="zh-TW" kern="100" spc="-25" dirty="0" err="1">
+                <a:latin typeface="Courier New" panose="02070309020205020404" pitchFamily="49" charset="0"/>
+                <a:cs typeface="Times New Roman" panose="02020603050405020304" pitchFamily="18" charset="0"/>
+              </a:rPr>
+              <a:t>npm</a:t>
+            </a:r>
+            <a:r>
+              <a:rPr lang="en-US" altLang="zh-TW" kern="100" spc="-25" dirty="0">
+                <a:latin typeface="Courier New" panose="02070309020205020404" pitchFamily="49" charset="0"/>
+                <a:cs typeface="Times New Roman" panose="02020603050405020304" pitchFamily="18" charset="0"/>
+              </a:rPr>
+              <a:t> uninstall # Delete global </a:t>
+            </a:r>
+            <a:r>
+              <a:rPr lang="en-US" altLang="zh-TW" kern="100" spc="-25" dirty="0" err="1">
+                <a:latin typeface="Courier New" panose="02070309020205020404" pitchFamily="49" charset="0"/>
+                <a:cs typeface="Times New Roman" panose="02020603050405020304" pitchFamily="18" charset="0"/>
+              </a:rPr>
+              <a:t>symlink</a:t>
+            </a:r>
+            <a:endParaRPr lang="zh-TW" altLang="zh-TW" kern="100" dirty="0">
+              <a:latin typeface="Calibri" panose="020F0502020204030204" pitchFamily="34" charset="0"/>
+              <a:cs typeface="Times New Roman" panose="02020603050405020304" pitchFamily="18" charset="0"/>
+            </a:endParaRPr>
+          </a:p>
+          <a:p>
+            <a:pPr marL="1143000" lvl="2" indent="-228600">
+              <a:spcAft>
+                <a:spcPts val="0"/>
+              </a:spcAft>
+              <a:buFont typeface="+mj-lt"/>
+              <a:buAutoNum type="romanLcPeriod"/>
+            </a:pPr>
+            <a:r>
+              <a:rPr lang="zh-HK" altLang="zh-TW" kern="100" spc="-25" dirty="0">
+                <a:latin typeface="Courier New" panose="02070309020205020404" pitchFamily="49" charset="0"/>
+                <a:cs typeface="Courier New" panose="02070309020205020404" pitchFamily="49" charset="0"/>
+              </a:rPr>
+              <a:t>或是直接</a:t>
+            </a:r>
+            <a:r>
+              <a:rPr lang="en-US" altLang="zh-TW" kern="100" spc="-25" dirty="0">
+                <a:latin typeface="Courier New" panose="02070309020205020404" pitchFamily="49" charset="0"/>
+                <a:cs typeface="Times New Roman" panose="02020603050405020304" pitchFamily="18" charset="0"/>
+              </a:rPr>
+              <a:t> </a:t>
+            </a:r>
+            <a:r>
+              <a:rPr lang="en-US" altLang="zh-TW" kern="100" spc="-25" dirty="0" err="1">
+                <a:latin typeface="Courier New" panose="02070309020205020404" pitchFamily="49" charset="0"/>
+                <a:cs typeface="Times New Roman" panose="02020603050405020304" pitchFamily="18" charset="0"/>
+              </a:rPr>
+              <a:t>npm</a:t>
+            </a:r>
+            <a:r>
+              <a:rPr lang="en-US" altLang="zh-TW" kern="100" spc="-25" dirty="0">
+                <a:latin typeface="Courier New" panose="02070309020205020404" pitchFamily="49" charset="0"/>
+                <a:cs typeface="Times New Roman" panose="02020603050405020304" pitchFamily="18" charset="0"/>
+              </a:rPr>
+              <a:t> unlink library-name</a:t>
+            </a:r>
+            <a:endParaRPr lang="zh-TW" altLang="zh-TW" kern="100" dirty="0">
+              <a:latin typeface="Calibri" panose="020F0502020204030204" pitchFamily="34" charset="0"/>
+              <a:cs typeface="Times New Roman" panose="02020603050405020304" pitchFamily="18" charset="0"/>
+            </a:endParaRPr>
           </a:p>
         </p:txBody>
       </p:sp>
     </p:spTree>
     <p:extLst>
       <p:ext uri="{BB962C8B-B14F-4D97-AF65-F5344CB8AC3E}">
-        <p14:creationId xmlns:p14="http://schemas.microsoft.com/office/powerpoint/2010/main" val="2499366251"/>
+        <p14:creationId xmlns:p14="http://schemas.microsoft.com/office/powerpoint/2010/main" val="4146557113"/>
       </p:ext>
     </p:extLst>
   </p:cSld>
@@ -11178,6 +11369,448 @@
           <a:bodyPr/>
           <a:lstStyle/>
           <a:p>
+            <a:r>
+              <a:rPr lang="zh-HK" altLang="zh-TW" dirty="0"/>
+              <a:t>分發</a:t>
+            </a:r>
+            <a:endParaRPr lang="zh-TW" altLang="en-US" dirty="0"/>
+          </a:p>
+        </p:txBody>
+      </p:sp>
+      <p:sp>
+        <p:nvSpPr>
+          <p:cNvPr id="3" name="內容版面配置區 2"/>
+          <p:cNvSpPr>
+            <a:spLocks noGrp="1"/>
+          </p:cNvSpPr>
+          <p:nvPr>
+            <p:ph idx="1"/>
+          </p:nvPr>
+        </p:nvSpPr>
+        <p:spPr/>
+        <p:txBody>
+          <a:bodyPr/>
+          <a:lstStyle/>
+          <a:p>
+            <a:pPr lvl="1"/>
+            <a:endParaRPr lang="zh-TW" altLang="zh-TW" dirty="0"/>
+          </a:p>
+          <a:p>
+            <a:r>
+              <a:rPr lang="en-US" altLang="zh-TW" dirty="0"/>
+              <a:t>ng build my-lib --prod</a:t>
+            </a:r>
+            <a:endParaRPr lang="zh-TW" altLang="zh-TW" dirty="0"/>
+          </a:p>
+          <a:p>
+            <a:r>
+              <a:rPr lang="en-US" altLang="zh-TW" dirty="0"/>
+              <a:t>cd </a:t>
+            </a:r>
+            <a:r>
+              <a:rPr lang="en-US" altLang="zh-TW" dirty="0" err="1"/>
+              <a:t>dist</a:t>
+            </a:r>
+            <a:r>
+              <a:rPr lang="en-US" altLang="zh-TW" dirty="0"/>
+              <a:t>/my-lib</a:t>
+            </a:r>
+            <a:endParaRPr lang="zh-TW" altLang="zh-TW" dirty="0"/>
+          </a:p>
+          <a:p>
+            <a:r>
+              <a:rPr lang="en-US" altLang="zh-TW" dirty="0" err="1"/>
+              <a:t>npm</a:t>
+            </a:r>
+            <a:r>
+              <a:rPr lang="en-US" altLang="zh-TW" dirty="0"/>
+              <a:t> publish</a:t>
+            </a:r>
+            <a:endParaRPr lang="zh-TW" altLang="zh-TW" dirty="0"/>
+          </a:p>
+          <a:p>
+            <a:r>
+              <a:rPr lang="en-US" altLang="zh-TW" dirty="0"/>
+              <a:t> </a:t>
+            </a:r>
+            <a:endParaRPr lang="zh-TW" altLang="zh-TW" sz="3600" dirty="0"/>
+          </a:p>
+          <a:p>
+            <a:endParaRPr lang="zh-TW" altLang="en-US" dirty="0"/>
+          </a:p>
+        </p:txBody>
+      </p:sp>
+    </p:spTree>
+    <p:extLst>
+      <p:ext uri="{BB962C8B-B14F-4D97-AF65-F5344CB8AC3E}">
+        <p14:creationId xmlns:p14="http://schemas.microsoft.com/office/powerpoint/2010/main" val="3899415695"/>
+      </p:ext>
+    </p:extLst>
+  </p:cSld>
+  <p:clrMapOvr>
+    <a:masterClrMapping/>
+  </p:clrMapOvr>
+</p:sld>
+</file>
+
+<file path=ppt/slides/slide45.xml><?xml version="1.0" encoding="utf-8"?>
+<p:sld xmlns:a="http://schemas.openxmlformats.org/drawingml/2006/main" xmlns:r="http://schemas.openxmlformats.org/officeDocument/2006/relationships" xmlns:p="http://schemas.openxmlformats.org/presentationml/2006/main">
+  <p:cSld>
+    <p:spTree>
+      <p:nvGrpSpPr>
+        <p:cNvPr id="1" name=""/>
+        <p:cNvGrpSpPr/>
+        <p:nvPr/>
+      </p:nvGrpSpPr>
+      <p:grpSpPr>
+        <a:xfrm>
+          <a:off x="0" y="0"/>
+          <a:ext cx="0" cy="0"/>
+          <a:chOff x="0" y="0"/>
+          <a:chExt cx="0" cy="0"/>
+        </a:xfrm>
+      </p:grpSpPr>
+      <p:sp>
+        <p:nvSpPr>
+          <p:cNvPr id="2" name="標題 1"/>
+          <p:cNvSpPr>
+            <a:spLocks noGrp="1"/>
+          </p:cNvSpPr>
+          <p:nvPr>
+            <p:ph type="title"/>
+          </p:nvPr>
+        </p:nvSpPr>
+        <p:spPr/>
+        <p:txBody>
+          <a:bodyPr/>
+          <a:lstStyle/>
+          <a:p>
+            <a:r>
+              <a:rPr lang="en-US" altLang="zh-TW" dirty="0" err="1"/>
+              <a:t>Heroku</a:t>
+            </a:r>
+            <a:r>
+              <a:rPr lang="en-US" altLang="zh-TW" dirty="0"/>
+              <a:t> </a:t>
+            </a:r>
+            <a:r>
+              <a:rPr lang="zh-HK" altLang="zh-TW" dirty="0"/>
+              <a:t>佈建</a:t>
+            </a:r>
+            <a:endParaRPr lang="zh-TW" altLang="en-US" dirty="0"/>
+          </a:p>
+        </p:txBody>
+      </p:sp>
+      <p:sp>
+        <p:nvSpPr>
+          <p:cNvPr id="3" name="內容版面配置區 2"/>
+          <p:cNvSpPr>
+            <a:spLocks noGrp="1"/>
+          </p:cNvSpPr>
+          <p:nvPr>
+            <p:ph idx="1"/>
+          </p:nvPr>
+        </p:nvSpPr>
+        <p:spPr/>
+        <p:txBody>
+          <a:bodyPr>
+            <a:normAutofit fontScale="77500" lnSpcReduction="20000"/>
+          </a:bodyPr>
+          <a:lstStyle/>
+          <a:p>
+            <a:pPr lvl="0"/>
+            <a:r>
+              <a:rPr lang="zh-HK" altLang="zh-TW" dirty="0"/>
+              <a:t>產生分發版</a:t>
+            </a:r>
+            <a:endParaRPr lang="zh-TW" altLang="zh-TW" dirty="0"/>
+          </a:p>
+          <a:p>
+            <a:pPr marL="457200" lvl="1" indent="0">
+              <a:buNone/>
+            </a:pPr>
+            <a:r>
+              <a:rPr lang="en-US" altLang="zh-TW" dirty="0"/>
+              <a:t>$ </a:t>
+            </a:r>
+            <a:r>
+              <a:rPr lang="en-US" altLang="zh-TW" dirty="0" err="1"/>
+              <a:t>npm</a:t>
+            </a:r>
+            <a:r>
+              <a:rPr lang="en-US" altLang="zh-TW" dirty="0"/>
+              <a:t> run </a:t>
+            </a:r>
+            <a:r>
+              <a:rPr lang="en-US" altLang="zh-TW" dirty="0" err="1"/>
+              <a:t>build:prod</a:t>
+            </a:r>
+            <a:endParaRPr lang="zh-TW" altLang="zh-TW" dirty="0"/>
+          </a:p>
+          <a:p>
+            <a:r>
+              <a:rPr lang="zh-HK" altLang="zh-TW" dirty="0"/>
+              <a:t>使用</a:t>
+            </a:r>
+            <a:r>
+              <a:rPr lang="en-US" altLang="zh-TW" dirty="0"/>
+              <a:t> ng build</a:t>
+            </a:r>
+            <a:endParaRPr lang="zh-TW" altLang="zh-TW" dirty="0"/>
+          </a:p>
+          <a:p>
+            <a:pPr lvl="1"/>
+            <a:r>
+              <a:rPr lang="zh-HK" altLang="zh-TW" dirty="0"/>
+              <a:t>加入參數</a:t>
+            </a:r>
+            <a:r>
+              <a:rPr lang="en-US" altLang="zh-TW" dirty="0"/>
+              <a:t>:</a:t>
+            </a:r>
+            <a:endParaRPr lang="zh-TW" altLang="zh-TW" dirty="0"/>
+          </a:p>
+          <a:p>
+            <a:pPr lvl="2"/>
+            <a:r>
+              <a:rPr lang="en-US" altLang="zh-TW" dirty="0"/>
+              <a:t>--</a:t>
+            </a:r>
+            <a:r>
+              <a:rPr lang="en-US" altLang="zh-TW" dirty="0" err="1"/>
+              <a:t>aot</a:t>
+            </a:r>
+            <a:endParaRPr lang="zh-TW" altLang="zh-TW" dirty="0"/>
+          </a:p>
+          <a:p>
+            <a:pPr lvl="2"/>
+            <a:r>
+              <a:rPr lang="en-US" altLang="zh-TW" dirty="0"/>
+              <a:t>--prod</a:t>
+            </a:r>
+            <a:endParaRPr lang="zh-TW" altLang="zh-TW" dirty="0"/>
+          </a:p>
+          <a:p>
+            <a:pPr lvl="2"/>
+            <a:r>
+              <a:rPr lang="en-US" altLang="zh-TW" dirty="0"/>
+              <a:t>--base-</a:t>
+            </a:r>
+            <a:r>
+              <a:rPr lang="en-US" altLang="zh-TW" dirty="0" err="1"/>
+              <a:t>href</a:t>
+            </a:r>
+            <a:r>
+              <a:rPr lang="en-US" altLang="zh-TW" dirty="0"/>
+              <a:t> = /</a:t>
+            </a:r>
+            <a:r>
+              <a:rPr lang="zh-HK" altLang="zh-TW" dirty="0"/>
+              <a:t>專案名稱</a:t>
+            </a:r>
+            <a:r>
+              <a:rPr lang="en-US" altLang="zh-TW" dirty="0"/>
+              <a:t>/</a:t>
+            </a:r>
+            <a:endParaRPr lang="zh-TW" altLang="zh-TW" dirty="0"/>
+          </a:p>
+          <a:p>
+            <a:pPr lvl="2"/>
+            <a:r>
+              <a:rPr lang="zh-HK" altLang="zh-TW" dirty="0"/>
+              <a:t>此案比較特殊</a:t>
+            </a:r>
+            <a:r>
+              <a:rPr lang="en-US" altLang="zh-TW" dirty="0"/>
+              <a:t>, </a:t>
+            </a:r>
+            <a:r>
+              <a:rPr lang="zh-HK" altLang="zh-TW" dirty="0"/>
+              <a:t>有</a:t>
+            </a:r>
+            <a:r>
+              <a:rPr lang="en-US" altLang="zh-TW" dirty="0"/>
+              <a:t>LIB, </a:t>
+            </a:r>
+            <a:r>
+              <a:rPr lang="zh-HK" altLang="zh-TW" dirty="0"/>
+              <a:t>所以要先</a:t>
+            </a:r>
+            <a:r>
+              <a:rPr lang="en-US" altLang="zh-TW" dirty="0"/>
+              <a:t> build </a:t>
+            </a:r>
+            <a:r>
+              <a:rPr lang="en-US" altLang="zh-TW" dirty="0" smtClean="0"/>
+              <a:t>lib</a:t>
+            </a:r>
+          </a:p>
+          <a:p>
+            <a:r>
+              <a:rPr lang="zh-TW" altLang="en-US" dirty="0" smtClean="0"/>
+              <a:t>在 </a:t>
+            </a:r>
+            <a:r>
+              <a:rPr lang="en-US" altLang="zh-TW" dirty="0" err="1" smtClean="0"/>
+              <a:t>package.json</a:t>
+            </a:r>
+            <a:r>
+              <a:rPr lang="zh-TW" altLang="en-US" dirty="0" smtClean="0"/>
+              <a:t>中</a:t>
+            </a:r>
+            <a:endParaRPr lang="zh-TW" altLang="zh-TW" dirty="0"/>
+          </a:p>
+          <a:p>
+            <a:pPr marL="0" indent="0">
+              <a:buNone/>
+            </a:pPr>
+            <a:r>
+              <a:rPr lang="en-US" altLang="zh-TW" dirty="0"/>
+              <a:t> "</a:t>
+            </a:r>
+            <a:r>
+              <a:rPr lang="en-US" altLang="zh-TW" dirty="0" err="1"/>
+              <a:t>prebuild:prod</a:t>
+            </a:r>
+            <a:r>
+              <a:rPr lang="en-US" altLang="zh-TW" dirty="0"/>
+              <a:t>": "</a:t>
+            </a:r>
+            <a:r>
+              <a:rPr lang="en-US" altLang="zh-TW" dirty="0" err="1"/>
+              <a:t>npm</a:t>
+            </a:r>
+            <a:r>
+              <a:rPr lang="en-US" altLang="zh-TW" dirty="0"/>
+              <a:t> run </a:t>
+            </a:r>
+            <a:r>
+              <a:rPr lang="en-US" altLang="zh-TW" dirty="0" err="1"/>
+              <a:t>build:lib</a:t>
+            </a:r>
+            <a:r>
+              <a:rPr lang="en-US" altLang="zh-TW" dirty="0"/>
+              <a:t>",</a:t>
+            </a:r>
+            <a:endParaRPr lang="zh-TW" altLang="zh-TW" dirty="0"/>
+          </a:p>
+          <a:p>
+            <a:pPr marL="0" indent="0">
+              <a:buNone/>
+            </a:pPr>
+            <a:r>
+              <a:rPr lang="en-US" altLang="zh-TW" dirty="0"/>
+              <a:t> "</a:t>
+            </a:r>
+            <a:r>
+              <a:rPr lang="en-US" altLang="zh-TW" dirty="0" err="1"/>
+              <a:t>build:prod</a:t>
+            </a:r>
+            <a:r>
+              <a:rPr lang="en-US" altLang="zh-TW" dirty="0"/>
+              <a:t>": "ng build --</a:t>
+            </a:r>
+            <a:r>
+              <a:rPr lang="en-US" altLang="zh-TW" dirty="0" err="1"/>
+              <a:t>aot</a:t>
+            </a:r>
+            <a:r>
+              <a:rPr lang="en-US" altLang="zh-TW" dirty="0"/>
+              <a:t> --prod --base-</a:t>
+            </a:r>
+            <a:r>
+              <a:rPr lang="en-US" altLang="zh-TW" dirty="0" err="1"/>
+              <a:t>href</a:t>
+            </a:r>
+            <a:r>
+              <a:rPr lang="en-US" altLang="zh-TW" dirty="0"/>
+              <a:t>=/my-first-app/",</a:t>
+            </a:r>
+            <a:endParaRPr lang="zh-TW" altLang="zh-TW" dirty="0"/>
+          </a:p>
+          <a:p>
+            <a:pPr marL="0" indent="0">
+              <a:buNone/>
+            </a:pPr>
+            <a:r>
+              <a:rPr lang="en-US" altLang="zh-TW" dirty="0"/>
+              <a:t> "</a:t>
+            </a:r>
+            <a:r>
+              <a:rPr lang="en-US" altLang="zh-TW" dirty="0" err="1"/>
+              <a:t>build:lib</a:t>
+            </a:r>
+            <a:r>
+              <a:rPr lang="en-US" altLang="zh-TW" dirty="0"/>
+              <a:t>": "ng build my-first-lib",</a:t>
+            </a:r>
+            <a:endParaRPr lang="zh-TW" altLang="zh-TW" dirty="0"/>
+          </a:p>
+          <a:p>
+            <a:pPr lvl="1"/>
+            <a:r>
+              <a:rPr lang="en-US" altLang="zh-TW" dirty="0"/>
+              <a:t> </a:t>
+            </a:r>
+            <a:endParaRPr lang="zh-TW" altLang="zh-TW" dirty="0"/>
+          </a:p>
+          <a:p>
+            <a:r>
+              <a:rPr lang="en-US" altLang="zh-TW" dirty="0"/>
+              <a:t> </a:t>
+            </a:r>
+            <a:endParaRPr lang="zh-TW" altLang="zh-TW" dirty="0"/>
+          </a:p>
+          <a:p>
+            <a:endParaRPr lang="zh-TW" altLang="en-US" dirty="0"/>
+          </a:p>
+        </p:txBody>
+      </p:sp>
+    </p:spTree>
+    <p:extLst>
+      <p:ext uri="{BB962C8B-B14F-4D97-AF65-F5344CB8AC3E}">
+        <p14:creationId xmlns:p14="http://schemas.microsoft.com/office/powerpoint/2010/main" val="2499366251"/>
+      </p:ext>
+    </p:extLst>
+  </p:cSld>
+  <p:clrMapOvr>
+    <a:masterClrMapping/>
+  </p:clrMapOvr>
+</p:sld>
+</file>
+
+<file path=ppt/slides/slide46.xml><?xml version="1.0" encoding="utf-8"?>
+<p:sld xmlns:a="http://schemas.openxmlformats.org/drawingml/2006/main" xmlns:r="http://schemas.openxmlformats.org/officeDocument/2006/relationships" xmlns:p="http://schemas.openxmlformats.org/presentationml/2006/main">
+  <p:cSld>
+    <p:spTree>
+      <p:nvGrpSpPr>
+        <p:cNvPr id="1" name=""/>
+        <p:cNvGrpSpPr/>
+        <p:nvPr/>
+      </p:nvGrpSpPr>
+      <p:grpSpPr>
+        <a:xfrm>
+          <a:off x="0" y="0"/>
+          <a:ext cx="0" cy="0"/>
+          <a:chOff x="0" y="0"/>
+          <a:chExt cx="0" cy="0"/>
+        </a:xfrm>
+      </p:grpSpPr>
+      <p:sp>
+        <p:nvSpPr>
+          <p:cNvPr id="2" name="標題 1"/>
+          <p:cNvSpPr>
+            <a:spLocks noGrp="1"/>
+          </p:cNvSpPr>
+          <p:nvPr>
+            <p:ph type="title"/>
+          </p:nvPr>
+        </p:nvSpPr>
+        <p:spPr/>
+        <p:txBody>
+          <a:bodyPr/>
+          <a:lstStyle/>
+          <a:p>
             <a:endParaRPr lang="zh-TW" altLang="en-US"/>
           </a:p>
         </p:txBody>
@@ -11342,7 +11975,7 @@
 </p:sld>
 </file>
 
-<file path=ppt/slides/slide45.xml><?xml version="1.0" encoding="utf-8"?>
+<file path=ppt/slides/slide47.xml><?xml version="1.0" encoding="utf-8"?>
 <p:sld xmlns:a="http://schemas.openxmlformats.org/drawingml/2006/main" xmlns:r="http://schemas.openxmlformats.org/officeDocument/2006/relationships" xmlns:p="http://schemas.openxmlformats.org/presentationml/2006/main">
   <p:cSld>
     <p:spTree>
@@ -11518,7 +12151,7 @@
 </p:sld>
 </file>
 
-<file path=ppt/slides/slide46.xml><?xml version="1.0" encoding="utf-8"?>
+<file path=ppt/slides/slide48.xml><?xml version="1.0" encoding="utf-8"?>
 <p:sld xmlns:a="http://schemas.openxmlformats.org/drawingml/2006/main" xmlns:r="http://schemas.openxmlformats.org/officeDocument/2006/relationships" xmlns:p="http://schemas.openxmlformats.org/presentationml/2006/main">
   <p:cSld>
     <p:spTree>
@@ -12041,6 +12674,13 @@
   <p:clrMapOvr>
     <a:masterClrMapping/>
   </p:clrMapOvr>
+  <p:timing>
+    <p:tnLst>
+      <p:par>
+        <p:cTn id="1" dur="indefinite" restart="never" nodeType="tmRoot"/>
+      </p:par>
+    </p:tnLst>
+  </p:timing>
 </p:sld>
 </file>
 
@@ -12196,6 +12836,13 @@
   <p:clrMapOvr>
     <a:masterClrMapping/>
   </p:clrMapOvr>
+  <p:timing>
+    <p:tnLst>
+      <p:par>
+        <p:cTn id="1" dur="indefinite" restart="never" nodeType="tmRoot"/>
+      </p:par>
+    </p:tnLst>
+  </p:timing>
 </p:sld>
 </file>
 
@@ -12421,7 +13068,7 @@
         </p:spPr>
         <p:txBody>
           <a:bodyPr vert="horz" lIns="91440" tIns="45720" rIns="91440" bIns="45720" rtlCol="0">
-            <a:normAutofit/>
+            <a:normAutofit lnSpcReduction="10000"/>
           </a:bodyPr>
           <a:lstStyle>
             <a:lvl1pPr marL="228600" indent="-228600" algn="l" defTabSz="914400" rtl="0" eaLnBrk="1" latinLnBrk="0" hangingPunct="1">
@@ -12684,6 +13331,21 @@
             </a:r>
           </a:p>
           <a:p>
+            <a:r>
+              <a:rPr lang="en-US" altLang="zh-TW" dirty="0" smtClean="0"/>
+              <a:t>&lt;!--  </a:t>
+            </a:r>
+            <a:r>
+              <a:rPr lang="zh-TW" altLang="en-US" dirty="0" smtClean="0"/>
+              <a:t>註解</a:t>
+            </a:r>
+            <a:r>
+              <a:rPr lang="en-US" altLang="zh-TW" dirty="0" smtClean="0"/>
+              <a:t> --&gt;</a:t>
+            </a:r>
+            <a:endParaRPr lang="en-US" altLang="zh-TW" dirty="0" smtClean="0"/>
+          </a:p>
+          <a:p>
             <a:pPr marL="0" indent="0">
               <a:buFont typeface="Arial" panose="020B0604020202020204" pitchFamily="34" charset="0"/>
               <a:buNone/>
@@ -12711,6 +13373,13 @@
   <p:clrMapOvr>
     <a:masterClrMapping/>
   </p:clrMapOvr>
+  <p:timing>
+    <p:tnLst>
+      <p:par>
+        <p:cTn id="1" dur="indefinite" restart="never" nodeType="tmRoot"/>
+      </p:par>
+    </p:tnLst>
+  </p:timing>
 </p:sld>
 </file>
 
@@ -12748,7 +13417,7 @@
           <a:p>
             <a:r>
               <a:rPr lang="en-US" altLang="zh-TW" dirty="0" smtClean="0"/>
-              <a:t>Block / inline</a:t>
+              <a:t>Form Input Type</a:t>
             </a:r>
             <a:endParaRPr lang="zh-TW" altLang="en-US" dirty="0"/>
           </a:p>
@@ -12769,19 +13438,36 @@
           <a:bodyPr/>
           <a:lstStyle/>
           <a:p>
-            <a:r>
-              <a:rPr lang="en-US" altLang="zh-TW" dirty="0"/>
-              <a:t>Block, &lt;div</a:t>
-            </a:r>
-            <a:r>
-              <a:rPr lang="en-US" altLang="zh-TW" dirty="0" smtClean="0"/>
-              <a:t>&gt;</a:t>
-            </a:r>
-          </a:p>
-          <a:p>
-            <a:r>
-              <a:rPr lang="en-US" altLang="zh-TW" dirty="0" smtClean="0"/>
-              <a:t>Inline, &lt;span&gt;</a:t>
+            <a:endParaRPr lang="zh-TW" altLang="en-US" dirty="0"/>
+          </a:p>
+        </p:txBody>
+      </p:sp>
+      <p:sp>
+        <p:nvSpPr>
+          <p:cNvPr id="4" name="矩形 3"/>
+          <p:cNvSpPr/>
+          <p:nvPr/>
+        </p:nvSpPr>
+        <p:spPr>
+          <a:xfrm>
+            <a:off x="5247385" y="6176963"/>
+            <a:ext cx="6106415" cy="369332"/>
+          </a:xfrm>
+          <a:prstGeom prst="rect">
+            <a:avLst/>
+          </a:prstGeom>
+        </p:spPr>
+        <p:txBody>
+          <a:bodyPr wrap="none">
+            <a:spAutoFit/>
+          </a:bodyPr>
+          <a:lstStyle/>
+          <a:p>
+            <a:r>
+              <a:rPr lang="en-US" altLang="zh-TW" dirty="0">
+                <a:hlinkClick r:id="rId2"/>
+              </a:rPr>
+              <a:t>https://www.w3schools.com/html/html_form_input_types.asp</a:t>
             </a:r>
             <a:endParaRPr lang="zh-TW" altLang="en-US" dirty="0"/>
           </a:p>
@@ -12789,63 +13475,376 @@
       </p:sp>
       <p:pic>
         <p:nvPicPr>
-          <p:cNvPr id="4" name="圖片 3"/>
+          <p:cNvPr id="5" name="圖片 4"/>
           <p:cNvPicPr>
             <a:picLocks noChangeAspect="1"/>
           </p:cNvPicPr>
           <p:nvPr/>
         </p:nvPicPr>
         <p:blipFill>
-          <a:blip r:embed="rId2"/>
+          <a:blip r:embed="rId3"/>
           <a:stretch>
             <a:fillRect/>
           </a:stretch>
         </p:blipFill>
         <p:spPr>
           <a:xfrm>
-            <a:off x="357187" y="3663950"/>
-            <a:ext cx="11477625" cy="2647950"/>
+            <a:off x="725697" y="1614487"/>
+            <a:ext cx="4305300" cy="3629025"/>
           </a:xfrm>
           <a:prstGeom prst="rect">
             <a:avLst/>
           </a:prstGeom>
         </p:spPr>
       </p:pic>
-      <p:sp>
-        <p:nvSpPr>
-          <p:cNvPr id="5" name="矩形 4"/>
-          <p:cNvSpPr/>
+      <p:pic>
+        <p:nvPicPr>
+          <p:cNvPr id="6" name="圖片 5"/>
+          <p:cNvPicPr>
+            <a:picLocks noChangeAspect="1"/>
+          </p:cNvPicPr>
           <p:nvPr/>
-        </p:nvSpPr>
+        </p:nvPicPr>
+        <p:blipFill>
+          <a:blip r:embed="rId4"/>
+          <a:stretch>
+            <a:fillRect/>
+          </a:stretch>
+        </p:blipFill>
         <p:spPr>
           <a:xfrm>
-            <a:off x="6948521" y="6488668"/>
-            <a:ext cx="5006307" cy="369332"/>
+            <a:off x="5783293" y="1685924"/>
+            <a:ext cx="3886200" cy="3486150"/>
           </a:xfrm>
           <a:prstGeom prst="rect">
             <a:avLst/>
           </a:prstGeom>
         </p:spPr>
-        <p:txBody>
-          <a:bodyPr wrap="none">
-            <a:spAutoFit/>
-          </a:bodyPr>
-          <a:lstStyle/>
-          <a:p>
-            <a:r>
-              <a:rPr lang="en-US" altLang="zh-TW" dirty="0">
-                <a:hlinkClick r:id="rId3"/>
-              </a:rPr>
-              <a:t>https://www.w3schools.com/html/html_blocks.asp</a:t>
-            </a:r>
-            <a:endParaRPr lang="zh-TW" altLang="en-US" dirty="0"/>
+      </p:pic>
+      <p:sp>
+        <p:nvSpPr>
+          <p:cNvPr id="7" name="橢圓 6"/>
+          <p:cNvSpPr/>
+          <p:nvPr/>
+        </p:nvSpPr>
+        <p:spPr>
+          <a:xfrm>
+            <a:off x="3900578" y="1787502"/>
+            <a:ext cx="163902" cy="175703"/>
+          </a:xfrm>
+          <a:prstGeom prst="ellipse">
+            <a:avLst/>
+          </a:prstGeom>
+        </p:spPr>
+        <p:style>
+          <a:lnRef idx="2">
+            <a:schemeClr val="accent1">
+              <a:shade val="50000"/>
+            </a:schemeClr>
+          </a:lnRef>
+          <a:fillRef idx="1">
+            <a:schemeClr val="accent1"/>
+          </a:fillRef>
+          <a:effectRef idx="0">
+            <a:schemeClr val="accent1"/>
+          </a:effectRef>
+          <a:fontRef idx="minor">
+            <a:schemeClr val="lt1"/>
+          </a:fontRef>
+        </p:style>
+        <p:txBody>
+          <a:bodyPr rtlCol="0" anchor="ctr"/>
+          <a:lstStyle/>
+          <a:p>
+            <a:pPr algn="ctr"/>
+            <a:endParaRPr lang="zh-TW" altLang="en-US"/>
+          </a:p>
+        </p:txBody>
+      </p:sp>
+      <p:sp>
+        <p:nvSpPr>
+          <p:cNvPr id="8" name="橢圓 7"/>
+          <p:cNvSpPr/>
+          <p:nvPr/>
+        </p:nvSpPr>
+        <p:spPr>
+          <a:xfrm>
+            <a:off x="4172310" y="2159179"/>
+            <a:ext cx="163902" cy="175703"/>
+          </a:xfrm>
+          <a:prstGeom prst="ellipse">
+            <a:avLst/>
+          </a:prstGeom>
+        </p:spPr>
+        <p:style>
+          <a:lnRef idx="2">
+            <a:schemeClr val="accent1">
+              <a:shade val="50000"/>
+            </a:schemeClr>
+          </a:lnRef>
+          <a:fillRef idx="1">
+            <a:schemeClr val="accent1"/>
+          </a:fillRef>
+          <a:effectRef idx="0">
+            <a:schemeClr val="accent1"/>
+          </a:effectRef>
+          <a:fontRef idx="minor">
+            <a:schemeClr val="lt1"/>
+          </a:fontRef>
+        </p:style>
+        <p:txBody>
+          <a:bodyPr rtlCol="0" anchor="ctr"/>
+          <a:lstStyle/>
+          <a:p>
+            <a:pPr algn="ctr"/>
+            <a:endParaRPr lang="zh-TW" altLang="en-US"/>
+          </a:p>
+        </p:txBody>
+      </p:sp>
+      <p:sp>
+        <p:nvSpPr>
+          <p:cNvPr id="9" name="橢圓 8"/>
+          <p:cNvSpPr/>
+          <p:nvPr/>
+        </p:nvSpPr>
+        <p:spPr>
+          <a:xfrm>
+            <a:off x="3740989" y="2764347"/>
+            <a:ext cx="163902" cy="175703"/>
+          </a:xfrm>
+          <a:prstGeom prst="ellipse">
+            <a:avLst/>
+          </a:prstGeom>
+        </p:spPr>
+        <p:style>
+          <a:lnRef idx="2">
+            <a:schemeClr val="accent1">
+              <a:shade val="50000"/>
+            </a:schemeClr>
+          </a:lnRef>
+          <a:fillRef idx="1">
+            <a:schemeClr val="accent1"/>
+          </a:fillRef>
+          <a:effectRef idx="0">
+            <a:schemeClr val="accent1"/>
+          </a:effectRef>
+          <a:fontRef idx="minor">
+            <a:schemeClr val="lt1"/>
+          </a:fontRef>
+        </p:style>
+        <p:txBody>
+          <a:bodyPr rtlCol="0" anchor="ctr"/>
+          <a:lstStyle/>
+          <a:p>
+            <a:pPr algn="ctr"/>
+            <a:endParaRPr lang="zh-TW" altLang="en-US"/>
+          </a:p>
+        </p:txBody>
+      </p:sp>
+      <p:sp>
+        <p:nvSpPr>
+          <p:cNvPr id="10" name="橢圓 9"/>
+          <p:cNvSpPr/>
+          <p:nvPr/>
+        </p:nvSpPr>
+        <p:spPr>
+          <a:xfrm>
+            <a:off x="3900578" y="3351851"/>
+            <a:ext cx="163902" cy="175703"/>
+          </a:xfrm>
+          <a:prstGeom prst="ellipse">
+            <a:avLst/>
+          </a:prstGeom>
+        </p:spPr>
+        <p:style>
+          <a:lnRef idx="2">
+            <a:schemeClr val="accent1">
+              <a:shade val="50000"/>
+            </a:schemeClr>
+          </a:lnRef>
+          <a:fillRef idx="1">
+            <a:schemeClr val="accent1"/>
+          </a:fillRef>
+          <a:effectRef idx="0">
+            <a:schemeClr val="accent1"/>
+          </a:effectRef>
+          <a:fontRef idx="minor">
+            <a:schemeClr val="lt1"/>
+          </a:fontRef>
+        </p:style>
+        <p:txBody>
+          <a:bodyPr rtlCol="0" anchor="ctr"/>
+          <a:lstStyle/>
+          <a:p>
+            <a:pPr algn="ctr"/>
+            <a:endParaRPr lang="zh-TW" altLang="en-US"/>
+          </a:p>
+        </p:txBody>
+      </p:sp>
+      <p:sp>
+        <p:nvSpPr>
+          <p:cNvPr id="11" name="橢圓 10"/>
+          <p:cNvSpPr/>
+          <p:nvPr/>
+        </p:nvSpPr>
+        <p:spPr>
+          <a:xfrm>
+            <a:off x="3685456" y="3693379"/>
+            <a:ext cx="163902" cy="175703"/>
+          </a:xfrm>
+          <a:prstGeom prst="ellipse">
+            <a:avLst/>
+          </a:prstGeom>
+        </p:spPr>
+        <p:style>
+          <a:lnRef idx="2">
+            <a:schemeClr val="accent1">
+              <a:shade val="50000"/>
+            </a:schemeClr>
+          </a:lnRef>
+          <a:fillRef idx="1">
+            <a:schemeClr val="accent1"/>
+          </a:fillRef>
+          <a:effectRef idx="0">
+            <a:schemeClr val="accent1"/>
+          </a:effectRef>
+          <a:fontRef idx="minor">
+            <a:schemeClr val="lt1"/>
+          </a:fontRef>
+        </p:style>
+        <p:txBody>
+          <a:bodyPr rtlCol="0" anchor="ctr"/>
+          <a:lstStyle/>
+          <a:p>
+            <a:pPr algn="ctr"/>
+            <a:endParaRPr lang="zh-TW" altLang="en-US"/>
+          </a:p>
+        </p:txBody>
+      </p:sp>
+      <p:sp>
+        <p:nvSpPr>
+          <p:cNvPr id="12" name="橢圓 11"/>
+          <p:cNvSpPr/>
+          <p:nvPr/>
+        </p:nvSpPr>
+        <p:spPr>
+          <a:xfrm>
+            <a:off x="9109495" y="1737773"/>
+            <a:ext cx="163902" cy="175703"/>
+          </a:xfrm>
+          <a:prstGeom prst="ellipse">
+            <a:avLst/>
+          </a:prstGeom>
+        </p:spPr>
+        <p:style>
+          <a:lnRef idx="2">
+            <a:schemeClr val="accent1">
+              <a:shade val="50000"/>
+            </a:schemeClr>
+          </a:lnRef>
+          <a:fillRef idx="1">
+            <a:schemeClr val="accent1"/>
+          </a:fillRef>
+          <a:effectRef idx="0">
+            <a:schemeClr val="accent1"/>
+          </a:effectRef>
+          <a:fontRef idx="minor">
+            <a:schemeClr val="lt1"/>
+          </a:fontRef>
+        </p:style>
+        <p:txBody>
+          <a:bodyPr rtlCol="0" anchor="ctr"/>
+          <a:lstStyle/>
+          <a:p>
+            <a:pPr algn="ctr"/>
+            <a:endParaRPr lang="zh-TW" altLang="en-US"/>
+          </a:p>
+        </p:txBody>
+      </p:sp>
+      <p:sp>
+        <p:nvSpPr>
+          <p:cNvPr id="13" name="橢圓 12"/>
+          <p:cNvSpPr/>
+          <p:nvPr/>
+        </p:nvSpPr>
+        <p:spPr>
+          <a:xfrm>
+            <a:off x="8704053" y="2066122"/>
+            <a:ext cx="163902" cy="175703"/>
+          </a:xfrm>
+          <a:prstGeom prst="ellipse">
+            <a:avLst/>
+          </a:prstGeom>
+        </p:spPr>
+        <p:style>
+          <a:lnRef idx="2">
+            <a:schemeClr val="accent1">
+              <a:shade val="50000"/>
+            </a:schemeClr>
+          </a:lnRef>
+          <a:fillRef idx="1">
+            <a:schemeClr val="accent1"/>
+          </a:fillRef>
+          <a:effectRef idx="0">
+            <a:schemeClr val="accent1"/>
+          </a:effectRef>
+          <a:fontRef idx="minor">
+            <a:schemeClr val="lt1"/>
+          </a:fontRef>
+        </p:style>
+        <p:txBody>
+          <a:bodyPr rtlCol="0" anchor="ctr"/>
+          <a:lstStyle/>
+          <a:p>
+            <a:pPr algn="ctr"/>
+            <a:endParaRPr lang="zh-TW" altLang="en-US"/>
+          </a:p>
+        </p:txBody>
+      </p:sp>
+      <p:sp>
+        <p:nvSpPr>
+          <p:cNvPr id="14" name="橢圓 13"/>
+          <p:cNvSpPr/>
+          <p:nvPr/>
+        </p:nvSpPr>
+        <p:spPr>
+          <a:xfrm>
+            <a:off x="8867955" y="3341147"/>
+            <a:ext cx="163902" cy="175703"/>
+          </a:xfrm>
+          <a:prstGeom prst="ellipse">
+            <a:avLst/>
+          </a:prstGeom>
+        </p:spPr>
+        <p:style>
+          <a:lnRef idx="2">
+            <a:schemeClr val="accent1">
+              <a:shade val="50000"/>
+            </a:schemeClr>
+          </a:lnRef>
+          <a:fillRef idx="1">
+            <a:schemeClr val="accent1"/>
+          </a:fillRef>
+          <a:effectRef idx="0">
+            <a:schemeClr val="accent1"/>
+          </a:effectRef>
+          <a:fontRef idx="minor">
+            <a:schemeClr val="lt1"/>
+          </a:fontRef>
+        </p:style>
+        <p:txBody>
+          <a:bodyPr rtlCol="0" anchor="ctr"/>
+          <a:lstStyle/>
+          <a:p>
+            <a:pPr algn="ctr"/>
+            <a:endParaRPr lang="zh-TW" altLang="en-US"/>
           </a:p>
         </p:txBody>
       </p:sp>
     </p:spTree>
     <p:extLst>
       <p:ext uri="{BB962C8B-B14F-4D97-AF65-F5344CB8AC3E}">
-        <p14:creationId xmlns:p14="http://schemas.microsoft.com/office/powerpoint/2010/main" val="4113452442"/>
+        <p14:creationId xmlns:p14="http://schemas.microsoft.com/office/powerpoint/2010/main" val="1009185548"/>
       </p:ext>
     </p:extLst>
   </p:cSld>
@@ -12889,7 +13888,7 @@
           <a:p>
             <a:r>
               <a:rPr lang="en-US" altLang="zh-TW" dirty="0" smtClean="0"/>
-              <a:t>HTML Style attribute</a:t>
+              <a:t>Block / inline</a:t>
             </a:r>
             <a:endParaRPr lang="zh-TW" altLang="en-US" dirty="0"/>
           </a:p>
@@ -12907,157 +13906,22 @@
         </p:nvSpPr>
         <p:spPr/>
         <p:txBody>
-          <a:bodyPr>
-            <a:normAutofit fontScale="92500" lnSpcReduction="20000"/>
-          </a:bodyPr>
-          <a:lstStyle/>
-          <a:p>
-            <a:r>
-              <a:rPr lang="zh-TW" altLang="en-US" dirty="0" smtClean="0"/>
-              <a:t>語法</a:t>
-            </a:r>
-            <a:r>
-              <a:rPr lang="en-US" altLang="zh-TW" dirty="0" smtClean="0"/>
-              <a:t>:</a:t>
-            </a:r>
-          </a:p>
-          <a:p>
-            <a:r>
-              <a:rPr lang="en-US" altLang="zh-TW" dirty="0" smtClean="0"/>
-              <a:t>Color: background, Text</a:t>
-            </a:r>
-          </a:p>
-          <a:p>
-            <a:r>
-              <a:rPr lang="en-US" altLang="zh-TW" dirty="0" smtClean="0"/>
-              <a:t>Text: Size, Font, Alignment, formatting</a:t>
-            </a:r>
-          </a:p>
-          <a:p>
-            <a:pPr lvl="1"/>
-            <a:r>
-              <a:rPr lang="en-US" altLang="zh-TW" dirty="0" smtClean="0"/>
-              <a:t>Formatting</a:t>
-            </a:r>
-          </a:p>
-          <a:p>
-            <a:pPr lvl="2"/>
-            <a:r>
-              <a:rPr lang="en-US" altLang="zh-TW" dirty="0"/>
-              <a:t>&lt;b&gt; - Bold text</a:t>
-            </a:r>
-          </a:p>
-          <a:p>
-            <a:pPr lvl="2"/>
-            <a:r>
-              <a:rPr lang="en-US" altLang="zh-TW" dirty="0"/>
-              <a:t>&lt;strong&gt; - Important text</a:t>
-            </a:r>
-          </a:p>
-          <a:p>
-            <a:pPr lvl="2"/>
-            <a:r>
-              <a:rPr lang="en-US" altLang="zh-TW" dirty="0"/>
-              <a:t>&lt;</a:t>
-            </a:r>
-            <a:r>
-              <a:rPr lang="en-US" altLang="zh-TW" dirty="0" err="1"/>
-              <a:t>i</a:t>
-            </a:r>
-            <a:r>
-              <a:rPr lang="en-US" altLang="zh-TW" dirty="0"/>
-              <a:t>&gt; - Italic text</a:t>
-            </a:r>
-          </a:p>
-          <a:p>
-            <a:pPr lvl="2"/>
-            <a:r>
-              <a:rPr lang="en-US" altLang="zh-TW" dirty="0"/>
-              <a:t>&lt;</a:t>
-            </a:r>
-            <a:r>
-              <a:rPr lang="en-US" altLang="zh-TW" dirty="0" err="1"/>
-              <a:t>em</a:t>
-            </a:r>
-            <a:r>
-              <a:rPr lang="en-US" altLang="zh-TW" dirty="0"/>
-              <a:t>&gt; - Emphasized text</a:t>
-            </a:r>
-          </a:p>
-          <a:p>
-            <a:pPr lvl="2"/>
-            <a:r>
-              <a:rPr lang="en-US" altLang="zh-TW" dirty="0"/>
-              <a:t>&lt;mark&gt; - Marked text</a:t>
-            </a:r>
-          </a:p>
-          <a:p>
-            <a:pPr lvl="2"/>
-            <a:r>
-              <a:rPr lang="en-US" altLang="zh-TW" dirty="0"/>
-              <a:t>&lt;small&gt; - Small text</a:t>
-            </a:r>
-          </a:p>
-          <a:p>
-            <a:pPr lvl="2"/>
-            <a:r>
-              <a:rPr lang="en-US" altLang="zh-TW" dirty="0"/>
-              <a:t>&lt;del&gt; - Deleted text</a:t>
-            </a:r>
-          </a:p>
-          <a:p>
-            <a:pPr lvl="2"/>
-            <a:r>
-              <a:rPr lang="en-US" altLang="zh-TW" dirty="0"/>
-              <a:t>&lt;ins&gt; - Inserted text</a:t>
-            </a:r>
-          </a:p>
-          <a:p>
-            <a:pPr lvl="2"/>
-            <a:r>
-              <a:rPr lang="en-US" altLang="zh-TW" dirty="0"/>
-              <a:t>&lt;sub&gt; - Subscript text</a:t>
-            </a:r>
-          </a:p>
-          <a:p>
-            <a:pPr lvl="2"/>
-            <a:r>
-              <a:rPr lang="en-US" altLang="zh-TW" dirty="0"/>
-              <a:t>&lt;sup&gt; - Superscript text</a:t>
-            </a:r>
-            <a:endParaRPr lang="en-US" altLang="zh-TW" dirty="0" smtClean="0"/>
-          </a:p>
-          <a:p>
-            <a:endParaRPr lang="zh-TW" altLang="en-US" dirty="0"/>
-          </a:p>
-        </p:txBody>
-      </p:sp>
-      <p:sp>
-        <p:nvSpPr>
-          <p:cNvPr id="4" name="矩形 3"/>
-          <p:cNvSpPr/>
-          <p:nvPr/>
-        </p:nvSpPr>
-        <p:spPr>
-          <a:xfrm>
-            <a:off x="6305541" y="6311900"/>
-            <a:ext cx="4946547" cy="369332"/>
-          </a:xfrm>
-          <a:prstGeom prst="rect">
-            <a:avLst/>
-          </a:prstGeom>
-        </p:spPr>
-        <p:txBody>
-          <a:bodyPr wrap="none">
-            <a:spAutoFit/>
-          </a:bodyPr>
-          <a:lstStyle/>
-          <a:p>
-            <a:r>
-              <a:rPr lang="en-US" altLang="zh-TW" dirty="0">
-                <a:hlinkClick r:id="rId2"/>
-              </a:rPr>
-              <a:t>https://www.w3schools.com/html/html_styles.asp</a:t>
+          <a:bodyPr/>
+          <a:lstStyle/>
+          <a:p>
+            <a:r>
+              <a:rPr lang="en-US" altLang="zh-TW" dirty="0"/>
+              <a:t>Block, &lt;div</a:t>
+            </a:r>
+            <a:r>
+              <a:rPr lang="en-US" altLang="zh-TW" dirty="0" smtClean="0"/>
+              <a:t>&gt;</a:t>
+            </a:r>
+          </a:p>
+          <a:p>
+            <a:r>
+              <a:rPr lang="en-US" altLang="zh-TW" dirty="0" smtClean="0"/>
+              <a:t>Inline, &lt;span&gt;</a:t>
             </a:r>
             <a:endParaRPr lang="zh-TW" altLang="en-US" dirty="0"/>
           </a:p>
@@ -13065,38 +13929,76 @@
       </p:sp>
       <p:pic>
         <p:nvPicPr>
-          <p:cNvPr id="5" name="圖片 4"/>
+          <p:cNvPr id="4" name="圖片 3"/>
           <p:cNvPicPr>
             <a:picLocks noChangeAspect="1"/>
           </p:cNvPicPr>
           <p:nvPr/>
         </p:nvPicPr>
         <p:blipFill>
-          <a:blip r:embed="rId3"/>
+          <a:blip r:embed="rId2"/>
           <a:stretch>
             <a:fillRect/>
           </a:stretch>
         </p:blipFill>
         <p:spPr>
           <a:xfrm>
-            <a:off x="2647141" y="1587171"/>
-            <a:ext cx="3895725" cy="609600"/>
+            <a:off x="357187" y="3663950"/>
+            <a:ext cx="11477625" cy="2647950"/>
           </a:xfrm>
           <a:prstGeom prst="rect">
             <a:avLst/>
           </a:prstGeom>
         </p:spPr>
       </p:pic>
+      <p:sp>
+        <p:nvSpPr>
+          <p:cNvPr id="5" name="矩形 4"/>
+          <p:cNvSpPr/>
+          <p:nvPr/>
+        </p:nvSpPr>
+        <p:spPr>
+          <a:xfrm>
+            <a:off x="6948521" y="6488668"/>
+            <a:ext cx="5006307" cy="369332"/>
+          </a:xfrm>
+          <a:prstGeom prst="rect">
+            <a:avLst/>
+          </a:prstGeom>
+        </p:spPr>
+        <p:txBody>
+          <a:bodyPr wrap="none">
+            <a:spAutoFit/>
+          </a:bodyPr>
+          <a:lstStyle/>
+          <a:p>
+            <a:r>
+              <a:rPr lang="en-US" altLang="zh-TW" dirty="0">
+                <a:hlinkClick r:id="rId3"/>
+              </a:rPr>
+              <a:t>https://www.w3schools.com/html/html_blocks.asp</a:t>
+            </a:r>
+            <a:endParaRPr lang="zh-TW" altLang="en-US" dirty="0"/>
+          </a:p>
+        </p:txBody>
+      </p:sp>
     </p:spTree>
     <p:extLst>
       <p:ext uri="{BB962C8B-B14F-4D97-AF65-F5344CB8AC3E}">
-        <p14:creationId xmlns:p14="http://schemas.microsoft.com/office/powerpoint/2010/main" val="265644712"/>
+        <p14:creationId xmlns:p14="http://schemas.microsoft.com/office/powerpoint/2010/main" val="4113452442"/>
       </p:ext>
     </p:extLst>
   </p:cSld>
   <p:clrMapOvr>
     <a:masterClrMapping/>
   </p:clrMapOvr>
+  <p:timing>
+    <p:tnLst>
+      <p:par>
+        <p:cTn id="1" dur="indefinite" restart="never" nodeType="tmRoot"/>
+      </p:par>
+    </p:tnLst>
+  </p:timing>
 </p:sld>
 </file>
 
